--- a/Thesis/Figures/polished/wiring_ff.pptx
+++ b/Thesis/Figures/polished/wiring_ff.pptx
@@ -2,19 +2,19 @@
 <file path=ppt/presentation.xml><?xml version="1.0" encoding="utf-8"?>
 <p:presentation xmlns:a="http://schemas.openxmlformats.org/drawingml/2006/main" xmlns:r="http://schemas.openxmlformats.org/officeDocument/2006/relationships" xmlns:p="http://schemas.openxmlformats.org/presentationml/2006/main" saveSubsetFonts="1">
   <p:sldMasterIdLst>
-    <p:sldMasterId id="2147483720" r:id="rId1"/>
+    <p:sldMasterId id="2147483732" r:id="rId1"/>
   </p:sldMasterIdLst>
   <p:sldIdLst>
     <p:sldId id="256" r:id="rId2"/>
   </p:sldIdLst>
-  <p:sldSz cx="5759450" cy="9359900"/>
+  <p:sldSz cx="7559675" cy="10439400"/>
   <p:notesSz cx="6858000" cy="9144000"/>
   <p:defaultTextStyle>
     <a:defPPr>
       <a:defRPr lang="en-US"/>
     </a:defPPr>
-    <a:lvl1pPr marL="0" algn="l" defTabSz="731520" rtl="0" eaLnBrk="1" latinLnBrk="0" hangingPunct="1">
-      <a:defRPr sz="1440" kern="1200">
+    <a:lvl1pPr marL="0" algn="l" defTabSz="870801" rtl="0" eaLnBrk="1" latinLnBrk="0" hangingPunct="1">
+      <a:defRPr sz="1714" kern="1200">
         <a:solidFill>
           <a:schemeClr val="tx1"/>
         </a:solidFill>
@@ -23,8 +23,8 @@
         <a:cs typeface="+mn-cs"/>
       </a:defRPr>
     </a:lvl1pPr>
-    <a:lvl2pPr marL="365760" algn="l" defTabSz="731520" rtl="0" eaLnBrk="1" latinLnBrk="0" hangingPunct="1">
-      <a:defRPr sz="1440" kern="1200">
+    <a:lvl2pPr marL="435401" algn="l" defTabSz="870801" rtl="0" eaLnBrk="1" latinLnBrk="0" hangingPunct="1">
+      <a:defRPr sz="1714" kern="1200">
         <a:solidFill>
           <a:schemeClr val="tx1"/>
         </a:solidFill>
@@ -33,8 +33,8 @@
         <a:cs typeface="+mn-cs"/>
       </a:defRPr>
     </a:lvl2pPr>
-    <a:lvl3pPr marL="731520" algn="l" defTabSz="731520" rtl="0" eaLnBrk="1" latinLnBrk="0" hangingPunct="1">
-      <a:defRPr sz="1440" kern="1200">
+    <a:lvl3pPr marL="870801" algn="l" defTabSz="870801" rtl="0" eaLnBrk="1" latinLnBrk="0" hangingPunct="1">
+      <a:defRPr sz="1714" kern="1200">
         <a:solidFill>
           <a:schemeClr val="tx1"/>
         </a:solidFill>
@@ -43,8 +43,8 @@
         <a:cs typeface="+mn-cs"/>
       </a:defRPr>
     </a:lvl3pPr>
-    <a:lvl4pPr marL="1097280" algn="l" defTabSz="731520" rtl="0" eaLnBrk="1" latinLnBrk="0" hangingPunct="1">
-      <a:defRPr sz="1440" kern="1200">
+    <a:lvl4pPr marL="1306202" algn="l" defTabSz="870801" rtl="0" eaLnBrk="1" latinLnBrk="0" hangingPunct="1">
+      <a:defRPr sz="1714" kern="1200">
         <a:solidFill>
           <a:schemeClr val="tx1"/>
         </a:solidFill>
@@ -53,8 +53,8 @@
         <a:cs typeface="+mn-cs"/>
       </a:defRPr>
     </a:lvl4pPr>
-    <a:lvl5pPr marL="1463040" algn="l" defTabSz="731520" rtl="0" eaLnBrk="1" latinLnBrk="0" hangingPunct="1">
-      <a:defRPr sz="1440" kern="1200">
+    <a:lvl5pPr marL="1741603" algn="l" defTabSz="870801" rtl="0" eaLnBrk="1" latinLnBrk="0" hangingPunct="1">
+      <a:defRPr sz="1714" kern="1200">
         <a:solidFill>
           <a:schemeClr val="tx1"/>
         </a:solidFill>
@@ -63,8 +63,8 @@
         <a:cs typeface="+mn-cs"/>
       </a:defRPr>
     </a:lvl5pPr>
-    <a:lvl6pPr marL="1828800" algn="l" defTabSz="731520" rtl="0" eaLnBrk="1" latinLnBrk="0" hangingPunct="1">
-      <a:defRPr sz="1440" kern="1200">
+    <a:lvl6pPr marL="2177004" algn="l" defTabSz="870801" rtl="0" eaLnBrk="1" latinLnBrk="0" hangingPunct="1">
+      <a:defRPr sz="1714" kern="1200">
         <a:solidFill>
           <a:schemeClr val="tx1"/>
         </a:solidFill>
@@ -73,8 +73,8 @@
         <a:cs typeface="+mn-cs"/>
       </a:defRPr>
     </a:lvl6pPr>
-    <a:lvl7pPr marL="2194560" algn="l" defTabSz="731520" rtl="0" eaLnBrk="1" latinLnBrk="0" hangingPunct="1">
-      <a:defRPr sz="1440" kern="1200">
+    <a:lvl7pPr marL="2612404" algn="l" defTabSz="870801" rtl="0" eaLnBrk="1" latinLnBrk="0" hangingPunct="1">
+      <a:defRPr sz="1714" kern="1200">
         <a:solidFill>
           <a:schemeClr val="tx1"/>
         </a:solidFill>
@@ -83,8 +83,8 @@
         <a:cs typeface="+mn-cs"/>
       </a:defRPr>
     </a:lvl7pPr>
-    <a:lvl8pPr marL="2560320" algn="l" defTabSz="731520" rtl="0" eaLnBrk="1" latinLnBrk="0" hangingPunct="1">
-      <a:defRPr sz="1440" kern="1200">
+    <a:lvl8pPr marL="3047805" algn="l" defTabSz="870801" rtl="0" eaLnBrk="1" latinLnBrk="0" hangingPunct="1">
+      <a:defRPr sz="1714" kern="1200">
         <a:solidFill>
           <a:schemeClr val="tx1"/>
         </a:solidFill>
@@ -93,8 +93,8 @@
         <a:cs typeface="+mn-cs"/>
       </a:defRPr>
     </a:lvl8pPr>
-    <a:lvl9pPr marL="2926080" algn="l" defTabSz="731520" rtl="0" eaLnBrk="1" latinLnBrk="0" hangingPunct="1">
-      <a:defRPr sz="1440" kern="1200">
+    <a:lvl9pPr marL="3483206" algn="l" defTabSz="870801" rtl="0" eaLnBrk="1" latinLnBrk="0" hangingPunct="1">
+      <a:defRPr sz="1714" kern="1200">
         <a:solidFill>
           <a:schemeClr val="tx1"/>
         </a:solidFill>
@@ -141,15 +141,15 @@
         </p:nvSpPr>
         <p:spPr>
           <a:xfrm>
-            <a:off x="431959" y="1531818"/>
-            <a:ext cx="4895533" cy="3258632"/>
+            <a:off x="566976" y="1708486"/>
+            <a:ext cx="6425724" cy="3634458"/>
           </a:xfrm>
         </p:spPr>
         <p:txBody>
           <a:bodyPr anchor="b"/>
           <a:lstStyle>
             <a:lvl1pPr algn="ctr">
-              <a:defRPr sz="3779"/>
+              <a:defRPr sz="4960"/>
             </a:lvl1pPr>
           </a:lstStyle>
           <a:p>
@@ -173,8 +173,8 @@
         </p:nvSpPr>
         <p:spPr>
           <a:xfrm>
-            <a:off x="719931" y="4916115"/>
-            <a:ext cx="4319588" cy="2259809"/>
+            <a:off x="944960" y="5483102"/>
+            <a:ext cx="5669756" cy="2520438"/>
           </a:xfrm>
         </p:spPr>
         <p:txBody>
@@ -182,39 +182,39 @@
           <a:lstStyle>
             <a:lvl1pPr marL="0" indent="0" algn="ctr">
               <a:buNone/>
-              <a:defRPr sz="1512"/>
+              <a:defRPr sz="1984"/>
             </a:lvl1pPr>
-            <a:lvl2pPr marL="287990" indent="0" algn="ctr">
+            <a:lvl2pPr marL="377967" indent="0" algn="ctr">
               <a:buNone/>
-              <a:defRPr sz="1260"/>
+              <a:defRPr sz="1653"/>
             </a:lvl2pPr>
-            <a:lvl3pPr marL="575981" indent="0" algn="ctr">
+            <a:lvl3pPr marL="755934" indent="0" algn="ctr">
               <a:buNone/>
-              <a:defRPr sz="1134"/>
+              <a:defRPr sz="1488"/>
             </a:lvl3pPr>
-            <a:lvl4pPr marL="863971" indent="0" algn="ctr">
+            <a:lvl4pPr marL="1133902" indent="0" algn="ctr">
               <a:buNone/>
-              <a:defRPr sz="1008"/>
+              <a:defRPr sz="1323"/>
             </a:lvl4pPr>
-            <a:lvl5pPr marL="1151961" indent="0" algn="ctr">
+            <a:lvl5pPr marL="1511869" indent="0" algn="ctr">
               <a:buNone/>
-              <a:defRPr sz="1008"/>
+              <a:defRPr sz="1323"/>
             </a:lvl5pPr>
-            <a:lvl6pPr marL="1439951" indent="0" algn="ctr">
+            <a:lvl6pPr marL="1889836" indent="0" algn="ctr">
               <a:buNone/>
-              <a:defRPr sz="1008"/>
+              <a:defRPr sz="1323"/>
             </a:lvl6pPr>
-            <a:lvl7pPr marL="1727942" indent="0" algn="ctr">
+            <a:lvl7pPr marL="2267803" indent="0" algn="ctr">
               <a:buNone/>
-              <a:defRPr sz="1008"/>
+              <a:defRPr sz="1323"/>
             </a:lvl7pPr>
-            <a:lvl8pPr marL="2015932" indent="0" algn="ctr">
+            <a:lvl8pPr marL="2645771" indent="0" algn="ctr">
               <a:buNone/>
-              <a:defRPr sz="1008"/>
+              <a:defRPr sz="1323"/>
             </a:lvl8pPr>
-            <a:lvl9pPr marL="2303922" indent="0" algn="ctr">
+            <a:lvl9pPr marL="3023738" indent="0" algn="ctr">
               <a:buNone/>
-              <a:defRPr sz="1008"/>
+              <a:defRPr sz="1323"/>
             </a:lvl9pPr>
           </a:lstStyle>
           <a:p>
@@ -243,7 +243,7 @@
           <a:p>
             <a:fld id="{0922A112-48B9-4C05-94B1-8CB940845FC4}" type="datetimeFigureOut">
               <a:rPr lang="en-AU" smtClean="0"/>
-              <a:t>17/09/2018</a:t>
+              <a:t>7/10/2018</a:t>
             </a:fld>
             <a:endParaRPr lang="en-AU"/>
           </a:p>
@@ -294,7 +294,7 @@
     </p:spTree>
     <p:extLst>
       <p:ext uri="{BB962C8B-B14F-4D97-AF65-F5344CB8AC3E}">
-        <p14:creationId xmlns:p14="http://schemas.microsoft.com/office/powerpoint/2010/main" val="2925134784"/>
+        <p14:creationId xmlns:p14="http://schemas.microsoft.com/office/powerpoint/2010/main" val="2424339172"/>
       </p:ext>
     </p:extLst>
   </p:cSld>
@@ -413,7 +413,7 @@
           <a:p>
             <a:fld id="{0922A112-48B9-4C05-94B1-8CB940845FC4}" type="datetimeFigureOut">
               <a:rPr lang="en-AU" smtClean="0"/>
-              <a:t>17/09/2018</a:t>
+              <a:t>7/10/2018</a:t>
             </a:fld>
             <a:endParaRPr lang="en-AU"/>
           </a:p>
@@ -464,7 +464,7 @@
     </p:spTree>
     <p:extLst>
       <p:ext uri="{BB962C8B-B14F-4D97-AF65-F5344CB8AC3E}">
-        <p14:creationId xmlns:p14="http://schemas.microsoft.com/office/powerpoint/2010/main" val="1299016243"/>
+        <p14:creationId xmlns:p14="http://schemas.microsoft.com/office/powerpoint/2010/main" val="2244654373"/>
       </p:ext>
     </p:extLst>
   </p:cSld>
@@ -503,8 +503,8 @@
         </p:nvSpPr>
         <p:spPr>
           <a:xfrm>
-            <a:off x="4121607" y="498328"/>
-            <a:ext cx="1241881" cy="7932083"/>
+            <a:off x="5409893" y="555801"/>
+            <a:ext cx="1630055" cy="8846909"/>
           </a:xfrm>
         </p:spPr>
         <p:txBody>
@@ -531,8 +531,8 @@
         </p:nvSpPr>
         <p:spPr>
           <a:xfrm>
-            <a:off x="395963" y="498328"/>
-            <a:ext cx="3653651" cy="7932083"/>
+            <a:off x="519728" y="555801"/>
+            <a:ext cx="4795669" cy="8846909"/>
           </a:xfrm>
         </p:spPr>
         <p:txBody>
@@ -593,7 +593,7 @@
           <a:p>
             <a:fld id="{0922A112-48B9-4C05-94B1-8CB940845FC4}" type="datetimeFigureOut">
               <a:rPr lang="en-AU" smtClean="0"/>
-              <a:t>17/09/2018</a:t>
+              <a:t>7/10/2018</a:t>
             </a:fld>
             <a:endParaRPr lang="en-AU"/>
           </a:p>
@@ -644,7 +644,7 @@
     </p:spTree>
     <p:extLst>
       <p:ext uri="{BB962C8B-B14F-4D97-AF65-F5344CB8AC3E}">
-        <p14:creationId xmlns:p14="http://schemas.microsoft.com/office/powerpoint/2010/main" val="2684061643"/>
+        <p14:creationId xmlns:p14="http://schemas.microsoft.com/office/powerpoint/2010/main" val="3251191346"/>
       </p:ext>
     </p:extLst>
   </p:cSld>
@@ -763,7 +763,7 @@
           <a:p>
             <a:fld id="{0922A112-48B9-4C05-94B1-8CB940845FC4}" type="datetimeFigureOut">
               <a:rPr lang="en-AU" smtClean="0"/>
-              <a:t>17/09/2018</a:t>
+              <a:t>7/10/2018</a:t>
             </a:fld>
             <a:endParaRPr lang="en-AU"/>
           </a:p>
@@ -814,7 +814,7 @@
     </p:spTree>
     <p:extLst>
       <p:ext uri="{BB962C8B-B14F-4D97-AF65-F5344CB8AC3E}">
-        <p14:creationId xmlns:p14="http://schemas.microsoft.com/office/powerpoint/2010/main" val="717916081"/>
+        <p14:creationId xmlns:p14="http://schemas.microsoft.com/office/powerpoint/2010/main" val="822035146"/>
       </p:ext>
     </p:extLst>
   </p:cSld>
@@ -853,15 +853,15 @@
         </p:nvSpPr>
         <p:spPr>
           <a:xfrm>
-            <a:off x="392963" y="2333478"/>
-            <a:ext cx="4967526" cy="3893458"/>
+            <a:off x="515791" y="2602603"/>
+            <a:ext cx="6520220" cy="4342500"/>
           </a:xfrm>
         </p:spPr>
         <p:txBody>
           <a:bodyPr anchor="b"/>
           <a:lstStyle>
             <a:lvl1pPr>
-              <a:defRPr sz="3779"/>
+              <a:defRPr sz="4960"/>
             </a:lvl1pPr>
           </a:lstStyle>
           <a:p>
@@ -885,8 +885,8 @@
         </p:nvSpPr>
         <p:spPr>
           <a:xfrm>
-            <a:off x="392963" y="6263769"/>
-            <a:ext cx="4967526" cy="2047477"/>
+            <a:off x="515791" y="6986185"/>
+            <a:ext cx="6520220" cy="2283618"/>
           </a:xfrm>
         </p:spPr>
         <p:txBody>
@@ -894,15 +894,15 @@
           <a:lstStyle>
             <a:lvl1pPr marL="0" indent="0">
               <a:buNone/>
-              <a:defRPr sz="1512">
+              <a:defRPr sz="1984">
                 <a:solidFill>
                   <a:schemeClr val="tx1"/>
                 </a:solidFill>
               </a:defRPr>
             </a:lvl1pPr>
-            <a:lvl2pPr marL="287990" indent="0">
+            <a:lvl2pPr marL="377967" indent="0">
               <a:buNone/>
-              <a:defRPr sz="1260">
+              <a:defRPr sz="1653">
                 <a:solidFill>
                   <a:schemeClr val="tx1">
                     <a:tint val="75000"/>
@@ -910,9 +910,9 @@
                 </a:solidFill>
               </a:defRPr>
             </a:lvl2pPr>
-            <a:lvl3pPr marL="575981" indent="0">
+            <a:lvl3pPr marL="755934" indent="0">
               <a:buNone/>
-              <a:defRPr sz="1134">
+              <a:defRPr sz="1488">
                 <a:solidFill>
                   <a:schemeClr val="tx1">
                     <a:tint val="75000"/>
@@ -920,9 +920,9 @@
                 </a:solidFill>
               </a:defRPr>
             </a:lvl3pPr>
-            <a:lvl4pPr marL="863971" indent="0">
+            <a:lvl4pPr marL="1133902" indent="0">
               <a:buNone/>
-              <a:defRPr sz="1008">
+              <a:defRPr sz="1323">
                 <a:solidFill>
                   <a:schemeClr val="tx1">
                     <a:tint val="75000"/>
@@ -930,9 +930,9 @@
                 </a:solidFill>
               </a:defRPr>
             </a:lvl4pPr>
-            <a:lvl5pPr marL="1151961" indent="0">
+            <a:lvl5pPr marL="1511869" indent="0">
               <a:buNone/>
-              <a:defRPr sz="1008">
+              <a:defRPr sz="1323">
                 <a:solidFill>
                   <a:schemeClr val="tx1">
                     <a:tint val="75000"/>
@@ -940,9 +940,9 @@
                 </a:solidFill>
               </a:defRPr>
             </a:lvl5pPr>
-            <a:lvl6pPr marL="1439951" indent="0">
+            <a:lvl6pPr marL="1889836" indent="0">
               <a:buNone/>
-              <a:defRPr sz="1008">
+              <a:defRPr sz="1323">
                 <a:solidFill>
                   <a:schemeClr val="tx1">
                     <a:tint val="75000"/>
@@ -950,9 +950,9 @@
                 </a:solidFill>
               </a:defRPr>
             </a:lvl6pPr>
-            <a:lvl7pPr marL="1727942" indent="0">
+            <a:lvl7pPr marL="2267803" indent="0">
               <a:buNone/>
-              <a:defRPr sz="1008">
+              <a:defRPr sz="1323">
                 <a:solidFill>
                   <a:schemeClr val="tx1">
                     <a:tint val="75000"/>
@@ -960,9 +960,9 @@
                 </a:solidFill>
               </a:defRPr>
             </a:lvl7pPr>
-            <a:lvl8pPr marL="2015932" indent="0">
+            <a:lvl8pPr marL="2645771" indent="0">
               <a:buNone/>
-              <a:defRPr sz="1008">
+              <a:defRPr sz="1323">
                 <a:solidFill>
                   <a:schemeClr val="tx1">
                     <a:tint val="75000"/>
@@ -970,9 +970,9 @@
                 </a:solidFill>
               </a:defRPr>
             </a:lvl8pPr>
-            <a:lvl9pPr marL="2303922" indent="0">
+            <a:lvl9pPr marL="3023738" indent="0">
               <a:buNone/>
-              <a:defRPr sz="1008">
+              <a:defRPr sz="1323">
                 <a:solidFill>
                   <a:schemeClr val="tx1">
                     <a:tint val="75000"/>
@@ -1007,7 +1007,7 @@
           <a:p>
             <a:fld id="{0922A112-48B9-4C05-94B1-8CB940845FC4}" type="datetimeFigureOut">
               <a:rPr lang="en-AU" smtClean="0"/>
-              <a:t>17/09/2018</a:t>
+              <a:t>7/10/2018</a:t>
             </a:fld>
             <a:endParaRPr lang="en-AU"/>
           </a:p>
@@ -1058,7 +1058,7 @@
     </p:spTree>
     <p:extLst>
       <p:ext uri="{BB962C8B-B14F-4D97-AF65-F5344CB8AC3E}">
-        <p14:creationId xmlns:p14="http://schemas.microsoft.com/office/powerpoint/2010/main" val="1433763897"/>
+        <p14:creationId xmlns:p14="http://schemas.microsoft.com/office/powerpoint/2010/main" val="3986592843"/>
       </p:ext>
     </p:extLst>
   </p:cSld>
@@ -1120,8 +1120,8 @@
         </p:nvSpPr>
         <p:spPr>
           <a:xfrm>
-            <a:off x="395962" y="2491640"/>
-            <a:ext cx="2447766" cy="5938771"/>
+            <a:off x="519728" y="2779007"/>
+            <a:ext cx="3212862" cy="6623703"/>
           </a:xfrm>
         </p:spPr>
         <p:txBody>
@@ -1177,8 +1177,8 @@
         </p:nvSpPr>
         <p:spPr>
           <a:xfrm>
-            <a:off x="2915722" y="2491640"/>
-            <a:ext cx="2447766" cy="5938771"/>
+            <a:off x="3827085" y="2779007"/>
+            <a:ext cx="3212862" cy="6623703"/>
           </a:xfrm>
         </p:spPr>
         <p:txBody>
@@ -1239,7 +1239,7 @@
           <a:p>
             <a:fld id="{0922A112-48B9-4C05-94B1-8CB940845FC4}" type="datetimeFigureOut">
               <a:rPr lang="en-AU" smtClean="0"/>
-              <a:t>17/09/2018</a:t>
+              <a:t>7/10/2018</a:t>
             </a:fld>
             <a:endParaRPr lang="en-AU"/>
           </a:p>
@@ -1290,7 +1290,7 @@
     </p:spTree>
     <p:extLst>
       <p:ext uri="{BB962C8B-B14F-4D97-AF65-F5344CB8AC3E}">
-        <p14:creationId xmlns:p14="http://schemas.microsoft.com/office/powerpoint/2010/main" val="4037356103"/>
+        <p14:creationId xmlns:p14="http://schemas.microsoft.com/office/powerpoint/2010/main" val="1286284055"/>
       </p:ext>
     </p:extLst>
   </p:cSld>
@@ -1329,8 +1329,8 @@
         </p:nvSpPr>
         <p:spPr>
           <a:xfrm>
-            <a:off x="396712" y="498330"/>
-            <a:ext cx="4967526" cy="1809148"/>
+            <a:off x="520712" y="555804"/>
+            <a:ext cx="6520220" cy="2017801"/>
           </a:xfrm>
         </p:spPr>
         <p:txBody>
@@ -1357,8 +1357,8 @@
         </p:nvSpPr>
         <p:spPr>
           <a:xfrm>
-            <a:off x="396713" y="2294476"/>
-            <a:ext cx="2436517" cy="1124487"/>
+            <a:off x="520713" y="2559104"/>
+            <a:ext cx="3198096" cy="1254177"/>
           </a:xfrm>
         </p:spPr>
         <p:txBody>
@@ -1366,39 +1366,39 @@
           <a:lstStyle>
             <a:lvl1pPr marL="0" indent="0">
               <a:buNone/>
-              <a:defRPr sz="1512" b="1"/>
+              <a:defRPr sz="1984" b="1"/>
             </a:lvl1pPr>
-            <a:lvl2pPr marL="287990" indent="0">
+            <a:lvl2pPr marL="377967" indent="0">
               <a:buNone/>
-              <a:defRPr sz="1260" b="1"/>
+              <a:defRPr sz="1653" b="1"/>
             </a:lvl2pPr>
-            <a:lvl3pPr marL="575981" indent="0">
+            <a:lvl3pPr marL="755934" indent="0">
               <a:buNone/>
-              <a:defRPr sz="1134" b="1"/>
+              <a:defRPr sz="1488" b="1"/>
             </a:lvl3pPr>
-            <a:lvl4pPr marL="863971" indent="0">
+            <a:lvl4pPr marL="1133902" indent="0">
               <a:buNone/>
-              <a:defRPr sz="1008" b="1"/>
+              <a:defRPr sz="1323" b="1"/>
             </a:lvl4pPr>
-            <a:lvl5pPr marL="1151961" indent="0">
+            <a:lvl5pPr marL="1511869" indent="0">
               <a:buNone/>
-              <a:defRPr sz="1008" b="1"/>
+              <a:defRPr sz="1323" b="1"/>
             </a:lvl5pPr>
-            <a:lvl6pPr marL="1439951" indent="0">
+            <a:lvl6pPr marL="1889836" indent="0">
               <a:buNone/>
-              <a:defRPr sz="1008" b="1"/>
+              <a:defRPr sz="1323" b="1"/>
             </a:lvl6pPr>
-            <a:lvl7pPr marL="1727942" indent="0">
+            <a:lvl7pPr marL="2267803" indent="0">
               <a:buNone/>
-              <a:defRPr sz="1008" b="1"/>
+              <a:defRPr sz="1323" b="1"/>
             </a:lvl7pPr>
-            <a:lvl8pPr marL="2015932" indent="0">
+            <a:lvl8pPr marL="2645771" indent="0">
               <a:buNone/>
-              <a:defRPr sz="1008" b="1"/>
+              <a:defRPr sz="1323" b="1"/>
             </a:lvl8pPr>
-            <a:lvl9pPr marL="2303922" indent="0">
+            <a:lvl9pPr marL="3023738" indent="0">
               <a:buNone/>
-              <a:defRPr sz="1008" b="1"/>
+              <a:defRPr sz="1323" b="1"/>
             </a:lvl9pPr>
           </a:lstStyle>
           <a:p>
@@ -1422,8 +1422,8 @@
         </p:nvSpPr>
         <p:spPr>
           <a:xfrm>
-            <a:off x="396713" y="3418964"/>
-            <a:ext cx="2436517" cy="5028780"/>
+            <a:off x="520713" y="3813281"/>
+            <a:ext cx="3198096" cy="5608762"/>
           </a:xfrm>
         </p:spPr>
         <p:txBody>
@@ -1479,8 +1479,8 @@
         </p:nvSpPr>
         <p:spPr>
           <a:xfrm>
-            <a:off x="2915722" y="2294476"/>
-            <a:ext cx="2448516" cy="1124487"/>
+            <a:off x="3827086" y="2559104"/>
+            <a:ext cx="3213847" cy="1254177"/>
           </a:xfrm>
         </p:spPr>
         <p:txBody>
@@ -1488,39 +1488,39 @@
           <a:lstStyle>
             <a:lvl1pPr marL="0" indent="0">
               <a:buNone/>
-              <a:defRPr sz="1512" b="1"/>
+              <a:defRPr sz="1984" b="1"/>
             </a:lvl1pPr>
-            <a:lvl2pPr marL="287990" indent="0">
+            <a:lvl2pPr marL="377967" indent="0">
               <a:buNone/>
-              <a:defRPr sz="1260" b="1"/>
+              <a:defRPr sz="1653" b="1"/>
             </a:lvl2pPr>
-            <a:lvl3pPr marL="575981" indent="0">
+            <a:lvl3pPr marL="755934" indent="0">
               <a:buNone/>
-              <a:defRPr sz="1134" b="1"/>
+              <a:defRPr sz="1488" b="1"/>
             </a:lvl3pPr>
-            <a:lvl4pPr marL="863971" indent="0">
+            <a:lvl4pPr marL="1133902" indent="0">
               <a:buNone/>
-              <a:defRPr sz="1008" b="1"/>
+              <a:defRPr sz="1323" b="1"/>
             </a:lvl4pPr>
-            <a:lvl5pPr marL="1151961" indent="0">
+            <a:lvl5pPr marL="1511869" indent="0">
               <a:buNone/>
-              <a:defRPr sz="1008" b="1"/>
+              <a:defRPr sz="1323" b="1"/>
             </a:lvl5pPr>
-            <a:lvl6pPr marL="1439951" indent="0">
+            <a:lvl6pPr marL="1889836" indent="0">
               <a:buNone/>
-              <a:defRPr sz="1008" b="1"/>
+              <a:defRPr sz="1323" b="1"/>
             </a:lvl6pPr>
-            <a:lvl7pPr marL="1727942" indent="0">
+            <a:lvl7pPr marL="2267803" indent="0">
               <a:buNone/>
-              <a:defRPr sz="1008" b="1"/>
+              <a:defRPr sz="1323" b="1"/>
             </a:lvl7pPr>
-            <a:lvl8pPr marL="2015932" indent="0">
+            <a:lvl8pPr marL="2645771" indent="0">
               <a:buNone/>
-              <a:defRPr sz="1008" b="1"/>
+              <a:defRPr sz="1323" b="1"/>
             </a:lvl8pPr>
-            <a:lvl9pPr marL="2303922" indent="0">
+            <a:lvl9pPr marL="3023738" indent="0">
               <a:buNone/>
-              <a:defRPr sz="1008" b="1"/>
+              <a:defRPr sz="1323" b="1"/>
             </a:lvl9pPr>
           </a:lstStyle>
           <a:p>
@@ -1544,8 +1544,8 @@
         </p:nvSpPr>
         <p:spPr>
           <a:xfrm>
-            <a:off x="2915722" y="3418964"/>
-            <a:ext cx="2448516" cy="5028780"/>
+            <a:off x="3827086" y="3813281"/>
+            <a:ext cx="3213847" cy="5608762"/>
           </a:xfrm>
         </p:spPr>
         <p:txBody>
@@ -1606,7 +1606,7 @@
           <a:p>
             <a:fld id="{0922A112-48B9-4C05-94B1-8CB940845FC4}" type="datetimeFigureOut">
               <a:rPr lang="en-AU" smtClean="0"/>
-              <a:t>17/09/2018</a:t>
+              <a:t>7/10/2018</a:t>
             </a:fld>
             <a:endParaRPr lang="en-AU"/>
           </a:p>
@@ -1657,7 +1657,7 @@
     </p:spTree>
     <p:extLst>
       <p:ext uri="{BB962C8B-B14F-4D97-AF65-F5344CB8AC3E}">
-        <p14:creationId xmlns:p14="http://schemas.microsoft.com/office/powerpoint/2010/main" val="2478876403"/>
+        <p14:creationId xmlns:p14="http://schemas.microsoft.com/office/powerpoint/2010/main" val="3701079945"/>
       </p:ext>
     </p:extLst>
   </p:cSld>
@@ -1724,7 +1724,7 @@
           <a:p>
             <a:fld id="{0922A112-48B9-4C05-94B1-8CB940845FC4}" type="datetimeFigureOut">
               <a:rPr lang="en-AU" smtClean="0"/>
-              <a:t>17/09/2018</a:t>
+              <a:t>7/10/2018</a:t>
             </a:fld>
             <a:endParaRPr lang="en-AU"/>
           </a:p>
@@ -1775,7 +1775,7 @@
     </p:spTree>
     <p:extLst>
       <p:ext uri="{BB962C8B-B14F-4D97-AF65-F5344CB8AC3E}">
-        <p14:creationId xmlns:p14="http://schemas.microsoft.com/office/powerpoint/2010/main" val="969883397"/>
+        <p14:creationId xmlns:p14="http://schemas.microsoft.com/office/powerpoint/2010/main" val="648716794"/>
       </p:ext>
     </p:extLst>
   </p:cSld>
@@ -1819,7 +1819,7 @@
           <a:p>
             <a:fld id="{0922A112-48B9-4C05-94B1-8CB940845FC4}" type="datetimeFigureOut">
               <a:rPr lang="en-AU" smtClean="0"/>
-              <a:t>17/09/2018</a:t>
+              <a:t>7/10/2018</a:t>
             </a:fld>
             <a:endParaRPr lang="en-AU"/>
           </a:p>
@@ -1870,7 +1870,7 @@
     </p:spTree>
     <p:extLst>
       <p:ext uri="{BB962C8B-B14F-4D97-AF65-F5344CB8AC3E}">
-        <p14:creationId xmlns:p14="http://schemas.microsoft.com/office/powerpoint/2010/main" val="3220805518"/>
+        <p14:creationId xmlns:p14="http://schemas.microsoft.com/office/powerpoint/2010/main" val="442843465"/>
       </p:ext>
     </p:extLst>
   </p:cSld>
@@ -1909,15 +1909,15 @@
         </p:nvSpPr>
         <p:spPr>
           <a:xfrm>
-            <a:off x="396712" y="623993"/>
-            <a:ext cx="1857573" cy="2183977"/>
+            <a:off x="520712" y="695960"/>
+            <a:ext cx="2438192" cy="2435860"/>
           </a:xfrm>
         </p:spPr>
         <p:txBody>
           <a:bodyPr anchor="b"/>
           <a:lstStyle>
             <a:lvl1pPr>
-              <a:defRPr sz="2016"/>
+              <a:defRPr sz="2645"/>
             </a:lvl1pPr>
           </a:lstStyle>
           <a:p>
@@ -1941,39 +1941,39 @@
         </p:nvSpPr>
         <p:spPr>
           <a:xfrm>
-            <a:off x="2448516" y="1347654"/>
-            <a:ext cx="2915722" cy="6651596"/>
+            <a:off x="3213847" y="1503083"/>
+            <a:ext cx="3827085" cy="7418740"/>
           </a:xfrm>
         </p:spPr>
         <p:txBody>
           <a:bodyPr/>
           <a:lstStyle>
             <a:lvl1pPr>
-              <a:defRPr sz="2016"/>
+              <a:defRPr sz="2645"/>
             </a:lvl1pPr>
             <a:lvl2pPr>
-              <a:defRPr sz="1764"/>
+              <a:defRPr sz="2315"/>
             </a:lvl2pPr>
             <a:lvl3pPr>
-              <a:defRPr sz="1512"/>
+              <a:defRPr sz="1984"/>
             </a:lvl3pPr>
             <a:lvl4pPr>
-              <a:defRPr sz="1260"/>
+              <a:defRPr sz="1653"/>
             </a:lvl4pPr>
             <a:lvl5pPr>
-              <a:defRPr sz="1260"/>
+              <a:defRPr sz="1653"/>
             </a:lvl5pPr>
             <a:lvl6pPr>
-              <a:defRPr sz="1260"/>
+              <a:defRPr sz="1653"/>
             </a:lvl6pPr>
             <a:lvl7pPr>
-              <a:defRPr sz="1260"/>
+              <a:defRPr sz="1653"/>
             </a:lvl7pPr>
             <a:lvl8pPr>
-              <a:defRPr sz="1260"/>
+              <a:defRPr sz="1653"/>
             </a:lvl8pPr>
             <a:lvl9pPr>
-              <a:defRPr sz="1260"/>
+              <a:defRPr sz="1653"/>
             </a:lvl9pPr>
           </a:lstStyle>
           <a:p>
@@ -2026,8 +2026,8 @@
         </p:nvSpPr>
         <p:spPr>
           <a:xfrm>
-            <a:off x="396712" y="2807970"/>
-            <a:ext cx="1857573" cy="5202112"/>
+            <a:off x="520712" y="3131820"/>
+            <a:ext cx="2438192" cy="5802084"/>
           </a:xfrm>
         </p:spPr>
         <p:txBody>
@@ -2035,39 +2035,39 @@
           <a:lstStyle>
             <a:lvl1pPr marL="0" indent="0">
               <a:buNone/>
-              <a:defRPr sz="1008"/>
+              <a:defRPr sz="1323"/>
             </a:lvl1pPr>
-            <a:lvl2pPr marL="287990" indent="0">
+            <a:lvl2pPr marL="377967" indent="0">
               <a:buNone/>
-              <a:defRPr sz="882"/>
+              <a:defRPr sz="1157"/>
             </a:lvl2pPr>
-            <a:lvl3pPr marL="575981" indent="0">
+            <a:lvl3pPr marL="755934" indent="0">
               <a:buNone/>
-              <a:defRPr sz="756"/>
+              <a:defRPr sz="992"/>
             </a:lvl3pPr>
-            <a:lvl4pPr marL="863971" indent="0">
+            <a:lvl4pPr marL="1133902" indent="0">
               <a:buNone/>
-              <a:defRPr sz="630"/>
+              <a:defRPr sz="827"/>
             </a:lvl4pPr>
-            <a:lvl5pPr marL="1151961" indent="0">
+            <a:lvl5pPr marL="1511869" indent="0">
               <a:buNone/>
-              <a:defRPr sz="630"/>
+              <a:defRPr sz="827"/>
             </a:lvl5pPr>
-            <a:lvl6pPr marL="1439951" indent="0">
+            <a:lvl6pPr marL="1889836" indent="0">
               <a:buNone/>
-              <a:defRPr sz="630"/>
+              <a:defRPr sz="827"/>
             </a:lvl6pPr>
-            <a:lvl7pPr marL="1727942" indent="0">
+            <a:lvl7pPr marL="2267803" indent="0">
               <a:buNone/>
-              <a:defRPr sz="630"/>
+              <a:defRPr sz="827"/>
             </a:lvl7pPr>
-            <a:lvl8pPr marL="2015932" indent="0">
+            <a:lvl8pPr marL="2645771" indent="0">
               <a:buNone/>
-              <a:defRPr sz="630"/>
+              <a:defRPr sz="827"/>
             </a:lvl8pPr>
-            <a:lvl9pPr marL="2303922" indent="0">
+            <a:lvl9pPr marL="3023738" indent="0">
               <a:buNone/>
-              <a:defRPr sz="630"/>
+              <a:defRPr sz="827"/>
             </a:lvl9pPr>
           </a:lstStyle>
           <a:p>
@@ -2096,7 +2096,7 @@
           <a:p>
             <a:fld id="{0922A112-48B9-4C05-94B1-8CB940845FC4}" type="datetimeFigureOut">
               <a:rPr lang="en-AU" smtClean="0"/>
-              <a:t>17/09/2018</a:t>
+              <a:t>7/10/2018</a:t>
             </a:fld>
             <a:endParaRPr lang="en-AU"/>
           </a:p>
@@ -2147,7 +2147,7 @@
     </p:spTree>
     <p:extLst>
       <p:ext uri="{BB962C8B-B14F-4D97-AF65-F5344CB8AC3E}">
-        <p14:creationId xmlns:p14="http://schemas.microsoft.com/office/powerpoint/2010/main" val="2375929852"/>
+        <p14:creationId xmlns:p14="http://schemas.microsoft.com/office/powerpoint/2010/main" val="1154224057"/>
       </p:ext>
     </p:extLst>
   </p:cSld>
@@ -2186,15 +2186,15 @@
         </p:nvSpPr>
         <p:spPr>
           <a:xfrm>
-            <a:off x="396712" y="623993"/>
-            <a:ext cx="1857573" cy="2183977"/>
+            <a:off x="520712" y="695960"/>
+            <a:ext cx="2438192" cy="2435860"/>
           </a:xfrm>
         </p:spPr>
         <p:txBody>
           <a:bodyPr anchor="b"/>
           <a:lstStyle>
             <a:lvl1pPr>
-              <a:defRPr sz="2016"/>
+              <a:defRPr sz="2645"/>
             </a:lvl1pPr>
           </a:lstStyle>
           <a:p>
@@ -2218,8 +2218,8 @@
         </p:nvSpPr>
         <p:spPr>
           <a:xfrm>
-            <a:off x="2448516" y="1347654"/>
-            <a:ext cx="2915722" cy="6651596"/>
+            <a:off x="3213847" y="1503083"/>
+            <a:ext cx="3827085" cy="7418740"/>
           </a:xfrm>
         </p:spPr>
         <p:txBody>
@@ -2227,39 +2227,39 @@
           <a:lstStyle>
             <a:lvl1pPr marL="0" indent="0">
               <a:buNone/>
-              <a:defRPr sz="2016"/>
+              <a:defRPr sz="2645"/>
             </a:lvl1pPr>
-            <a:lvl2pPr marL="287990" indent="0">
+            <a:lvl2pPr marL="377967" indent="0">
               <a:buNone/>
-              <a:defRPr sz="1764"/>
+              <a:defRPr sz="2315"/>
             </a:lvl2pPr>
-            <a:lvl3pPr marL="575981" indent="0">
+            <a:lvl3pPr marL="755934" indent="0">
               <a:buNone/>
-              <a:defRPr sz="1512"/>
+              <a:defRPr sz="1984"/>
             </a:lvl3pPr>
-            <a:lvl4pPr marL="863971" indent="0">
+            <a:lvl4pPr marL="1133902" indent="0">
               <a:buNone/>
-              <a:defRPr sz="1260"/>
+              <a:defRPr sz="1653"/>
             </a:lvl4pPr>
-            <a:lvl5pPr marL="1151961" indent="0">
+            <a:lvl5pPr marL="1511869" indent="0">
               <a:buNone/>
-              <a:defRPr sz="1260"/>
+              <a:defRPr sz="1653"/>
             </a:lvl5pPr>
-            <a:lvl6pPr marL="1439951" indent="0">
+            <a:lvl6pPr marL="1889836" indent="0">
               <a:buNone/>
-              <a:defRPr sz="1260"/>
+              <a:defRPr sz="1653"/>
             </a:lvl6pPr>
-            <a:lvl7pPr marL="1727942" indent="0">
+            <a:lvl7pPr marL="2267803" indent="0">
               <a:buNone/>
-              <a:defRPr sz="1260"/>
+              <a:defRPr sz="1653"/>
             </a:lvl7pPr>
-            <a:lvl8pPr marL="2015932" indent="0">
+            <a:lvl8pPr marL="2645771" indent="0">
               <a:buNone/>
-              <a:defRPr sz="1260"/>
+              <a:defRPr sz="1653"/>
             </a:lvl8pPr>
-            <a:lvl9pPr marL="2303922" indent="0">
+            <a:lvl9pPr marL="3023738" indent="0">
               <a:buNone/>
-              <a:defRPr sz="1260"/>
+              <a:defRPr sz="1653"/>
             </a:lvl9pPr>
           </a:lstStyle>
           <a:p>
@@ -2283,8 +2283,8 @@
         </p:nvSpPr>
         <p:spPr>
           <a:xfrm>
-            <a:off x="396712" y="2807970"/>
-            <a:ext cx="1857573" cy="5202112"/>
+            <a:off x="520712" y="3131820"/>
+            <a:ext cx="2438192" cy="5802084"/>
           </a:xfrm>
         </p:spPr>
         <p:txBody>
@@ -2292,39 +2292,39 @@
           <a:lstStyle>
             <a:lvl1pPr marL="0" indent="0">
               <a:buNone/>
-              <a:defRPr sz="1008"/>
+              <a:defRPr sz="1323"/>
             </a:lvl1pPr>
-            <a:lvl2pPr marL="287990" indent="0">
+            <a:lvl2pPr marL="377967" indent="0">
               <a:buNone/>
-              <a:defRPr sz="882"/>
+              <a:defRPr sz="1157"/>
             </a:lvl2pPr>
-            <a:lvl3pPr marL="575981" indent="0">
+            <a:lvl3pPr marL="755934" indent="0">
               <a:buNone/>
-              <a:defRPr sz="756"/>
+              <a:defRPr sz="992"/>
             </a:lvl3pPr>
-            <a:lvl4pPr marL="863971" indent="0">
+            <a:lvl4pPr marL="1133902" indent="0">
               <a:buNone/>
-              <a:defRPr sz="630"/>
+              <a:defRPr sz="827"/>
             </a:lvl4pPr>
-            <a:lvl5pPr marL="1151961" indent="0">
+            <a:lvl5pPr marL="1511869" indent="0">
               <a:buNone/>
-              <a:defRPr sz="630"/>
+              <a:defRPr sz="827"/>
             </a:lvl5pPr>
-            <a:lvl6pPr marL="1439951" indent="0">
+            <a:lvl6pPr marL="1889836" indent="0">
               <a:buNone/>
-              <a:defRPr sz="630"/>
+              <a:defRPr sz="827"/>
             </a:lvl6pPr>
-            <a:lvl7pPr marL="1727942" indent="0">
+            <a:lvl7pPr marL="2267803" indent="0">
               <a:buNone/>
-              <a:defRPr sz="630"/>
+              <a:defRPr sz="827"/>
             </a:lvl7pPr>
-            <a:lvl8pPr marL="2015932" indent="0">
+            <a:lvl8pPr marL="2645771" indent="0">
               <a:buNone/>
-              <a:defRPr sz="630"/>
+              <a:defRPr sz="827"/>
             </a:lvl8pPr>
-            <a:lvl9pPr marL="2303922" indent="0">
+            <a:lvl9pPr marL="3023738" indent="0">
               <a:buNone/>
-              <a:defRPr sz="630"/>
+              <a:defRPr sz="827"/>
             </a:lvl9pPr>
           </a:lstStyle>
           <a:p>
@@ -2353,7 +2353,7 @@
           <a:p>
             <a:fld id="{0922A112-48B9-4C05-94B1-8CB940845FC4}" type="datetimeFigureOut">
               <a:rPr lang="en-AU" smtClean="0"/>
-              <a:t>17/09/2018</a:t>
+              <a:t>7/10/2018</a:t>
             </a:fld>
             <a:endParaRPr lang="en-AU"/>
           </a:p>
@@ -2404,7 +2404,7 @@
     </p:spTree>
     <p:extLst>
       <p:ext uri="{BB962C8B-B14F-4D97-AF65-F5344CB8AC3E}">
-        <p14:creationId xmlns:p14="http://schemas.microsoft.com/office/powerpoint/2010/main" val="1128040940"/>
+        <p14:creationId xmlns:p14="http://schemas.microsoft.com/office/powerpoint/2010/main" val="3191364144"/>
       </p:ext>
     </p:extLst>
   </p:cSld>
@@ -2448,8 +2448,8 @@
         </p:nvSpPr>
         <p:spPr>
           <a:xfrm>
-            <a:off x="395962" y="498330"/>
-            <a:ext cx="4967526" cy="1809148"/>
+            <a:off x="519728" y="555804"/>
+            <a:ext cx="6520220" cy="2017801"/>
           </a:xfrm>
           <a:prstGeom prst="rect">
             <a:avLst/>
@@ -2481,8 +2481,8 @@
         </p:nvSpPr>
         <p:spPr>
           <a:xfrm>
-            <a:off x="395962" y="2491640"/>
-            <a:ext cx="4967526" cy="5938771"/>
+            <a:off x="519728" y="2779007"/>
+            <a:ext cx="6520220" cy="6623703"/>
           </a:xfrm>
           <a:prstGeom prst="rect">
             <a:avLst/>
@@ -2543,8 +2543,8 @@
         </p:nvSpPr>
         <p:spPr>
           <a:xfrm>
-            <a:off x="395962" y="8675243"/>
-            <a:ext cx="1295876" cy="498328"/>
+            <a:off x="519728" y="9675780"/>
+            <a:ext cx="1700927" cy="555801"/>
           </a:xfrm>
           <a:prstGeom prst="rect">
             <a:avLst/>
@@ -2554,7 +2554,7 @@
           <a:bodyPr vert="horz" lIns="91440" tIns="45720" rIns="91440" bIns="45720" rtlCol="0" anchor="ctr"/>
           <a:lstStyle>
             <a:lvl1pPr algn="l">
-              <a:defRPr sz="756">
+              <a:defRPr sz="992">
                 <a:solidFill>
                   <a:schemeClr val="tx1">
                     <a:tint val="75000"/>
@@ -2566,7 +2566,7 @@
           <a:p>
             <a:fld id="{0922A112-48B9-4C05-94B1-8CB940845FC4}" type="datetimeFigureOut">
               <a:rPr lang="en-AU" smtClean="0"/>
-              <a:t>17/09/2018</a:t>
+              <a:t>7/10/2018</a:t>
             </a:fld>
             <a:endParaRPr lang="en-AU"/>
           </a:p>
@@ -2584,8 +2584,8 @@
         </p:nvSpPr>
         <p:spPr>
           <a:xfrm>
-            <a:off x="1907818" y="8675243"/>
-            <a:ext cx="1943814" cy="498328"/>
+            <a:off x="2504143" y="9675780"/>
+            <a:ext cx="2551390" cy="555801"/>
           </a:xfrm>
           <a:prstGeom prst="rect">
             <a:avLst/>
@@ -2595,7 +2595,7 @@
           <a:bodyPr vert="horz" lIns="91440" tIns="45720" rIns="91440" bIns="45720" rtlCol="0" anchor="ctr"/>
           <a:lstStyle>
             <a:lvl1pPr algn="ctr">
-              <a:defRPr sz="756">
+              <a:defRPr sz="992">
                 <a:solidFill>
                   <a:schemeClr val="tx1">
                     <a:tint val="75000"/>
@@ -2621,8 +2621,8 @@
         </p:nvSpPr>
         <p:spPr>
           <a:xfrm>
-            <a:off x="4067612" y="8675243"/>
-            <a:ext cx="1295876" cy="498328"/>
+            <a:off x="5339020" y="9675780"/>
+            <a:ext cx="1700927" cy="555801"/>
           </a:xfrm>
           <a:prstGeom prst="rect">
             <a:avLst/>
@@ -2632,7 +2632,7 @@
           <a:bodyPr vert="horz" lIns="91440" tIns="45720" rIns="91440" bIns="45720" rtlCol="0" anchor="ctr"/>
           <a:lstStyle>
             <a:lvl1pPr algn="r">
-              <a:defRPr sz="756">
+              <a:defRPr sz="992">
                 <a:solidFill>
                   <a:schemeClr val="tx1">
                     <a:tint val="75000"/>
@@ -2653,27 +2653,27 @@
     </p:spTree>
     <p:extLst>
       <p:ext uri="{BB962C8B-B14F-4D97-AF65-F5344CB8AC3E}">
-        <p14:creationId xmlns:p14="http://schemas.microsoft.com/office/powerpoint/2010/main" val="646117403"/>
+        <p14:creationId xmlns:p14="http://schemas.microsoft.com/office/powerpoint/2010/main" val="3135373621"/>
       </p:ext>
     </p:extLst>
   </p:cSld>
   <p:clrMap bg1="lt1" tx1="dk1" bg2="lt2" tx2="dk2" accent1="accent1" accent2="accent2" accent3="accent3" accent4="accent4" accent5="accent5" accent6="accent6" hlink="hlink" folHlink="folHlink"/>
   <p:sldLayoutIdLst>
-    <p:sldLayoutId id="2147483721" r:id="rId1"/>
-    <p:sldLayoutId id="2147483722" r:id="rId2"/>
-    <p:sldLayoutId id="2147483723" r:id="rId3"/>
-    <p:sldLayoutId id="2147483724" r:id="rId4"/>
-    <p:sldLayoutId id="2147483725" r:id="rId5"/>
-    <p:sldLayoutId id="2147483726" r:id="rId6"/>
-    <p:sldLayoutId id="2147483727" r:id="rId7"/>
-    <p:sldLayoutId id="2147483728" r:id="rId8"/>
-    <p:sldLayoutId id="2147483729" r:id="rId9"/>
-    <p:sldLayoutId id="2147483730" r:id="rId10"/>
-    <p:sldLayoutId id="2147483731" r:id="rId11"/>
+    <p:sldLayoutId id="2147483733" r:id="rId1"/>
+    <p:sldLayoutId id="2147483734" r:id="rId2"/>
+    <p:sldLayoutId id="2147483735" r:id="rId3"/>
+    <p:sldLayoutId id="2147483736" r:id="rId4"/>
+    <p:sldLayoutId id="2147483737" r:id="rId5"/>
+    <p:sldLayoutId id="2147483738" r:id="rId6"/>
+    <p:sldLayoutId id="2147483739" r:id="rId7"/>
+    <p:sldLayoutId id="2147483740" r:id="rId8"/>
+    <p:sldLayoutId id="2147483741" r:id="rId9"/>
+    <p:sldLayoutId id="2147483742" r:id="rId10"/>
+    <p:sldLayoutId id="2147483743" r:id="rId11"/>
   </p:sldLayoutIdLst>
   <p:txStyles>
     <p:titleStyle>
-      <a:lvl1pPr algn="l" defTabSz="575981" rtl="0" eaLnBrk="1" latinLnBrk="0" hangingPunct="1">
+      <a:lvl1pPr algn="l" defTabSz="755934" rtl="0" eaLnBrk="1" latinLnBrk="0" hangingPunct="1">
         <a:lnSpc>
           <a:spcPct val="90000"/>
         </a:lnSpc>
@@ -2681,7 +2681,7 @@
           <a:spcPct val="0"/>
         </a:spcBef>
         <a:buNone/>
-        <a:defRPr sz="2772" kern="1200">
+        <a:defRPr sz="3637" kern="1200">
           <a:solidFill>
             <a:schemeClr val="tx1"/>
           </a:solidFill>
@@ -2692,16 +2692,16 @@
       </a:lvl1pPr>
     </p:titleStyle>
     <p:bodyStyle>
-      <a:lvl1pPr marL="143995" indent="-143995" algn="l" defTabSz="575981" rtl="0" eaLnBrk="1" latinLnBrk="0" hangingPunct="1">
+      <a:lvl1pPr marL="188984" indent="-188984" algn="l" defTabSz="755934" rtl="0" eaLnBrk="1" latinLnBrk="0" hangingPunct="1">
         <a:lnSpc>
           <a:spcPct val="90000"/>
         </a:lnSpc>
         <a:spcBef>
-          <a:spcPts val="630"/>
+          <a:spcPts val="827"/>
         </a:spcBef>
         <a:buFont typeface="Arial" panose="020B0604020202020204" pitchFamily="34" charset="0"/>
         <a:buChar char="•"/>
-        <a:defRPr sz="1764" kern="1200">
+        <a:defRPr sz="2315" kern="1200">
           <a:solidFill>
             <a:schemeClr val="tx1"/>
           </a:solidFill>
@@ -2710,16 +2710,16 @@
           <a:cs typeface="+mn-cs"/>
         </a:defRPr>
       </a:lvl1pPr>
-      <a:lvl2pPr marL="431985" indent="-143995" algn="l" defTabSz="575981" rtl="0" eaLnBrk="1" latinLnBrk="0" hangingPunct="1">
+      <a:lvl2pPr marL="566951" indent="-188984" algn="l" defTabSz="755934" rtl="0" eaLnBrk="1" latinLnBrk="0" hangingPunct="1">
         <a:lnSpc>
           <a:spcPct val="90000"/>
         </a:lnSpc>
         <a:spcBef>
-          <a:spcPts val="315"/>
+          <a:spcPts val="413"/>
         </a:spcBef>
         <a:buFont typeface="Arial" panose="020B0604020202020204" pitchFamily="34" charset="0"/>
         <a:buChar char="•"/>
-        <a:defRPr sz="1512" kern="1200">
+        <a:defRPr sz="1984" kern="1200">
           <a:solidFill>
             <a:schemeClr val="tx1"/>
           </a:solidFill>
@@ -2728,16 +2728,16 @@
           <a:cs typeface="+mn-cs"/>
         </a:defRPr>
       </a:lvl2pPr>
-      <a:lvl3pPr marL="719976" indent="-143995" algn="l" defTabSz="575981" rtl="0" eaLnBrk="1" latinLnBrk="0" hangingPunct="1">
+      <a:lvl3pPr marL="944918" indent="-188984" algn="l" defTabSz="755934" rtl="0" eaLnBrk="1" latinLnBrk="0" hangingPunct="1">
         <a:lnSpc>
           <a:spcPct val="90000"/>
         </a:lnSpc>
         <a:spcBef>
-          <a:spcPts val="315"/>
+          <a:spcPts val="413"/>
         </a:spcBef>
         <a:buFont typeface="Arial" panose="020B0604020202020204" pitchFamily="34" charset="0"/>
         <a:buChar char="•"/>
-        <a:defRPr sz="1260" kern="1200">
+        <a:defRPr sz="1653" kern="1200">
           <a:solidFill>
             <a:schemeClr val="tx1"/>
           </a:solidFill>
@@ -2746,16 +2746,16 @@
           <a:cs typeface="+mn-cs"/>
         </a:defRPr>
       </a:lvl3pPr>
-      <a:lvl4pPr marL="1007966" indent="-143995" algn="l" defTabSz="575981" rtl="0" eaLnBrk="1" latinLnBrk="0" hangingPunct="1">
+      <a:lvl4pPr marL="1322885" indent="-188984" algn="l" defTabSz="755934" rtl="0" eaLnBrk="1" latinLnBrk="0" hangingPunct="1">
         <a:lnSpc>
           <a:spcPct val="90000"/>
         </a:lnSpc>
         <a:spcBef>
-          <a:spcPts val="315"/>
+          <a:spcPts val="413"/>
         </a:spcBef>
         <a:buFont typeface="Arial" panose="020B0604020202020204" pitchFamily="34" charset="0"/>
         <a:buChar char="•"/>
-        <a:defRPr sz="1134" kern="1200">
+        <a:defRPr sz="1488" kern="1200">
           <a:solidFill>
             <a:schemeClr val="tx1"/>
           </a:solidFill>
@@ -2764,16 +2764,16 @@
           <a:cs typeface="+mn-cs"/>
         </a:defRPr>
       </a:lvl4pPr>
-      <a:lvl5pPr marL="1295956" indent="-143995" algn="l" defTabSz="575981" rtl="0" eaLnBrk="1" latinLnBrk="0" hangingPunct="1">
+      <a:lvl5pPr marL="1700853" indent="-188984" algn="l" defTabSz="755934" rtl="0" eaLnBrk="1" latinLnBrk="0" hangingPunct="1">
         <a:lnSpc>
           <a:spcPct val="90000"/>
         </a:lnSpc>
         <a:spcBef>
-          <a:spcPts val="315"/>
+          <a:spcPts val="413"/>
         </a:spcBef>
         <a:buFont typeface="Arial" panose="020B0604020202020204" pitchFamily="34" charset="0"/>
         <a:buChar char="•"/>
-        <a:defRPr sz="1134" kern="1200">
+        <a:defRPr sz="1488" kern="1200">
           <a:solidFill>
             <a:schemeClr val="tx1"/>
           </a:solidFill>
@@ -2782,16 +2782,16 @@
           <a:cs typeface="+mn-cs"/>
         </a:defRPr>
       </a:lvl5pPr>
-      <a:lvl6pPr marL="1583947" indent="-143995" algn="l" defTabSz="575981" rtl="0" eaLnBrk="1" latinLnBrk="0" hangingPunct="1">
+      <a:lvl6pPr marL="2078820" indent="-188984" algn="l" defTabSz="755934" rtl="0" eaLnBrk="1" latinLnBrk="0" hangingPunct="1">
         <a:lnSpc>
           <a:spcPct val="90000"/>
         </a:lnSpc>
         <a:spcBef>
-          <a:spcPts val="315"/>
+          <a:spcPts val="413"/>
         </a:spcBef>
         <a:buFont typeface="Arial" panose="020B0604020202020204" pitchFamily="34" charset="0"/>
         <a:buChar char="•"/>
-        <a:defRPr sz="1134" kern="1200">
+        <a:defRPr sz="1488" kern="1200">
           <a:solidFill>
             <a:schemeClr val="tx1"/>
           </a:solidFill>
@@ -2800,16 +2800,16 @@
           <a:cs typeface="+mn-cs"/>
         </a:defRPr>
       </a:lvl6pPr>
-      <a:lvl7pPr marL="1871937" indent="-143995" algn="l" defTabSz="575981" rtl="0" eaLnBrk="1" latinLnBrk="0" hangingPunct="1">
+      <a:lvl7pPr marL="2456787" indent="-188984" algn="l" defTabSz="755934" rtl="0" eaLnBrk="1" latinLnBrk="0" hangingPunct="1">
         <a:lnSpc>
           <a:spcPct val="90000"/>
         </a:lnSpc>
         <a:spcBef>
-          <a:spcPts val="315"/>
+          <a:spcPts val="413"/>
         </a:spcBef>
         <a:buFont typeface="Arial" panose="020B0604020202020204" pitchFamily="34" charset="0"/>
         <a:buChar char="•"/>
-        <a:defRPr sz="1134" kern="1200">
+        <a:defRPr sz="1488" kern="1200">
           <a:solidFill>
             <a:schemeClr val="tx1"/>
           </a:solidFill>
@@ -2818,16 +2818,16 @@
           <a:cs typeface="+mn-cs"/>
         </a:defRPr>
       </a:lvl7pPr>
-      <a:lvl8pPr marL="2159927" indent="-143995" algn="l" defTabSz="575981" rtl="0" eaLnBrk="1" latinLnBrk="0" hangingPunct="1">
+      <a:lvl8pPr marL="2834754" indent="-188984" algn="l" defTabSz="755934" rtl="0" eaLnBrk="1" latinLnBrk="0" hangingPunct="1">
         <a:lnSpc>
           <a:spcPct val="90000"/>
         </a:lnSpc>
         <a:spcBef>
-          <a:spcPts val="315"/>
+          <a:spcPts val="413"/>
         </a:spcBef>
         <a:buFont typeface="Arial" panose="020B0604020202020204" pitchFamily="34" charset="0"/>
         <a:buChar char="•"/>
-        <a:defRPr sz="1134" kern="1200">
+        <a:defRPr sz="1488" kern="1200">
           <a:solidFill>
             <a:schemeClr val="tx1"/>
           </a:solidFill>
@@ -2836,16 +2836,16 @@
           <a:cs typeface="+mn-cs"/>
         </a:defRPr>
       </a:lvl8pPr>
-      <a:lvl9pPr marL="2447917" indent="-143995" algn="l" defTabSz="575981" rtl="0" eaLnBrk="1" latinLnBrk="0" hangingPunct="1">
+      <a:lvl9pPr marL="3212722" indent="-188984" algn="l" defTabSz="755934" rtl="0" eaLnBrk="1" latinLnBrk="0" hangingPunct="1">
         <a:lnSpc>
           <a:spcPct val="90000"/>
         </a:lnSpc>
         <a:spcBef>
-          <a:spcPts val="315"/>
+          <a:spcPts val="413"/>
         </a:spcBef>
         <a:buFont typeface="Arial" panose="020B0604020202020204" pitchFamily="34" charset="0"/>
         <a:buChar char="•"/>
-        <a:defRPr sz="1134" kern="1200">
+        <a:defRPr sz="1488" kern="1200">
           <a:solidFill>
             <a:schemeClr val="tx1"/>
           </a:solidFill>
@@ -2859,8 +2859,8 @@
       <a:defPPr>
         <a:defRPr lang="en-US"/>
       </a:defPPr>
-      <a:lvl1pPr marL="0" algn="l" defTabSz="575981" rtl="0" eaLnBrk="1" latinLnBrk="0" hangingPunct="1">
-        <a:defRPr sz="1134" kern="1200">
+      <a:lvl1pPr marL="0" algn="l" defTabSz="755934" rtl="0" eaLnBrk="1" latinLnBrk="0" hangingPunct="1">
+        <a:defRPr sz="1488" kern="1200">
           <a:solidFill>
             <a:schemeClr val="tx1"/>
           </a:solidFill>
@@ -2869,8 +2869,8 @@
           <a:cs typeface="+mn-cs"/>
         </a:defRPr>
       </a:lvl1pPr>
-      <a:lvl2pPr marL="287990" algn="l" defTabSz="575981" rtl="0" eaLnBrk="1" latinLnBrk="0" hangingPunct="1">
-        <a:defRPr sz="1134" kern="1200">
+      <a:lvl2pPr marL="377967" algn="l" defTabSz="755934" rtl="0" eaLnBrk="1" latinLnBrk="0" hangingPunct="1">
+        <a:defRPr sz="1488" kern="1200">
           <a:solidFill>
             <a:schemeClr val="tx1"/>
           </a:solidFill>
@@ -2879,8 +2879,8 @@
           <a:cs typeface="+mn-cs"/>
         </a:defRPr>
       </a:lvl2pPr>
-      <a:lvl3pPr marL="575981" algn="l" defTabSz="575981" rtl="0" eaLnBrk="1" latinLnBrk="0" hangingPunct="1">
-        <a:defRPr sz="1134" kern="1200">
+      <a:lvl3pPr marL="755934" algn="l" defTabSz="755934" rtl="0" eaLnBrk="1" latinLnBrk="0" hangingPunct="1">
+        <a:defRPr sz="1488" kern="1200">
           <a:solidFill>
             <a:schemeClr val="tx1"/>
           </a:solidFill>
@@ -2889,8 +2889,8 @@
           <a:cs typeface="+mn-cs"/>
         </a:defRPr>
       </a:lvl3pPr>
-      <a:lvl4pPr marL="863971" algn="l" defTabSz="575981" rtl="0" eaLnBrk="1" latinLnBrk="0" hangingPunct="1">
-        <a:defRPr sz="1134" kern="1200">
+      <a:lvl4pPr marL="1133902" algn="l" defTabSz="755934" rtl="0" eaLnBrk="1" latinLnBrk="0" hangingPunct="1">
+        <a:defRPr sz="1488" kern="1200">
           <a:solidFill>
             <a:schemeClr val="tx1"/>
           </a:solidFill>
@@ -2899,8 +2899,8 @@
           <a:cs typeface="+mn-cs"/>
         </a:defRPr>
       </a:lvl4pPr>
-      <a:lvl5pPr marL="1151961" algn="l" defTabSz="575981" rtl="0" eaLnBrk="1" latinLnBrk="0" hangingPunct="1">
-        <a:defRPr sz="1134" kern="1200">
+      <a:lvl5pPr marL="1511869" algn="l" defTabSz="755934" rtl="0" eaLnBrk="1" latinLnBrk="0" hangingPunct="1">
+        <a:defRPr sz="1488" kern="1200">
           <a:solidFill>
             <a:schemeClr val="tx1"/>
           </a:solidFill>
@@ -2909,8 +2909,8 @@
           <a:cs typeface="+mn-cs"/>
         </a:defRPr>
       </a:lvl5pPr>
-      <a:lvl6pPr marL="1439951" algn="l" defTabSz="575981" rtl="0" eaLnBrk="1" latinLnBrk="0" hangingPunct="1">
-        <a:defRPr sz="1134" kern="1200">
+      <a:lvl6pPr marL="1889836" algn="l" defTabSz="755934" rtl="0" eaLnBrk="1" latinLnBrk="0" hangingPunct="1">
+        <a:defRPr sz="1488" kern="1200">
           <a:solidFill>
             <a:schemeClr val="tx1"/>
           </a:solidFill>
@@ -2919,8 +2919,8 @@
           <a:cs typeface="+mn-cs"/>
         </a:defRPr>
       </a:lvl6pPr>
-      <a:lvl7pPr marL="1727942" algn="l" defTabSz="575981" rtl="0" eaLnBrk="1" latinLnBrk="0" hangingPunct="1">
-        <a:defRPr sz="1134" kern="1200">
+      <a:lvl7pPr marL="2267803" algn="l" defTabSz="755934" rtl="0" eaLnBrk="1" latinLnBrk="0" hangingPunct="1">
+        <a:defRPr sz="1488" kern="1200">
           <a:solidFill>
             <a:schemeClr val="tx1"/>
           </a:solidFill>
@@ -2929,8 +2929,8 @@
           <a:cs typeface="+mn-cs"/>
         </a:defRPr>
       </a:lvl7pPr>
-      <a:lvl8pPr marL="2015932" algn="l" defTabSz="575981" rtl="0" eaLnBrk="1" latinLnBrk="0" hangingPunct="1">
-        <a:defRPr sz="1134" kern="1200">
+      <a:lvl8pPr marL="2645771" algn="l" defTabSz="755934" rtl="0" eaLnBrk="1" latinLnBrk="0" hangingPunct="1">
+        <a:defRPr sz="1488" kern="1200">
           <a:solidFill>
             <a:schemeClr val="tx1"/>
           </a:solidFill>
@@ -2939,8 +2939,8 @@
           <a:cs typeface="+mn-cs"/>
         </a:defRPr>
       </a:lvl8pPr>
-      <a:lvl9pPr marL="2303922" algn="l" defTabSz="575981" rtl="0" eaLnBrk="1" latinLnBrk="0" hangingPunct="1">
-        <a:defRPr sz="1134" kern="1200">
+      <a:lvl9pPr marL="3023738" algn="l" defTabSz="755934" rtl="0" eaLnBrk="1" latinLnBrk="0" hangingPunct="1">
+        <a:defRPr sz="1488" kern="1200">
           <a:solidFill>
             <a:schemeClr val="tx1"/>
           </a:solidFill>
@@ -2971,6 +2971,62 @@
           <a:chExt cx="0" cy="0"/>
         </a:xfrm>
       </p:grpSpPr>
+      <p:sp>
+        <p:nvSpPr>
+          <p:cNvPr id="63" name="Rounded Rectangle 62"/>
+          <p:cNvSpPr/>
+          <p:nvPr/>
+        </p:nvSpPr>
+        <p:spPr>
+          <a:xfrm>
+            <a:off x="770022" y="6925675"/>
+            <a:ext cx="4438791" cy="3561853"/>
+          </a:xfrm>
+          <a:prstGeom prst="roundRect">
+            <a:avLst/>
+          </a:prstGeom>
+          <a:solidFill>
+            <a:schemeClr val="bg1">
+              <a:lumMod val="95000"/>
+            </a:schemeClr>
+          </a:solidFill>
+          <a:ln w="38100">
+            <a:noFill/>
+          </a:ln>
+          <a:effectLst>
+            <a:softEdge rad="127000"/>
+          </a:effectLst>
+        </p:spPr>
+        <p:style>
+          <a:lnRef idx="2">
+            <a:schemeClr val="accent1">
+              <a:shade val="50000"/>
+            </a:schemeClr>
+          </a:lnRef>
+          <a:fillRef idx="1">
+            <a:schemeClr val="accent1"/>
+          </a:fillRef>
+          <a:effectRef idx="0">
+            <a:schemeClr val="accent1"/>
+          </a:effectRef>
+          <a:fontRef idx="minor">
+            <a:schemeClr val="lt1"/>
+          </a:fontRef>
+        </p:style>
+        <p:txBody>
+          <a:bodyPr rot="0" spcFirstLastPara="0" vertOverflow="overflow" horzOverflow="overflow" vert="horz" wrap="square" lIns="91440" tIns="45720" rIns="91440" bIns="45720" numCol="1" spcCol="0" rtlCol="0" fromWordArt="0" anchor="ctr" anchorCtr="0" forceAA="0" compatLnSpc="1">
+            <a:prstTxWarp prst="textNoShape">
+              <a:avLst/>
+            </a:prstTxWarp>
+            <a:noAutofit/>
+          </a:bodyPr>
+          <a:lstStyle/>
+          <a:p>
+            <a:pPr algn="ctr"/>
+            <a:endParaRPr lang="en-AU"/>
+          </a:p>
+        </p:txBody>
+      </p:sp>
       <p:pic>
         <p:nvPicPr>
           <p:cNvPr id="33" name="Picture 32"/>
@@ -2985,6 +3041,9 @@
               <a:ext uri="{BEBA8EAE-BF5A-486C-A8C5-ECC9F3942E4B}">
                 <a14:imgProps xmlns:a14="http://schemas.microsoft.com/office/drawing/2010/main">
                   <a14:imgLayer r:embed="rId3">
+                    <a14:imgEffect>
+                      <a14:saturation sat="0"/>
+                    </a14:imgEffect>
                     <a14:imgEffect>
                       <a14:brightnessContrast bright="20000"/>
                     </a14:imgEffect>
@@ -2996,13 +3055,13 @@
               </a:ext>
             </a:extLst>
           </a:blip>
-          <a:srcRect l="27513" t="26092" r="32247" b="23013"/>
+          <a:srcRect l="29804" t="26092" r="35101" b="23013"/>
           <a:stretch/>
         </p:blipFill>
         <p:spPr>
           <a:xfrm rot="16200000">
-            <a:off x="1587917" y="6126520"/>
-            <a:ext cx="2703930" cy="2564939"/>
+            <a:off x="1782932" y="7466409"/>
+            <a:ext cx="2358190" cy="2564939"/>
           </a:xfrm>
           <a:prstGeom prst="rect">
             <a:avLst/>
@@ -3011,23 +3070,311 @@
       </p:pic>
       <p:sp>
         <p:nvSpPr>
-          <p:cNvPr id="29" name="Rounded Rectangle 28"/>
-          <p:cNvSpPr/>
-          <p:nvPr/>
-        </p:nvSpPr>
-        <p:spPr>
-          <a:xfrm>
-            <a:off x="613064" y="5529670"/>
-            <a:ext cx="4606180" cy="3760659"/>
-          </a:xfrm>
-          <a:prstGeom prst="roundRect">
+          <p:cNvPr id="8" name="TextBox 7"/>
+          <p:cNvSpPr txBox="1"/>
+          <p:nvPr/>
+        </p:nvSpPr>
+        <p:spPr>
+          <a:xfrm>
+            <a:off x="4313120" y="8900835"/>
+            <a:ext cx="574016" cy="384721"/>
+          </a:xfrm>
+          <a:prstGeom prst="rect">
             <a:avLst/>
           </a:prstGeom>
           <a:noFill/>
           <a:ln w="38100">
             <a:solidFill>
-              <a:schemeClr val="bg1">
-                <a:lumMod val="65000"/>
+              <a:srgbClr val="C00000"/>
+            </a:solidFill>
+          </a:ln>
+        </p:spPr>
+        <p:txBody>
+          <a:bodyPr wrap="square" rtlCol="0">
+            <a:spAutoFit/>
+          </a:bodyPr>
+          <a:lstStyle/>
+          <a:p>
+            <a:pPr algn="ctr"/>
+            <a:r>
+              <a:rPr lang="en-AU" sz="1900" dirty="0">
+                <a:solidFill>
+                  <a:srgbClr val="C00000"/>
+                </a:solidFill>
+              </a:rPr>
+              <a:t>TG</a:t>
+            </a:r>
+          </a:p>
+        </p:txBody>
+      </p:sp>
+      <p:sp>
+        <p:nvSpPr>
+          <p:cNvPr id="9" name="TextBox 8"/>
+          <p:cNvSpPr txBox="1"/>
+          <p:nvPr/>
+        </p:nvSpPr>
+        <p:spPr>
+          <a:xfrm>
+            <a:off x="4313120" y="7571287"/>
+            <a:ext cx="574016" cy="384721"/>
+          </a:xfrm>
+          <a:prstGeom prst="rect">
+            <a:avLst/>
+          </a:prstGeom>
+          <a:noFill/>
+          <a:ln w="38100">
+            <a:solidFill>
+              <a:srgbClr val="C00000"/>
+            </a:solidFill>
+          </a:ln>
+        </p:spPr>
+        <p:txBody>
+          <a:bodyPr wrap="square" rtlCol="0">
+            <a:spAutoFit/>
+          </a:bodyPr>
+          <a:lstStyle/>
+          <a:p>
+            <a:pPr algn="ctr"/>
+            <a:r>
+              <a:rPr lang="en-AU" sz="1900" dirty="0">
+                <a:solidFill>
+                  <a:srgbClr val="C00000"/>
+                </a:solidFill>
+              </a:rPr>
+              <a:t>RB</a:t>
+            </a:r>
+          </a:p>
+        </p:txBody>
+      </p:sp>
+      <p:sp>
+        <p:nvSpPr>
+          <p:cNvPr id="10" name="TextBox 9"/>
+          <p:cNvSpPr txBox="1"/>
+          <p:nvPr/>
+        </p:nvSpPr>
+        <p:spPr>
+          <a:xfrm>
+            <a:off x="4313120" y="8460284"/>
+            <a:ext cx="574016" cy="384721"/>
+          </a:xfrm>
+          <a:prstGeom prst="rect">
+            <a:avLst/>
+          </a:prstGeom>
+          <a:noFill/>
+          <a:ln w="38100">
+            <a:solidFill>
+              <a:srgbClr val="C00000"/>
+            </a:solidFill>
+          </a:ln>
+        </p:spPr>
+        <p:txBody>
+          <a:bodyPr wrap="square" rtlCol="0">
+            <a:spAutoFit/>
+          </a:bodyPr>
+          <a:lstStyle/>
+          <a:p>
+            <a:pPr algn="ctr"/>
+            <a:r>
+              <a:rPr lang="en-AU" sz="1900" dirty="0">
+                <a:solidFill>
+                  <a:srgbClr val="C00000"/>
+                </a:solidFill>
+              </a:rPr>
+              <a:t>LB</a:t>
+            </a:r>
+          </a:p>
+        </p:txBody>
+      </p:sp>
+      <p:sp>
+        <p:nvSpPr>
+          <p:cNvPr id="12" name="TextBox 11"/>
+          <p:cNvSpPr txBox="1"/>
+          <p:nvPr/>
+        </p:nvSpPr>
+        <p:spPr>
+          <a:xfrm>
+            <a:off x="1056723" y="8982007"/>
+            <a:ext cx="574016" cy="384721"/>
+          </a:xfrm>
+          <a:prstGeom prst="rect">
+            <a:avLst/>
+          </a:prstGeom>
+          <a:noFill/>
+          <a:ln w="38100">
+            <a:solidFill>
+              <a:srgbClr val="C00000"/>
+            </a:solidFill>
+          </a:ln>
+        </p:spPr>
+        <p:txBody>
+          <a:bodyPr wrap="square" rtlCol="0">
+            <a:spAutoFit/>
+          </a:bodyPr>
+          <a:lstStyle/>
+          <a:p>
+            <a:pPr algn="ctr"/>
+            <a:r>
+              <a:rPr lang="en-AU" sz="1900" dirty="0">
+                <a:solidFill>
+                  <a:srgbClr val="C00000"/>
+                </a:solidFill>
+              </a:rPr>
+              <a:t>BC</a:t>
+            </a:r>
+          </a:p>
+        </p:txBody>
+      </p:sp>
+      <p:sp>
+        <p:nvSpPr>
+          <p:cNvPr id="14" name="TextBox 13"/>
+          <p:cNvSpPr txBox="1"/>
+          <p:nvPr/>
+        </p:nvSpPr>
+        <p:spPr>
+          <a:xfrm>
+            <a:off x="1056723" y="8554600"/>
+            <a:ext cx="574016" cy="384721"/>
+          </a:xfrm>
+          <a:prstGeom prst="rect">
+            <a:avLst/>
+          </a:prstGeom>
+          <a:noFill/>
+          <a:ln w="38100">
+            <a:solidFill>
+              <a:schemeClr val="accent5">
+                <a:lumMod val="75000"/>
+              </a:schemeClr>
+            </a:solidFill>
+          </a:ln>
+        </p:spPr>
+        <p:txBody>
+          <a:bodyPr wrap="square" rtlCol="0">
+            <a:spAutoFit/>
+          </a:bodyPr>
+          <a:lstStyle/>
+          <a:p>
+            <a:pPr algn="ctr"/>
+            <a:r>
+              <a:rPr lang="en-AU" sz="1900" dirty="0">
+                <a:solidFill>
+                  <a:schemeClr val="accent5">
+                    <a:lumMod val="75000"/>
+                  </a:schemeClr>
+                </a:solidFill>
+              </a:rPr>
+              <a:t>RG</a:t>
+            </a:r>
+          </a:p>
+        </p:txBody>
+      </p:sp>
+      <p:sp>
+        <p:nvSpPr>
+          <p:cNvPr id="15" name="TextBox 14"/>
+          <p:cNvSpPr txBox="1"/>
+          <p:nvPr/>
+        </p:nvSpPr>
+        <p:spPr>
+          <a:xfrm>
+            <a:off x="1729794" y="9990703"/>
+            <a:ext cx="1512742" cy="384721"/>
+          </a:xfrm>
+          <a:prstGeom prst="rect">
+            <a:avLst/>
+          </a:prstGeom>
+          <a:noFill/>
+          <a:ln w="38100">
+            <a:solidFill>
+              <a:schemeClr val="accent4">
+                <a:lumMod val="75000"/>
+              </a:schemeClr>
+            </a:solidFill>
+          </a:ln>
+        </p:spPr>
+        <p:txBody>
+          <a:bodyPr wrap="square" rtlCol="0">
+            <a:spAutoFit/>
+          </a:bodyPr>
+          <a:lstStyle/>
+          <a:p>
+            <a:r>
+              <a:rPr lang="en-AU" sz="1900" dirty="0">
+                <a:solidFill>
+                  <a:schemeClr val="accent4">
+                    <a:lumMod val="75000"/>
+                  </a:schemeClr>
+                </a:solidFill>
+              </a:rPr>
+              <a:t>MW antenna</a:t>
+            </a:r>
+          </a:p>
+        </p:txBody>
+      </p:sp>
+      <p:sp>
+        <p:nvSpPr>
+          <p:cNvPr id="16" name="TextBox 15"/>
+          <p:cNvSpPr txBox="1"/>
+          <p:nvPr/>
+        </p:nvSpPr>
+        <p:spPr>
+          <a:xfrm>
+            <a:off x="4325152" y="8014886"/>
+            <a:ext cx="561984" cy="384721"/>
+          </a:xfrm>
+          <a:prstGeom prst="rect">
+            <a:avLst/>
+          </a:prstGeom>
+          <a:noFill/>
+          <a:ln w="38100">
+            <a:solidFill>
+              <a:schemeClr val="accent5">
+                <a:lumMod val="75000"/>
+              </a:schemeClr>
+            </a:solidFill>
+          </a:ln>
+        </p:spPr>
+        <p:txBody>
+          <a:bodyPr wrap="square" rtlCol="0">
+            <a:spAutoFit/>
+          </a:bodyPr>
+          <a:lstStyle/>
+          <a:p>
+            <a:pPr algn="ctr"/>
+            <a:r>
+              <a:rPr lang="en-AU" sz="1900" dirty="0">
+                <a:solidFill>
+                  <a:schemeClr val="accent5">
+                    <a:lumMod val="75000"/>
+                  </a:schemeClr>
+                </a:solidFill>
+              </a:rPr>
+              <a:t>PL</a:t>
+            </a:r>
+          </a:p>
+        </p:txBody>
+      </p:sp>
+      <p:sp>
+        <p:nvSpPr>
+          <p:cNvPr id="18" name="Rounded Rectangle 17"/>
+          <p:cNvSpPr/>
+          <p:nvPr/>
+        </p:nvSpPr>
+        <p:spPr>
+          <a:xfrm>
+            <a:off x="4020546" y="9216984"/>
+            <a:ext cx="676415" cy="458013"/>
+          </a:xfrm>
+          <a:prstGeom prst="roundRect">
+            <a:avLst/>
+          </a:prstGeom>
+          <a:solidFill>
+            <a:schemeClr val="bg1">
+              <a:lumMod val="85000"/>
+            </a:schemeClr>
+          </a:solidFill>
+          <a:ln w="38100">
+            <a:solidFill>
+              <a:schemeClr val="accent5">
+                <a:lumMod val="75000"/>
               </a:schemeClr>
             </a:solidFill>
           </a:ln>
@@ -3058,26 +3405,35 @@
           <a:lstStyle/>
           <a:p>
             <a:pPr algn="ctr"/>
-            <a:endParaRPr lang="en-AU"/>
-          </a:p>
-        </p:txBody>
-      </p:sp>
-      <p:sp>
-        <p:nvSpPr>
-          <p:cNvPr id="8" name="TextBox 7"/>
+            <a:r>
+              <a:rPr lang="en-AU" sz="1900" dirty="0">
+                <a:solidFill>
+                  <a:schemeClr val="accent5">
+                    <a:lumMod val="75000"/>
+                  </a:schemeClr>
+                </a:solidFill>
+              </a:rPr>
+              <a:t>S</a:t>
+            </a:r>
+          </a:p>
+        </p:txBody>
+      </p:sp>
+      <p:sp>
+        <p:nvSpPr>
+          <p:cNvPr id="36" name="TextBox 35"/>
           <p:cNvSpPr txBox="1"/>
           <p:nvPr/>
         </p:nvSpPr>
         <p:spPr>
           <a:xfrm>
-            <a:off x="4483788" y="7927700"/>
-            <a:ext cx="574016" cy="313932"/>
+            <a:off x="1670200" y="7109622"/>
+            <a:ext cx="574016" cy="384721"/>
           </a:xfrm>
           <a:prstGeom prst="rect">
             <a:avLst/>
           </a:prstGeom>
           <a:noFill/>
-          <a:ln w="28575">
+          <a:ln w="38100">
             <a:solidFill>
               <a:srgbClr val="C00000"/>
             </a:solidFill>
@@ -3091,110 +3447,32 @@
           <a:p>
             <a:pPr algn="ctr"/>
             <a:r>
-              <a:rPr lang="en-AU" dirty="0">
+              <a:rPr lang="en-AU" sz="1900" dirty="0">
                 <a:solidFill>
                   <a:srgbClr val="C00000"/>
                 </a:solidFill>
               </a:rPr>
-              <a:t>TG</a:t>
-            </a:r>
-          </a:p>
-        </p:txBody>
-      </p:sp>
-      <p:sp>
-        <p:nvSpPr>
-          <p:cNvPr id="9" name="TextBox 8"/>
+              <a:t>TLC</a:t>
+            </a:r>
+          </a:p>
+        </p:txBody>
+      </p:sp>
+      <p:sp>
+        <p:nvSpPr>
+          <p:cNvPr id="37" name="TextBox 36"/>
           <p:cNvSpPr txBox="1"/>
           <p:nvPr/>
         </p:nvSpPr>
         <p:spPr>
           <a:xfrm>
-            <a:off x="4267248" y="6420723"/>
-            <a:ext cx="574016" cy="313932"/>
+            <a:off x="3001232" y="7109622"/>
+            <a:ext cx="574016" cy="384721"/>
           </a:xfrm>
           <a:prstGeom prst="rect">
             <a:avLst/>
           </a:prstGeom>
           <a:noFill/>
-          <a:ln w="28575">
-            <a:solidFill>
-              <a:srgbClr val="C00000"/>
-            </a:solidFill>
-          </a:ln>
-        </p:spPr>
-        <p:txBody>
-          <a:bodyPr wrap="square" rtlCol="0">
-            <a:spAutoFit/>
-          </a:bodyPr>
-          <a:lstStyle/>
-          <a:p>
-            <a:pPr algn="ctr"/>
-            <a:r>
-              <a:rPr lang="en-AU" dirty="0">
-                <a:solidFill>
-                  <a:srgbClr val="C00000"/>
-                </a:solidFill>
-              </a:rPr>
-              <a:t>RB</a:t>
-            </a:r>
-          </a:p>
-        </p:txBody>
-      </p:sp>
-      <p:sp>
-        <p:nvSpPr>
-          <p:cNvPr id="10" name="TextBox 9"/>
-          <p:cNvSpPr txBox="1"/>
-          <p:nvPr/>
-        </p:nvSpPr>
-        <p:spPr>
-          <a:xfrm>
-            <a:off x="4267248" y="7357848"/>
-            <a:ext cx="574016" cy="313932"/>
-          </a:xfrm>
-          <a:prstGeom prst="rect">
-            <a:avLst/>
-          </a:prstGeom>
-          <a:noFill/>
-          <a:ln w="28575">
-            <a:solidFill>
-              <a:srgbClr val="C00000"/>
-            </a:solidFill>
-          </a:ln>
-        </p:spPr>
-        <p:txBody>
-          <a:bodyPr wrap="square" rtlCol="0">
-            <a:spAutoFit/>
-          </a:bodyPr>
-          <a:lstStyle/>
-          <a:p>
-            <a:pPr algn="ctr"/>
-            <a:r>
-              <a:rPr lang="en-AU" dirty="0">
-                <a:solidFill>
-                  <a:srgbClr val="C00000"/>
-                </a:solidFill>
-              </a:rPr>
-              <a:t>LB</a:t>
-            </a:r>
-          </a:p>
-        </p:txBody>
-      </p:sp>
-      <p:sp>
-        <p:nvSpPr>
-          <p:cNvPr id="12" name="TextBox 11"/>
-          <p:cNvSpPr txBox="1"/>
-          <p:nvPr/>
-        </p:nvSpPr>
-        <p:spPr>
-          <a:xfrm>
-            <a:off x="977109" y="7651178"/>
-            <a:ext cx="574016" cy="313932"/>
-          </a:xfrm>
-          <a:prstGeom prst="rect">
-            <a:avLst/>
-          </a:prstGeom>
-          <a:noFill/>
-          <a:ln w="28575">
+          <a:ln w="38100">
             <a:solidFill>
               <a:schemeClr val="accent5">
                 <a:lumMod val="75000"/>
@@ -3210,41 +3488,34 @@
           <a:p>
             <a:pPr algn="ctr"/>
             <a:r>
-              <a:rPr lang="en-AU" dirty="0">
+              <a:rPr lang="en-AU" sz="1900" dirty="0">
                 <a:solidFill>
                   <a:schemeClr val="accent5">
                     <a:lumMod val="75000"/>
                   </a:schemeClr>
                 </a:solidFill>
               </a:rPr>
-              <a:t>BC</a:t>
-            </a:r>
-            <a:endParaRPr lang="en-AU" dirty="0">
-              <a:solidFill>
-                <a:schemeClr val="accent5">
-                  <a:lumMod val="75000"/>
-                </a:schemeClr>
-              </a:solidFill>
-            </a:endParaRPr>
-          </a:p>
-        </p:txBody>
-      </p:sp>
-      <p:sp>
-        <p:nvSpPr>
-          <p:cNvPr id="14" name="TextBox 13"/>
+              <a:t>RS</a:t>
+            </a:r>
+          </a:p>
+        </p:txBody>
+      </p:sp>
+      <p:sp>
+        <p:nvSpPr>
+          <p:cNvPr id="40" name="TextBox 39"/>
           <p:cNvSpPr txBox="1"/>
           <p:nvPr/>
         </p:nvSpPr>
         <p:spPr>
           <a:xfrm>
-            <a:off x="758312" y="7260119"/>
-            <a:ext cx="574016" cy="313932"/>
+            <a:off x="1056723" y="7753978"/>
+            <a:ext cx="574016" cy="384721"/>
           </a:xfrm>
           <a:prstGeom prst="rect">
             <a:avLst/>
           </a:prstGeom>
           <a:noFill/>
-          <a:ln w="28575">
+          <a:ln w="38100">
             <a:solidFill>
               <a:schemeClr val="accent5">
                 <a:lumMod val="75000"/>
@@ -3260,45 +3531,36 @@
           <a:p>
             <a:pPr algn="ctr"/>
             <a:r>
-              <a:rPr lang="en-AU" dirty="0">
+              <a:rPr lang="en-AU" sz="1900" dirty="0">
                 <a:solidFill>
                   <a:schemeClr val="accent5">
                     <a:lumMod val="75000"/>
                   </a:schemeClr>
                 </a:solidFill>
               </a:rPr>
-              <a:t>RG</a:t>
-            </a:r>
-            <a:endParaRPr lang="en-AU" dirty="0">
-              <a:solidFill>
-                <a:schemeClr val="accent5">
-                  <a:lumMod val="75000"/>
-                </a:schemeClr>
-              </a:solidFill>
-            </a:endParaRPr>
-          </a:p>
-        </p:txBody>
-      </p:sp>
-      <p:sp>
-        <p:nvSpPr>
-          <p:cNvPr id="15" name="TextBox 14"/>
+              <a:t>RR</a:t>
+            </a:r>
+          </a:p>
+        </p:txBody>
+      </p:sp>
+      <p:sp>
+        <p:nvSpPr>
+          <p:cNvPr id="41" name="TextBox 40"/>
           <p:cNvSpPr txBox="1"/>
           <p:nvPr/>
         </p:nvSpPr>
         <p:spPr>
           <a:xfrm>
-            <a:off x="1636651" y="8848061"/>
-            <a:ext cx="1219649" cy="313932"/>
+            <a:off x="2346096" y="7109622"/>
+            <a:ext cx="574016" cy="384721"/>
           </a:xfrm>
           <a:prstGeom prst="rect">
             <a:avLst/>
           </a:prstGeom>
           <a:noFill/>
-          <a:ln w="28575">
+          <a:ln w="38100">
             <a:solidFill>
-              <a:schemeClr val="accent4">
-                <a:lumMod val="75000"/>
-              </a:schemeClr>
+              <a:srgbClr val="00B050"/>
             </a:solidFill>
           </a:ln>
         </p:spPr>
@@ -3308,87 +3570,43 @@
           </a:bodyPr>
           <a:lstStyle/>
           <a:p>
-            <a:r>
-              <a:rPr lang="en-AU" dirty="0">
+            <a:pPr algn="ctr"/>
+            <a:r>
+              <a:rPr lang="en-AU" sz="1900" dirty="0">
                 <a:solidFill>
-                  <a:schemeClr val="accent4">
-                    <a:lumMod val="75000"/>
+                  <a:schemeClr val="accent6">
+                    <a:lumMod val="50000"/>
                   </a:schemeClr>
                 </a:solidFill>
               </a:rPr>
-              <a:t>MW antenna</a:t>
-            </a:r>
-          </a:p>
-        </p:txBody>
-      </p:sp>
-      <p:sp>
-        <p:nvSpPr>
-          <p:cNvPr id="16" name="TextBox 15"/>
-          <p:cNvSpPr txBox="1"/>
-          <p:nvPr/>
-        </p:nvSpPr>
-        <p:spPr>
-          <a:xfrm>
-            <a:off x="4267248" y="6912450"/>
-            <a:ext cx="641568" cy="313932"/>
+              <a:t>DG</a:t>
+            </a:r>
+          </a:p>
+        </p:txBody>
+      </p:sp>
+      <p:sp>
+        <p:nvSpPr>
+          <p:cNvPr id="2" name="Rectangle 1"/>
+          <p:cNvSpPr/>
+          <p:nvPr/>
+        </p:nvSpPr>
+        <p:spPr>
+          <a:xfrm>
+            <a:off x="1877061" y="6011386"/>
+            <a:ext cx="1504848" cy="815501"/>
           </a:xfrm>
           <a:prstGeom prst="rect">
             <a:avLst/>
           </a:prstGeom>
-          <a:noFill/>
-          <a:ln w="28575">
-            <a:solidFill>
-              <a:srgbClr val="C00000"/>
-            </a:solidFill>
-          </a:ln>
-        </p:spPr>
-        <p:txBody>
-          <a:bodyPr wrap="square" rtlCol="0">
-            <a:spAutoFit/>
-          </a:bodyPr>
-          <a:lstStyle/>
-          <a:p>
-            <a:pPr algn="ctr"/>
-            <a:r>
-              <a:rPr lang="en-AU" dirty="0">
-                <a:solidFill>
-                  <a:srgbClr val="C00000"/>
-                </a:solidFill>
-              </a:rPr>
-              <a:t>PL</a:t>
-            </a:r>
-            <a:endParaRPr lang="en-AU" dirty="0">
-              <a:solidFill>
-                <a:srgbClr val="C00000"/>
-              </a:solidFill>
-            </a:endParaRPr>
-          </a:p>
-        </p:txBody>
-      </p:sp>
-      <p:sp>
-        <p:nvSpPr>
-          <p:cNvPr id="17" name="Rounded Rectangle 16"/>
-          <p:cNvSpPr/>
-          <p:nvPr/>
-        </p:nvSpPr>
-        <p:spPr>
-          <a:xfrm>
-            <a:off x="3803354" y="5785246"/>
-            <a:ext cx="509527" cy="369332"/>
-          </a:xfrm>
-          <a:prstGeom prst="roundRect">
-            <a:avLst/>
-          </a:prstGeom>
           <a:solidFill>
-            <a:schemeClr val="bg1">
-              <a:lumMod val="85000"/>
+            <a:schemeClr val="accent6">
+              <a:lumMod val="60000"/>
+              <a:lumOff val="40000"/>
             </a:schemeClr>
           </a:solidFill>
           <a:ln w="28575">
             <a:solidFill>
-              <a:schemeClr val="accent5">
-                <a:lumMod val="75000"/>
-              </a:schemeClr>
+              <a:srgbClr val="00B050"/>
             </a:solidFill>
           </a:ln>
         </p:spPr>
@@ -3419,40 +3637,159 @@
           <a:p>
             <a:pPr algn="ctr"/>
             <a:r>
-              <a:rPr lang="en-AU" dirty="0">
+              <a:rPr lang="en-AU" sz="1900" dirty="0" smtClean="0">
                 <a:solidFill>
-                  <a:schemeClr val="accent5">
-                    <a:lumMod val="75000"/>
+                  <a:schemeClr val="tx1"/>
+                </a:solidFill>
+              </a:rPr>
+              <a:t>Diplexer pic</a:t>
+            </a:r>
+            <a:endParaRPr lang="en-AU" sz="1900" dirty="0">
+              <a:solidFill>
+                <a:schemeClr val="tx1"/>
+              </a:solidFill>
+            </a:endParaRPr>
+          </a:p>
+        </p:txBody>
+      </p:sp>
+      <p:sp>
+        <p:nvSpPr>
+          <p:cNvPr id="78" name="TextBox 77"/>
+          <p:cNvSpPr txBox="1"/>
+          <p:nvPr/>
+        </p:nvSpPr>
+        <p:spPr>
+          <a:xfrm>
+            <a:off x="8593522" y="1467171"/>
+            <a:ext cx="813706" cy="969496"/>
+          </a:xfrm>
+          <a:prstGeom prst="rect">
+            <a:avLst/>
+          </a:prstGeom>
+          <a:noFill/>
+          <a:ln w="28575">
+            <a:solidFill>
+              <a:srgbClr val="00B050"/>
+            </a:solidFill>
+          </a:ln>
+        </p:spPr>
+        <p:txBody>
+          <a:bodyPr wrap="square" rtlCol="0">
+            <a:spAutoFit/>
+          </a:bodyPr>
+          <a:lstStyle/>
+          <a:p>
+            <a:pPr algn="ctr"/>
+            <a:r>
+              <a:rPr lang="en-AU" sz="1900" dirty="0">
+                <a:solidFill>
+                  <a:schemeClr val="accent6">
+                    <a:lumMod val="50000"/>
                   </a:schemeClr>
                 </a:solidFill>
               </a:rPr>
-              <a:t>S</a:t>
-            </a:r>
-          </a:p>
-        </p:txBody>
-      </p:sp>
-      <p:sp>
-        <p:nvSpPr>
-          <p:cNvPr id="18" name="Rounded Rectangle 17"/>
+              <a:t>Fast &lt;18GHz</a:t>
+            </a:r>
+          </a:p>
+        </p:txBody>
+      </p:sp>
+      <p:cxnSp>
+        <p:nvCxnSpPr>
+          <p:cNvPr id="79" name="Straight Arrow Connector 78"/>
+          <p:cNvCxnSpPr/>
+          <p:nvPr/>
+        </p:nvCxnSpPr>
+        <p:spPr>
+          <a:xfrm>
+            <a:off x="2033337" y="2713987"/>
+            <a:ext cx="1150" cy="3297399"/>
+          </a:xfrm>
+          <a:prstGeom prst="straightConnector1">
+            <a:avLst/>
+          </a:prstGeom>
+          <a:ln w="38100">
+            <a:solidFill>
+              <a:srgbClr val="00B050"/>
+            </a:solidFill>
+            <a:tailEnd type="triangle"/>
+          </a:ln>
+        </p:spPr>
+        <p:style>
+          <a:lnRef idx="1">
+            <a:schemeClr val="accent1"/>
+          </a:lnRef>
+          <a:fillRef idx="0">
+            <a:schemeClr val="accent1"/>
+          </a:fillRef>
+          <a:effectRef idx="0">
+            <a:schemeClr val="accent1"/>
+          </a:effectRef>
+          <a:fontRef idx="minor">
+            <a:schemeClr val="tx1"/>
+          </a:fontRef>
+        </p:style>
+      </p:cxnSp>
+      <p:cxnSp>
+        <p:nvCxnSpPr>
+          <p:cNvPr id="87" name="Straight Arrow Connector 86"/>
+          <p:cNvCxnSpPr>
+            <a:stCxn id="193" idx="2"/>
+          </p:cNvCxnSpPr>
+          <p:nvPr/>
+        </p:nvCxnSpPr>
+        <p:spPr>
+          <a:xfrm flipH="1">
+            <a:off x="3001233" y="2710149"/>
+            <a:ext cx="15646" cy="3301237"/>
+          </a:xfrm>
+          <a:prstGeom prst="straightConnector1">
+            <a:avLst/>
+          </a:prstGeom>
+          <a:ln w="38100">
+            <a:solidFill>
+              <a:srgbClr val="00B050"/>
+            </a:solidFill>
+            <a:tailEnd type="triangle"/>
+          </a:ln>
+        </p:spPr>
+        <p:style>
+          <a:lnRef idx="1">
+            <a:schemeClr val="accent1"/>
+          </a:lnRef>
+          <a:fillRef idx="0">
+            <a:schemeClr val="accent1"/>
+          </a:fillRef>
+          <a:effectRef idx="0">
+            <a:schemeClr val="accent1"/>
+          </a:effectRef>
+          <a:fontRef idx="minor">
+            <a:schemeClr val="tx1"/>
+          </a:fontRef>
+        </p:style>
+      </p:cxnSp>
+      <p:sp>
+        <p:nvSpPr>
+          <p:cNvPr id="58" name="Isosceles Triangle 57"/>
           <p:cNvSpPr/>
           <p:nvPr/>
         </p:nvSpPr>
         <p:spPr>
-          <a:xfrm>
-            <a:off x="3995910" y="7715334"/>
-            <a:ext cx="509527" cy="369332"/>
-          </a:xfrm>
-          <a:prstGeom prst="roundRect">
+          <a:xfrm rot="10800000">
+            <a:off x="1118074" y="9792488"/>
+            <a:ext cx="428441" cy="269280"/>
+          </a:xfrm>
+          <a:prstGeom prst="triangle">
             <a:avLst/>
           </a:prstGeom>
           <a:solidFill>
-            <a:schemeClr val="bg1">
-              <a:lumMod val="85000"/>
+            <a:schemeClr val="accent4">
+              <a:lumMod val="40000"/>
+              <a:lumOff val="60000"/>
             </a:schemeClr>
           </a:solidFill>
-          <a:ln w="28575">
+          <a:ln w="38100">
             <a:solidFill>
-              <a:schemeClr val="accent5">
+              <a:schemeClr val="accent4">
                 <a:lumMod val="75000"/>
               </a:schemeClr>
             </a:solidFill>
@@ -3484,8 +3821,131 @@
           <a:lstStyle/>
           <a:p>
             <a:pPr algn="ctr"/>
-            <a:r>
-              <a:rPr lang="en-AU" dirty="0">
+            <a:endParaRPr lang="en-AU"/>
+          </a:p>
+        </p:txBody>
+      </p:sp>
+      <p:sp>
+        <p:nvSpPr>
+          <p:cNvPr id="34" name="Rounded Rectangle 33"/>
+          <p:cNvSpPr/>
+          <p:nvPr/>
+        </p:nvSpPr>
+        <p:spPr>
+          <a:xfrm>
+            <a:off x="1158285" y="8188996"/>
+            <a:ext cx="659945" cy="444667"/>
+          </a:xfrm>
+          <a:prstGeom prst="roundRect">
+            <a:avLst/>
+          </a:prstGeom>
+          <a:solidFill>
+            <a:schemeClr val="bg1">
+              <a:lumMod val="85000"/>
+            </a:schemeClr>
+          </a:solidFill>
+          <a:ln w="38100">
+            <a:solidFill>
+              <a:schemeClr val="accent5">
+                <a:lumMod val="75000"/>
+              </a:schemeClr>
+            </a:solidFill>
+          </a:ln>
+        </p:spPr>
+        <p:style>
+          <a:lnRef idx="2">
+            <a:schemeClr val="accent1">
+              <a:shade val="50000"/>
+            </a:schemeClr>
+          </a:lnRef>
+          <a:fillRef idx="1">
+            <a:schemeClr val="accent1"/>
+          </a:fillRef>
+          <a:effectRef idx="0">
+            <a:schemeClr val="accent1"/>
+          </a:effectRef>
+          <a:fontRef idx="minor">
+            <a:schemeClr val="lt1"/>
+          </a:fontRef>
+        </p:style>
+        <p:txBody>
+          <a:bodyPr rot="0" spcFirstLastPara="0" vertOverflow="overflow" horzOverflow="overflow" vert="horz" wrap="square" lIns="91440" tIns="45720" rIns="91440" bIns="45720" numCol="1" spcCol="0" rtlCol="0" fromWordArt="0" anchor="ctr" anchorCtr="0" forceAA="0" compatLnSpc="1">
+            <a:prstTxWarp prst="textNoShape">
+              <a:avLst/>
+            </a:prstTxWarp>
+            <a:noAutofit/>
+          </a:bodyPr>
+          <a:lstStyle/>
+          <a:p>
+            <a:pPr algn="ctr"/>
+            <a:r>
+              <a:rPr lang="en-AU" sz="1900" dirty="0">
+                <a:solidFill>
+                  <a:schemeClr val="accent5">
+                    <a:lumMod val="75000"/>
+                  </a:schemeClr>
+                </a:solidFill>
+              </a:rPr>
+              <a:t>R</a:t>
+            </a:r>
+          </a:p>
+        </p:txBody>
+      </p:sp>
+      <p:sp>
+        <p:nvSpPr>
+          <p:cNvPr id="17" name="Rounded Rectangle 16"/>
+          <p:cNvSpPr/>
+          <p:nvPr/>
+        </p:nvSpPr>
+        <p:spPr>
+          <a:xfrm>
+            <a:off x="3460882" y="7322804"/>
+            <a:ext cx="694621" cy="414973"/>
+          </a:xfrm>
+          <a:prstGeom prst="roundRect">
+            <a:avLst/>
+          </a:prstGeom>
+          <a:solidFill>
+            <a:schemeClr val="bg1">
+              <a:lumMod val="85000"/>
+            </a:schemeClr>
+          </a:solidFill>
+          <a:ln w="38100">
+            <a:solidFill>
+              <a:schemeClr val="accent5">
+                <a:lumMod val="75000"/>
+              </a:schemeClr>
+            </a:solidFill>
+          </a:ln>
+        </p:spPr>
+        <p:style>
+          <a:lnRef idx="2">
+            <a:schemeClr val="accent1">
+              <a:shade val="50000"/>
+            </a:schemeClr>
+          </a:lnRef>
+          <a:fillRef idx="1">
+            <a:schemeClr val="accent1"/>
+          </a:fillRef>
+          <a:effectRef idx="0">
+            <a:schemeClr val="accent1"/>
+          </a:effectRef>
+          <a:fontRef idx="minor">
+            <a:schemeClr val="lt1"/>
+          </a:fontRef>
+        </p:style>
+        <p:txBody>
+          <a:bodyPr rot="0" spcFirstLastPara="0" vertOverflow="overflow" horzOverflow="overflow" vert="horz" wrap="square" lIns="91440" tIns="45720" rIns="91440" bIns="45720" numCol="1" spcCol="0" rtlCol="0" fromWordArt="0" anchor="ctr" anchorCtr="0" forceAA="0" compatLnSpc="1">
+            <a:prstTxWarp prst="textNoShape">
+              <a:avLst/>
+            </a:prstTxWarp>
+            <a:noAutofit/>
+          </a:bodyPr>
+          <a:lstStyle/>
+          <a:p>
+            <a:pPr algn="ctr"/>
+            <a:r>
+              <a:rPr lang="en-AU" sz="1900" dirty="0">
                 <a:solidFill>
                   <a:schemeClr val="accent5">
                     <a:lumMod val="75000"/>
@@ -3497,51 +3957,9 @@
           </a:p>
         </p:txBody>
       </p:sp>
-      <p:sp>
-        <p:nvSpPr>
-          <p:cNvPr id="20" name="TextBox 19"/>
-          <p:cNvSpPr txBox="1"/>
-          <p:nvPr/>
-        </p:nvSpPr>
-        <p:spPr>
-          <a:xfrm>
-            <a:off x="3677870" y="8827738"/>
-            <a:ext cx="591055" cy="313932"/>
-          </a:xfrm>
-          <a:prstGeom prst="rect">
-            <a:avLst/>
-          </a:prstGeom>
-          <a:noFill/>
-          <a:ln w="28575">
-            <a:solidFill>
-              <a:schemeClr val="accent4">
-                <a:lumMod val="75000"/>
-              </a:schemeClr>
-            </a:solidFill>
-          </a:ln>
-        </p:spPr>
-        <p:txBody>
-          <a:bodyPr wrap="square" rtlCol="0">
-            <a:spAutoFit/>
-          </a:bodyPr>
-          <a:lstStyle/>
-          <a:p>
-            <a:r>
-              <a:rPr lang="en-AU" dirty="0">
-                <a:solidFill>
-                  <a:schemeClr val="accent4">
-                    <a:lumMod val="75000"/>
-                  </a:schemeClr>
-                </a:solidFill>
-              </a:rPr>
-              <a:t>GND</a:t>
-            </a:r>
-          </a:p>
-        </p:txBody>
-      </p:sp>
       <p:pic>
         <p:nvPicPr>
-          <p:cNvPr id="22" name="Picture 21"/>
+          <p:cNvPr id="64" name="Picture 63"/>
           <p:cNvPicPr>
             <a:picLocks noChangeAspect="1"/>
           </p:cNvPicPr>
@@ -3560,8 +3978,8 @@
         </p:blipFill>
         <p:spPr>
           <a:xfrm rot="5400000">
-            <a:off x="1068774" y="2262161"/>
-            <a:ext cx="1352279" cy="1002163"/>
+            <a:off x="20706" y="5194020"/>
+            <a:ext cx="1744623" cy="1292927"/>
           </a:xfrm>
           <a:prstGeom prst="rect">
             <a:avLst/>
@@ -3575,14 +3993,14 @@
       </p:pic>
       <p:sp>
         <p:nvSpPr>
-          <p:cNvPr id="23" name="TextBox 22"/>
+          <p:cNvPr id="66" name="TextBox 65"/>
           <p:cNvSpPr txBox="1"/>
           <p:nvPr/>
         </p:nvSpPr>
         <p:spPr>
           <a:xfrm>
-            <a:off x="1113698" y="3447595"/>
-            <a:ext cx="747503" cy="313932"/>
+            <a:off x="504558" y="6666417"/>
+            <a:ext cx="1236416" cy="400110"/>
           </a:xfrm>
           <a:prstGeom prst="rect">
             <a:avLst/>
@@ -3596,22 +4014,23 @@
           <a:lstStyle/>
           <a:p>
             <a:r>
-              <a:rPr lang="en-AU" dirty="0"/>
+              <a:rPr lang="en-AU" sz="2000" dirty="0" smtClean="0"/>
               <a:t>80MHz</a:t>
             </a:r>
-          </a:p>
-        </p:txBody>
-      </p:sp>
-      <p:sp>
-        <p:nvSpPr>
-          <p:cNvPr id="24" name="TextBox 23"/>
+            <a:endParaRPr lang="en-AU" dirty="0"/>
+          </a:p>
+        </p:txBody>
+      </p:sp>
+      <p:sp>
+        <p:nvSpPr>
+          <p:cNvPr id="67" name="TextBox 66"/>
           <p:cNvSpPr txBox="1"/>
           <p:nvPr/>
         </p:nvSpPr>
         <p:spPr>
           <a:xfrm>
-            <a:off x="1865476" y="4025931"/>
-            <a:ext cx="611606" cy="313932"/>
+            <a:off x="4076048" y="6153156"/>
+            <a:ext cx="1236416" cy="400110"/>
           </a:xfrm>
           <a:prstGeom prst="rect">
             <a:avLst/>
@@ -3625,30 +4044,31 @@
           <a:lstStyle/>
           <a:p>
             <a:r>
-              <a:rPr lang="en-AU" dirty="0"/>
+              <a:rPr lang="en-AU" sz="2000" dirty="0"/>
               <a:t>20Hz</a:t>
             </a:r>
-          </a:p>
-        </p:txBody>
-      </p:sp>
-      <p:sp>
-        <p:nvSpPr>
-          <p:cNvPr id="25" name="Rectangle 24"/>
+            <a:endParaRPr lang="en-AU" dirty="0"/>
+          </a:p>
+        </p:txBody>
+      </p:sp>
+      <p:sp>
+        <p:nvSpPr>
+          <p:cNvPr id="68" name="Rounded Rectangle 67"/>
           <p:cNvSpPr/>
           <p:nvPr/>
         </p:nvSpPr>
         <p:spPr>
           <a:xfrm>
-            <a:off x="1820752" y="3664963"/>
-            <a:ext cx="656333" cy="354409"/>
-          </a:xfrm>
-          <a:prstGeom prst="rect">
+            <a:off x="3841657" y="2180583"/>
+            <a:ext cx="1104758" cy="524784"/>
+          </a:xfrm>
+          <a:prstGeom prst="roundRect">
             <a:avLst/>
           </a:prstGeom>
           <a:solidFill>
-            <a:schemeClr val="bg2"/>
+            <a:srgbClr val="FFCCCC"/>
           </a:solidFill>
-          <a:ln w="28575">
+          <a:ln w="38100">
             <a:solidFill>
               <a:srgbClr val="C00000"/>
             </a:solidFill>
@@ -3681,33 +4101,126 @@
           <a:p>
             <a:pPr algn="ctr"/>
             <a:r>
-              <a:rPr lang="en-AU" dirty="0">
+              <a:rPr lang="en-AU" sz="1900" dirty="0">
                 <a:solidFill>
-                  <a:srgbClr val="C00000"/>
+                  <a:schemeClr val="tx1"/>
                 </a:solidFill>
               </a:rPr>
-              <a:t>RC</a:t>
-            </a:r>
-          </a:p>
-        </p:txBody>
-      </p:sp>
+              <a:t>DC source</a:t>
+            </a:r>
+          </a:p>
+        </p:txBody>
+      </p:sp>
+      <p:sp>
+        <p:nvSpPr>
+          <p:cNvPr id="70" name="Rounded Rectangle 69"/>
+          <p:cNvSpPr/>
+          <p:nvPr/>
+        </p:nvSpPr>
+        <p:spPr>
+          <a:xfrm>
+            <a:off x="460213" y="2159932"/>
+            <a:ext cx="1838425" cy="554055"/>
+          </a:xfrm>
+          <a:prstGeom prst="roundRect">
+            <a:avLst/>
+          </a:prstGeom>
+          <a:solidFill>
+            <a:schemeClr val="accent5">
+              <a:lumMod val="60000"/>
+              <a:lumOff val="40000"/>
+            </a:schemeClr>
+          </a:solidFill>
+          <a:ln w="38100">
+            <a:solidFill>
+              <a:schemeClr val="accent5">
+                <a:lumMod val="75000"/>
+              </a:schemeClr>
+            </a:solidFill>
+          </a:ln>
+        </p:spPr>
+        <p:style>
+          <a:lnRef idx="2">
+            <a:schemeClr val="accent1">
+              <a:shade val="50000"/>
+            </a:schemeClr>
+          </a:lnRef>
+          <a:fillRef idx="1">
+            <a:schemeClr val="accent1"/>
+          </a:fillRef>
+          <a:effectRef idx="0">
+            <a:schemeClr val="accent1"/>
+          </a:effectRef>
+          <a:fontRef idx="minor">
+            <a:schemeClr val="lt1"/>
+          </a:fontRef>
+        </p:style>
+        <p:txBody>
+          <a:bodyPr rot="0" spcFirstLastPara="0" vertOverflow="overflow" horzOverflow="overflow" vert="horz" wrap="square" lIns="91440" tIns="45720" rIns="91440" bIns="45720" numCol="1" spcCol="0" rtlCol="0" fromWordArt="0" anchor="ctr" anchorCtr="0" forceAA="0" compatLnSpc="1">
+            <a:prstTxWarp prst="textNoShape">
+              <a:avLst/>
+            </a:prstTxWarp>
+            <a:noAutofit/>
+          </a:bodyPr>
+          <a:lstStyle/>
+          <a:p>
+            <a:pPr algn="ctr"/>
+            <a:r>
+              <a:rPr lang="en-AU" sz="1900" dirty="0">
+                <a:solidFill>
+                  <a:schemeClr val="tx1"/>
+                </a:solidFill>
+              </a:rPr>
+              <a:t>AWG</a:t>
+            </a:r>
+          </a:p>
+        </p:txBody>
+      </p:sp>
+      <p:pic>
+        <p:nvPicPr>
+          <p:cNvPr id="71" name="Picture 70"/>
+          <p:cNvPicPr>
+            <a:picLocks noChangeAspect="1"/>
+          </p:cNvPicPr>
+          <p:nvPr/>
+        </p:nvPicPr>
+        <p:blipFill rotWithShape="1">
+          <a:blip r:embed="rId5"/>
+          <a:srcRect l="2167" t="3584" r="3592" b="2331"/>
+          <a:stretch/>
+        </p:blipFill>
+        <p:spPr>
+          <a:xfrm>
+            <a:off x="3719449" y="4788105"/>
+            <a:ext cx="1349173" cy="1330170"/>
+          </a:xfrm>
+          <a:prstGeom prst="rect">
+            <a:avLst/>
+          </a:prstGeom>
+          <a:ln w="19050">
+            <a:solidFill>
+              <a:schemeClr val="tx1"/>
+            </a:solidFill>
+          </a:ln>
+        </p:spPr>
+      </p:pic>
       <p:cxnSp>
         <p:nvCxnSpPr>
-          <p:cNvPr id="27" name="Straight Arrow Connector 26"/>
-          <p:cNvCxnSpPr>
-            <a:stCxn id="23" idx="2"/>
-          </p:cNvCxnSpPr>
+          <p:cNvPr id="73" name="Elbow Connector 72"/>
+          <p:cNvCxnSpPr/>
           <p:nvPr/>
         </p:nvCxnSpPr>
         <p:spPr>
-          <a:xfrm flipH="1">
-            <a:off x="1474869" y="3761530"/>
-            <a:ext cx="12581" cy="1701965"/>
-          </a:xfrm>
-          <a:prstGeom prst="straightConnector1">
-            <a:avLst/>
-          </a:prstGeom>
-          <a:ln w="28575">
+          <a:xfrm rot="16200000" flipH="1">
+            <a:off x="791704" y="7090802"/>
+            <a:ext cx="646364" cy="451487"/>
+          </a:xfrm>
+          <a:prstGeom prst="bentConnector3">
+            <a:avLst>
+              <a:gd name="adj1" fmla="val 50000"/>
+            </a:avLst>
+          </a:prstGeom>
+          <a:ln w="76200">
             <a:solidFill>
               <a:schemeClr val="accent5">
                 <a:lumMod val="75000"/>
@@ -3733,21 +4246,25 @@
       </p:cxnSp>
       <p:cxnSp>
         <p:nvCxnSpPr>
-          <p:cNvPr id="31" name="Straight Arrow Connector 30"/>
-          <p:cNvCxnSpPr/>
+          <p:cNvPr id="74" name="Straight Arrow Connector 73"/>
+          <p:cNvCxnSpPr>
+            <a:endCxn id="64" idx="1"/>
+          </p:cNvCxnSpPr>
           <p:nvPr/>
         </p:nvCxnSpPr>
         <p:spPr>
-          <a:xfrm flipH="1">
-            <a:off x="2138124" y="4305435"/>
-            <a:ext cx="8734" cy="1151438"/>
+          <a:xfrm>
+            <a:off x="889142" y="2728375"/>
+            <a:ext cx="3875" cy="2239797"/>
           </a:xfrm>
           <a:prstGeom prst="straightConnector1">
             <a:avLst/>
           </a:prstGeom>
-          <a:ln w="28575">
+          <a:ln w="76200">
             <a:solidFill>
-              <a:srgbClr val="C00000"/>
+              <a:schemeClr val="accent5">
+                <a:lumMod val="75000"/>
+              </a:schemeClr>
             </a:solidFill>
             <a:tailEnd type="triangle"/>
           </a:ln>
@@ -3769,23 +4286,24 @@
       </p:cxnSp>
       <p:cxnSp>
         <p:nvCxnSpPr>
-          <p:cNvPr id="35" name="Straight Arrow Connector 34"/>
-          <p:cNvCxnSpPr/>
+          <p:cNvPr id="75" name="Straight Arrow Connector 74"/>
+          <p:cNvCxnSpPr>
+            <a:stCxn id="68" idx="2"/>
+            <a:endCxn id="71" idx="0"/>
+          </p:cNvCxnSpPr>
           <p:nvPr/>
         </p:nvCxnSpPr>
         <p:spPr>
           <a:xfrm>
-            <a:off x="4672326" y="621552"/>
-            <a:ext cx="55848" cy="4836111"/>
+            <a:off x="4394036" y="2705367"/>
+            <a:ext cx="0" cy="2082738"/>
           </a:xfrm>
           <a:prstGeom prst="straightConnector1">
             <a:avLst/>
           </a:prstGeom>
-          <a:ln w="28575">
+          <a:ln w="76200">
             <a:solidFill>
-              <a:schemeClr val="accent4">
-                <a:lumMod val="75000"/>
-              </a:schemeClr>
+              <a:srgbClr val="C00000"/>
             </a:solidFill>
             <a:tailEnd type="triangle"/>
           </a:ln>
@@ -3807,25 +4325,102 @@
       </p:cxnSp>
       <p:cxnSp>
         <p:nvCxnSpPr>
-          <p:cNvPr id="38" name="Straight Arrow Connector 37"/>
+          <p:cNvPr id="85" name="Straight Connector 84"/>
           <p:cNvCxnSpPr/>
           <p:nvPr/>
         </p:nvCxnSpPr>
         <p:spPr>
           <a:xfrm>
-            <a:off x="2154821" y="563721"/>
-            <a:ext cx="0" cy="1453070"/>
-          </a:xfrm>
-          <a:prstGeom prst="straightConnector1">
+            <a:off x="191300" y="4323840"/>
+            <a:ext cx="6654326" cy="0"/>
+          </a:xfrm>
+          <a:prstGeom prst="line">
             <a:avLst/>
           </a:prstGeom>
           <a:ln w="28575">
             <a:solidFill>
-              <a:schemeClr val="accent5">
-                <a:lumMod val="75000"/>
-              </a:schemeClr>
+              <a:schemeClr val="tx1"/>
             </a:solidFill>
-            <a:tailEnd type="triangle"/>
+            <a:prstDash val="dash"/>
+          </a:ln>
+        </p:spPr>
+        <p:style>
+          <a:lnRef idx="1">
+            <a:schemeClr val="accent1"/>
+          </a:lnRef>
+          <a:fillRef idx="0">
+            <a:schemeClr val="accent1"/>
+          </a:fillRef>
+          <a:effectRef idx="0">
+            <a:schemeClr val="accent1"/>
+          </a:effectRef>
+          <a:fontRef idx="minor">
+            <a:schemeClr val="tx1"/>
+          </a:fontRef>
+        </p:style>
+      </p:cxnSp>
+      <p:sp>
+        <p:nvSpPr>
+          <p:cNvPr id="86" name="TextBox 85"/>
+          <p:cNvSpPr txBox="1"/>
+          <p:nvPr/>
+        </p:nvSpPr>
+        <p:spPr>
+          <a:xfrm>
+            <a:off x="107895" y="4301398"/>
+            <a:ext cx="1688412" cy="677108"/>
+          </a:xfrm>
+          <a:prstGeom prst="rect">
+            <a:avLst/>
+          </a:prstGeom>
+          <a:noFill/>
+        </p:spPr>
+        <p:txBody>
+          <a:bodyPr wrap="square" rtlCol="0">
+            <a:spAutoFit/>
+          </a:bodyPr>
+          <a:lstStyle/>
+          <a:p>
+            <a:r>
+              <a:rPr lang="en-AU" sz="1900" dirty="0" smtClean="0"/>
+              <a:t>Base</a:t>
+            </a:r>
+          </a:p>
+          <a:p>
+            <a:r>
+              <a:rPr lang="en-AU" sz="1900" dirty="0" smtClean="0"/>
+              <a:t>(</a:t>
+            </a:r>
+            <a:r>
+              <a:rPr lang="en-AU" sz="1900" dirty="0" err="1"/>
+              <a:t>mK</a:t>
+            </a:r>
+            <a:r>
+              <a:rPr lang="en-AU" sz="1900" dirty="0"/>
+              <a:t>)</a:t>
+            </a:r>
+          </a:p>
+        </p:txBody>
+      </p:sp>
+      <p:cxnSp>
+        <p:nvCxnSpPr>
+          <p:cNvPr id="88" name="Straight Connector 87"/>
+          <p:cNvCxnSpPr/>
+          <p:nvPr/>
+        </p:nvCxnSpPr>
+        <p:spPr>
+          <a:xfrm>
+            <a:off x="192415" y="3693737"/>
+            <a:ext cx="6654326" cy="0"/>
+          </a:xfrm>
+          <a:prstGeom prst="line">
+            <a:avLst/>
+          </a:prstGeom>
+          <a:ln w="28575">
+            <a:solidFill>
+              <a:schemeClr val="tx1"/>
+            </a:solidFill>
+            <a:prstDash val="dash"/>
           </a:ln>
         </p:spPr>
         <p:style>
@@ -3845,25 +4440,23 @@
       </p:cxnSp>
       <p:cxnSp>
         <p:nvCxnSpPr>
-          <p:cNvPr id="39" name="Straight Arrow Connector 38"/>
-          <p:cNvCxnSpPr>
-            <a:endCxn id="50" idx="3"/>
-          </p:cNvCxnSpPr>
+          <p:cNvPr id="89" name="Straight Connector 88"/>
+          <p:cNvCxnSpPr/>
           <p:nvPr/>
         </p:nvCxnSpPr>
         <p:spPr>
           <a:xfrm>
-            <a:off x="1426560" y="563721"/>
-            <a:ext cx="0" cy="1468645"/>
-          </a:xfrm>
-          <a:prstGeom prst="straightConnector1">
+            <a:off x="205821" y="3168405"/>
+            <a:ext cx="6654326" cy="0"/>
+          </a:xfrm>
+          <a:prstGeom prst="line">
             <a:avLst/>
           </a:prstGeom>
           <a:ln w="28575">
             <a:solidFill>
-              <a:srgbClr val="C00000"/>
+              <a:schemeClr val="tx1"/>
             </a:solidFill>
-            <a:tailEnd type="triangle"/>
+            <a:prstDash val="dash"/>
           </a:ln>
         </p:spPr>
         <p:style>
@@ -3883,24 +4476,19 @@
       </p:cxnSp>
       <p:sp>
         <p:nvSpPr>
-          <p:cNvPr id="45" name="TextBox 44"/>
+          <p:cNvPr id="90" name="TextBox 89"/>
           <p:cNvSpPr txBox="1"/>
           <p:nvPr/>
         </p:nvSpPr>
         <p:spPr>
-          <a:xfrm>
-            <a:off x="1157720" y="165801"/>
-            <a:ext cx="547439" cy="313932"/>
+          <a:xfrm flipH="1">
+            <a:off x="107895" y="3658655"/>
+            <a:ext cx="629546" cy="383951"/>
           </a:xfrm>
           <a:prstGeom prst="rect">
             <a:avLst/>
           </a:prstGeom>
           <a:noFill/>
-          <a:ln w="28575">
-            <a:solidFill>
-              <a:srgbClr val="C00000"/>
-            </a:solidFill>
-          </a:ln>
         </p:spPr>
         <p:txBody>
           <a:bodyPr wrap="square" rtlCol="0">
@@ -3908,654 +4496,179 @@
           </a:bodyPr>
           <a:lstStyle/>
           <a:p>
-            <a:pPr algn="ctr"/>
-            <a:r>
-              <a:rPr lang="en-AU" dirty="0">
-                <a:solidFill>
-                  <a:srgbClr val="C00000"/>
-                </a:solidFill>
-              </a:rPr>
-              <a:t>DC</a:t>
-            </a:r>
-          </a:p>
-        </p:txBody>
-      </p:sp>
-      <p:sp>
-        <p:nvSpPr>
-          <p:cNvPr id="46" name="TextBox 45"/>
+            <a:r>
+              <a:rPr lang="en-AU" sz="1900" dirty="0" smtClean="0"/>
+              <a:t>1 K</a:t>
+            </a:r>
+            <a:endParaRPr lang="en-AU" sz="1900" dirty="0"/>
+          </a:p>
+        </p:txBody>
+      </p:sp>
+      <p:sp>
+        <p:nvSpPr>
+          <p:cNvPr id="91" name="TextBox 90"/>
           <p:cNvSpPr txBox="1"/>
           <p:nvPr/>
         </p:nvSpPr>
         <p:spPr>
-          <a:xfrm>
-            <a:off x="1864404" y="165666"/>
-            <a:ext cx="547439" cy="313932"/>
+          <a:xfrm flipH="1">
+            <a:off x="107895" y="3104723"/>
+            <a:ext cx="629546" cy="383951"/>
           </a:xfrm>
           <a:prstGeom prst="rect">
             <a:avLst/>
           </a:prstGeom>
           <a:noFill/>
-          <a:ln w="28575">
+        </p:spPr>
+        <p:txBody>
+          <a:bodyPr wrap="square" rtlCol="0">
+            <a:spAutoFit/>
+          </a:bodyPr>
+          <a:lstStyle/>
+          <a:p>
+            <a:r>
+              <a:rPr lang="en-AU" sz="1900" dirty="0" smtClean="0"/>
+              <a:t>4 K</a:t>
+            </a:r>
+            <a:endParaRPr lang="en-AU" sz="1900" dirty="0"/>
+          </a:p>
+        </p:txBody>
+      </p:sp>
+      <p:sp>
+        <p:nvSpPr>
+          <p:cNvPr id="92" name="TextBox 91"/>
+          <p:cNvSpPr txBox="1"/>
+          <p:nvPr/>
+        </p:nvSpPr>
+        <p:spPr>
+          <a:xfrm>
+            <a:off x="30127" y="46593"/>
+            <a:ext cx="707314" cy="383951"/>
+          </a:xfrm>
+          <a:prstGeom prst="rect">
+            <a:avLst/>
+          </a:prstGeom>
+          <a:noFill/>
+        </p:spPr>
+        <p:txBody>
+          <a:bodyPr wrap="square" rtlCol="0">
+            <a:spAutoFit/>
+          </a:bodyPr>
+          <a:lstStyle/>
+          <a:p>
+            <a:r>
+              <a:rPr lang="en-AU" sz="1900" dirty="0" smtClean="0"/>
+              <a:t>300K</a:t>
+            </a:r>
+            <a:endParaRPr lang="en-AU" sz="1900" dirty="0"/>
+          </a:p>
+        </p:txBody>
+      </p:sp>
+      <p:pic>
+        <p:nvPicPr>
+          <p:cNvPr id="110" name="Picture 109"/>
+          <p:cNvPicPr>
+            <a:picLocks noChangeAspect="1"/>
+          </p:cNvPicPr>
+          <p:nvPr/>
+        </p:nvPicPr>
+        <p:blipFill rotWithShape="1">
+          <a:blip r:embed="rId6" cstate="print">
+            <a:duotone>
+              <a:schemeClr val="accent4">
+                <a:shade val="45000"/>
+                <a:satMod val="135000"/>
+              </a:schemeClr>
+              <a:prstClr val="white"/>
+            </a:duotone>
+            <a:extLst>
+              <a:ext uri="{28A0092B-C50C-407E-A947-70E740481C1C}">
+                <a14:useLocalDpi xmlns:a14="http://schemas.microsoft.com/office/drawing/2010/main" val="0"/>
+              </a:ext>
+            </a:extLst>
+          </a:blip>
+          <a:srcRect l="863" t="46736" r="91896" b="35618"/>
+          <a:stretch/>
+        </p:blipFill>
+        <p:spPr>
+          <a:xfrm>
+            <a:off x="5327065" y="6776041"/>
+            <a:ext cx="518952" cy="583611"/>
+          </a:xfrm>
+          <a:prstGeom prst="rect">
+            <a:avLst/>
+          </a:prstGeom>
+          <a:ln w="19050">
             <a:solidFill>
-              <a:schemeClr val="accent5">
-                <a:lumMod val="75000"/>
+              <a:schemeClr val="accent4">
+                <a:lumMod val="50000"/>
               </a:schemeClr>
             </a:solidFill>
           </a:ln>
         </p:spPr>
-        <p:txBody>
-          <a:bodyPr wrap="square" rtlCol="0">
+      </p:pic>
+      <p:sp>
+        <p:nvSpPr>
+          <p:cNvPr id="111" name="Rectangle 110"/>
+          <p:cNvSpPr/>
+          <p:nvPr/>
+        </p:nvSpPr>
+        <p:spPr>
+          <a:xfrm>
+            <a:off x="5497730" y="6118275"/>
+            <a:ext cx="764954" cy="677108"/>
+          </a:xfrm>
+          <a:prstGeom prst="rect">
+            <a:avLst/>
+          </a:prstGeom>
+        </p:spPr>
+        <p:txBody>
+          <a:bodyPr wrap="none">
             <a:spAutoFit/>
           </a:bodyPr>
           <a:lstStyle/>
           <a:p>
             <a:pPr algn="ctr"/>
             <a:r>
-              <a:rPr lang="en-AU" dirty="0">
-                <a:solidFill>
-                  <a:schemeClr val="accent5">
-                    <a:lumMod val="75000"/>
-                  </a:schemeClr>
-                </a:solidFill>
-              </a:rPr>
-              <a:t>AC</a:t>
-            </a:r>
-          </a:p>
-        </p:txBody>
-      </p:sp>
-      <p:sp>
-        <p:nvSpPr>
-          <p:cNvPr id="47" name="TextBox 46"/>
-          <p:cNvSpPr txBox="1"/>
-          <p:nvPr/>
-        </p:nvSpPr>
-        <p:spPr>
-          <a:xfrm>
-            <a:off x="4312881" y="28190"/>
-            <a:ext cx="850059" cy="535531"/>
-          </a:xfrm>
-          <a:prstGeom prst="rect">
-            <a:avLst/>
-          </a:prstGeom>
-          <a:noFill/>
-          <a:ln w="28575">
+              <a:rPr lang="en-AU" sz="1900" dirty="0" smtClean="0"/>
+              <a:t>DC</a:t>
+            </a:r>
+          </a:p>
+          <a:p>
+            <a:pPr algn="ctr"/>
+            <a:r>
+              <a:rPr lang="en-AU" sz="1900" dirty="0" smtClean="0"/>
+              <a:t> </a:t>
+            </a:r>
+            <a:r>
+              <a:rPr lang="en-AU" sz="1900" dirty="0"/>
+              <a:t>block</a:t>
+            </a:r>
+          </a:p>
+        </p:txBody>
+      </p:sp>
+      <p:cxnSp>
+        <p:nvCxnSpPr>
+          <p:cNvPr id="112" name="Elbow Connector 111"/>
+          <p:cNvCxnSpPr>
+            <a:stCxn id="110" idx="2"/>
+            <a:endCxn id="15" idx="3"/>
+          </p:cNvCxnSpPr>
+          <p:nvPr/>
+        </p:nvCxnSpPr>
+        <p:spPr>
+          <a:xfrm rot="5400000">
+            <a:off x="3002833" y="7599356"/>
+            <a:ext cx="2823412" cy="2344005"/>
+          </a:xfrm>
+          <a:prstGeom prst="bentConnector2">
+            <a:avLst/>
+          </a:prstGeom>
+          <a:ln w="38100">
             <a:solidFill>
               <a:schemeClr val="accent4">
                 <a:lumMod val="75000"/>
               </a:schemeClr>
-            </a:solidFill>
-          </a:ln>
-        </p:spPr>
-        <p:txBody>
-          <a:bodyPr wrap="square" rtlCol="0">
-            <a:spAutoFit/>
-          </a:bodyPr>
-          <a:lstStyle/>
-          <a:p>
-            <a:pPr algn="ctr"/>
-            <a:r>
-              <a:rPr lang="en-AU" dirty="0">
-                <a:solidFill>
-                  <a:schemeClr val="accent4">
-                    <a:lumMod val="75000"/>
-                  </a:schemeClr>
-                </a:solidFill>
-              </a:rPr>
-              <a:t>Fast</a:t>
-            </a:r>
-          </a:p>
-          <a:p>
-            <a:pPr algn="ctr"/>
-            <a:r>
-              <a:rPr lang="en-AU" dirty="0">
-                <a:solidFill>
-                  <a:schemeClr val="accent4">
-                    <a:lumMod val="75000"/>
-                  </a:schemeClr>
-                </a:solidFill>
-              </a:rPr>
-              <a:t>&lt;40GHz</a:t>
-            </a:r>
-            <a:endParaRPr lang="en-AU" dirty="0">
-              <a:solidFill>
-                <a:schemeClr val="accent4">
-                  <a:lumMod val="75000"/>
-                </a:schemeClr>
-              </a:solidFill>
-            </a:endParaRPr>
-          </a:p>
-        </p:txBody>
-      </p:sp>
-      <p:cxnSp>
-        <p:nvCxnSpPr>
-          <p:cNvPr id="49" name="Straight Connector 48"/>
-          <p:cNvCxnSpPr/>
-          <p:nvPr/>
-        </p:nvCxnSpPr>
-        <p:spPr>
-          <a:xfrm>
-            <a:off x="212807" y="1847102"/>
-            <a:ext cx="5112327" cy="0"/>
-          </a:xfrm>
-          <a:prstGeom prst="line">
-            <a:avLst/>
-          </a:prstGeom>
-          <a:ln w="28575">
-            <a:solidFill>
-              <a:schemeClr val="tx1"/>
-            </a:solidFill>
-            <a:prstDash val="dash"/>
-          </a:ln>
-        </p:spPr>
-        <p:style>
-          <a:lnRef idx="1">
-            <a:schemeClr val="accent1"/>
-          </a:lnRef>
-          <a:fillRef idx="0">
-            <a:schemeClr val="accent1"/>
-          </a:fillRef>
-          <a:effectRef idx="0">
-            <a:schemeClr val="accent1"/>
-          </a:effectRef>
-          <a:fontRef idx="minor">
-            <a:schemeClr val="tx1"/>
-          </a:fontRef>
-        </p:style>
-      </p:cxnSp>
-      <p:sp>
-        <p:nvSpPr>
-          <p:cNvPr id="50" name="TextBox 49"/>
-          <p:cNvSpPr txBox="1"/>
-          <p:nvPr/>
-        </p:nvSpPr>
-        <p:spPr>
-          <a:xfrm>
-            <a:off x="129402" y="1875400"/>
-            <a:ext cx="1297158" cy="313932"/>
-          </a:xfrm>
-          <a:prstGeom prst="rect">
-            <a:avLst/>
-          </a:prstGeom>
-          <a:noFill/>
-        </p:spPr>
-        <p:txBody>
-          <a:bodyPr wrap="square" rtlCol="0">
-            <a:spAutoFit/>
-          </a:bodyPr>
-          <a:lstStyle/>
-          <a:p>
-            <a:r>
-              <a:rPr lang="en-AU" dirty="0"/>
-              <a:t>Base (</a:t>
-            </a:r>
-            <a:r>
-              <a:rPr lang="en-AU" dirty="0" err="1"/>
-              <a:t>mK</a:t>
-            </a:r>
-            <a:r>
-              <a:rPr lang="en-AU" dirty="0"/>
-              <a:t>)</a:t>
-            </a:r>
-          </a:p>
-        </p:txBody>
-      </p:sp>
-      <p:sp>
-        <p:nvSpPr>
-          <p:cNvPr id="51" name="Rounded Rectangle 50"/>
-          <p:cNvSpPr/>
-          <p:nvPr/>
-        </p:nvSpPr>
-        <p:spPr>
-          <a:xfrm>
-            <a:off x="4426200" y="1764252"/>
-            <a:ext cx="534249" cy="310743"/>
-          </a:xfrm>
-          <a:prstGeom prst="roundRect">
-            <a:avLst/>
-          </a:prstGeom>
-          <a:solidFill>
-            <a:schemeClr val="accent4">
-              <a:lumMod val="40000"/>
-              <a:lumOff val="60000"/>
-            </a:schemeClr>
-          </a:solidFill>
-          <a:ln w="28575">
-            <a:solidFill>
-              <a:schemeClr val="accent4">
-                <a:lumMod val="75000"/>
-              </a:schemeClr>
-            </a:solidFill>
-          </a:ln>
-        </p:spPr>
-        <p:style>
-          <a:lnRef idx="2">
-            <a:schemeClr val="accent1">
-              <a:shade val="50000"/>
-            </a:schemeClr>
-          </a:lnRef>
-          <a:fillRef idx="1">
-            <a:schemeClr val="accent1"/>
-          </a:fillRef>
-          <a:effectRef idx="0">
-            <a:schemeClr val="accent1"/>
-          </a:effectRef>
-          <a:fontRef idx="minor">
-            <a:schemeClr val="lt1"/>
-          </a:fontRef>
-        </p:style>
-        <p:txBody>
-          <a:bodyPr rot="0" spcFirstLastPara="0" vertOverflow="overflow" horzOverflow="overflow" vert="horz" wrap="square" lIns="91440" tIns="45720" rIns="91440" bIns="45720" numCol="1" spcCol="0" rtlCol="0" fromWordArt="0" anchor="ctr" anchorCtr="0" forceAA="0" compatLnSpc="1">
-            <a:prstTxWarp prst="textNoShape">
-              <a:avLst/>
-            </a:prstTxWarp>
-            <a:noAutofit/>
-          </a:bodyPr>
-          <a:lstStyle/>
-          <a:p>
-            <a:pPr algn="ctr"/>
-            <a:r>
-              <a:rPr lang="en-AU" dirty="0" smtClean="0">
-                <a:solidFill>
-                  <a:schemeClr val="tx1"/>
-                </a:solidFill>
-              </a:rPr>
-              <a:t>3dB</a:t>
-            </a:r>
-            <a:endParaRPr lang="en-AU" dirty="0">
-              <a:solidFill>
-                <a:schemeClr val="tx1"/>
-              </a:solidFill>
-            </a:endParaRPr>
-          </a:p>
-        </p:txBody>
-      </p:sp>
-      <p:cxnSp>
-        <p:nvCxnSpPr>
-          <p:cNvPr id="54" name="Straight Arrow Connector 53"/>
-          <p:cNvCxnSpPr/>
-          <p:nvPr/>
-        </p:nvCxnSpPr>
-        <p:spPr>
-          <a:xfrm flipH="1">
-            <a:off x="2148918" y="3496557"/>
-            <a:ext cx="5903" cy="142218"/>
-          </a:xfrm>
-          <a:prstGeom prst="straightConnector1">
-            <a:avLst/>
-          </a:prstGeom>
-          <a:ln w="28575">
-            <a:solidFill>
-              <a:srgbClr val="C00000"/>
-            </a:solidFill>
-            <a:tailEnd type="triangle"/>
-          </a:ln>
-        </p:spPr>
-        <p:style>
-          <a:lnRef idx="1">
-            <a:schemeClr val="accent1"/>
-          </a:lnRef>
-          <a:fillRef idx="0">
-            <a:schemeClr val="accent1"/>
-          </a:fillRef>
-          <a:effectRef idx="0">
-            <a:schemeClr val="accent1"/>
-          </a:effectRef>
-          <a:fontRef idx="minor">
-            <a:schemeClr val="tx1"/>
-          </a:fontRef>
-        </p:style>
-      </p:cxnSp>
-      <p:sp>
-        <p:nvSpPr>
-          <p:cNvPr id="34" name="Rounded Rectangle 33"/>
-          <p:cNvSpPr/>
-          <p:nvPr/>
-        </p:nvSpPr>
-        <p:spPr>
-          <a:xfrm>
-            <a:off x="1264120" y="7113869"/>
-            <a:ext cx="509527" cy="369332"/>
-          </a:xfrm>
-          <a:prstGeom prst="roundRect">
-            <a:avLst/>
-          </a:prstGeom>
-          <a:solidFill>
-            <a:schemeClr val="bg1">
-              <a:lumMod val="85000"/>
-            </a:schemeClr>
-          </a:solidFill>
-          <a:ln w="28575">
-            <a:solidFill>
-              <a:schemeClr val="accent5">
-                <a:lumMod val="75000"/>
-              </a:schemeClr>
-            </a:solidFill>
-          </a:ln>
-        </p:spPr>
-        <p:style>
-          <a:lnRef idx="2">
-            <a:schemeClr val="accent1">
-              <a:shade val="50000"/>
-            </a:schemeClr>
-          </a:lnRef>
-          <a:fillRef idx="1">
-            <a:schemeClr val="accent1"/>
-          </a:fillRef>
-          <a:effectRef idx="0">
-            <a:schemeClr val="accent1"/>
-          </a:effectRef>
-          <a:fontRef idx="minor">
-            <a:schemeClr val="lt1"/>
-          </a:fontRef>
-        </p:style>
-        <p:txBody>
-          <a:bodyPr rot="0" spcFirstLastPara="0" vertOverflow="overflow" horzOverflow="overflow" vert="horz" wrap="square" lIns="91440" tIns="45720" rIns="91440" bIns="45720" numCol="1" spcCol="0" rtlCol="0" fromWordArt="0" anchor="ctr" anchorCtr="0" forceAA="0" compatLnSpc="1">
-            <a:prstTxWarp prst="textNoShape">
-              <a:avLst/>
-            </a:prstTxWarp>
-            <a:noAutofit/>
-          </a:bodyPr>
-          <a:lstStyle/>
-          <a:p>
-            <a:pPr algn="ctr"/>
-            <a:r>
-              <a:rPr lang="en-AU" dirty="0">
-                <a:solidFill>
-                  <a:schemeClr val="accent5">
-                    <a:lumMod val="75000"/>
-                  </a:schemeClr>
-                </a:solidFill>
-              </a:rPr>
-              <a:t>R</a:t>
-            </a:r>
-            <a:endParaRPr lang="en-AU" dirty="0">
-              <a:solidFill>
-                <a:schemeClr val="accent5">
-                  <a:lumMod val="75000"/>
-                </a:schemeClr>
-              </a:solidFill>
-            </a:endParaRPr>
-          </a:p>
-        </p:txBody>
-      </p:sp>
-      <p:sp>
-        <p:nvSpPr>
-          <p:cNvPr id="36" name="TextBox 35"/>
-          <p:cNvSpPr txBox="1"/>
-          <p:nvPr/>
-        </p:nvSpPr>
-        <p:spPr>
-          <a:xfrm>
-            <a:off x="1672456" y="5670295"/>
-            <a:ext cx="574016" cy="313932"/>
-          </a:xfrm>
-          <a:prstGeom prst="rect">
-            <a:avLst/>
-          </a:prstGeom>
-          <a:noFill/>
-          <a:ln w="28575">
-            <a:solidFill>
-              <a:schemeClr val="accent5">
-                <a:lumMod val="75000"/>
-              </a:schemeClr>
-            </a:solidFill>
-          </a:ln>
-        </p:spPr>
-        <p:txBody>
-          <a:bodyPr wrap="square" rtlCol="0">
-            <a:spAutoFit/>
-          </a:bodyPr>
-          <a:lstStyle/>
-          <a:p>
-            <a:pPr algn="ctr"/>
-            <a:r>
-              <a:rPr lang="en-AU" dirty="0">
-                <a:solidFill>
-                  <a:schemeClr val="accent5">
-                    <a:lumMod val="75000"/>
-                  </a:schemeClr>
-                </a:solidFill>
-              </a:rPr>
-              <a:t>TLC</a:t>
-            </a:r>
-            <a:endParaRPr lang="en-AU" dirty="0">
-              <a:solidFill>
-                <a:schemeClr val="accent5">
-                  <a:lumMod val="75000"/>
-                </a:schemeClr>
-              </a:solidFill>
-            </a:endParaRPr>
-          </a:p>
-        </p:txBody>
-      </p:sp>
-      <p:sp>
-        <p:nvSpPr>
-          <p:cNvPr id="37" name="TextBox 36"/>
-          <p:cNvSpPr txBox="1"/>
-          <p:nvPr/>
-        </p:nvSpPr>
-        <p:spPr>
-          <a:xfrm>
-            <a:off x="3003488" y="5670295"/>
-            <a:ext cx="574016" cy="313932"/>
-          </a:xfrm>
-          <a:prstGeom prst="rect">
-            <a:avLst/>
-          </a:prstGeom>
-          <a:noFill/>
-          <a:ln w="28575">
-            <a:solidFill>
-              <a:schemeClr val="accent5">
-                <a:lumMod val="75000"/>
-              </a:schemeClr>
-            </a:solidFill>
-          </a:ln>
-        </p:spPr>
-        <p:txBody>
-          <a:bodyPr wrap="square" rtlCol="0">
-            <a:spAutoFit/>
-          </a:bodyPr>
-          <a:lstStyle/>
-          <a:p>
-            <a:pPr algn="ctr"/>
-            <a:r>
-              <a:rPr lang="en-AU" dirty="0">
-                <a:solidFill>
-                  <a:schemeClr val="accent5">
-                    <a:lumMod val="75000"/>
-                  </a:schemeClr>
-                </a:solidFill>
-              </a:rPr>
-              <a:t>RS</a:t>
-            </a:r>
-            <a:endParaRPr lang="en-AU" dirty="0">
-              <a:solidFill>
-                <a:schemeClr val="accent5">
-                  <a:lumMod val="75000"/>
-                </a:schemeClr>
-              </a:solidFill>
-            </a:endParaRPr>
-          </a:p>
-        </p:txBody>
-      </p:sp>
-      <p:sp>
-        <p:nvSpPr>
-          <p:cNvPr id="40" name="TextBox 39"/>
-          <p:cNvSpPr txBox="1"/>
-          <p:nvPr/>
-        </p:nvSpPr>
-        <p:spPr>
-          <a:xfrm>
-            <a:off x="977109" y="6741243"/>
-            <a:ext cx="574016" cy="313932"/>
-          </a:xfrm>
-          <a:prstGeom prst="rect">
-            <a:avLst/>
-          </a:prstGeom>
-          <a:noFill/>
-          <a:ln w="28575">
-            <a:solidFill>
-              <a:schemeClr val="accent5">
-                <a:lumMod val="75000"/>
-              </a:schemeClr>
-            </a:solidFill>
-          </a:ln>
-        </p:spPr>
-        <p:txBody>
-          <a:bodyPr wrap="square" rtlCol="0">
-            <a:spAutoFit/>
-          </a:bodyPr>
-          <a:lstStyle/>
-          <a:p>
-            <a:pPr algn="ctr"/>
-            <a:r>
-              <a:rPr lang="en-AU" dirty="0">
-                <a:solidFill>
-                  <a:schemeClr val="accent5">
-                    <a:lumMod val="75000"/>
-                  </a:schemeClr>
-                </a:solidFill>
-              </a:rPr>
-              <a:t>RR</a:t>
-            </a:r>
-            <a:endParaRPr lang="en-AU" dirty="0">
-              <a:solidFill>
-                <a:schemeClr val="accent5">
-                  <a:lumMod val="75000"/>
-                </a:schemeClr>
-              </a:solidFill>
-            </a:endParaRPr>
-          </a:p>
-        </p:txBody>
-      </p:sp>
-      <p:sp>
-        <p:nvSpPr>
-          <p:cNvPr id="41" name="TextBox 40"/>
-          <p:cNvSpPr txBox="1"/>
-          <p:nvPr/>
-        </p:nvSpPr>
-        <p:spPr>
-          <a:xfrm>
-            <a:off x="2348352" y="5670295"/>
-            <a:ext cx="574016" cy="313932"/>
-          </a:xfrm>
-          <a:prstGeom prst="rect">
-            <a:avLst/>
-          </a:prstGeom>
-          <a:noFill/>
-          <a:ln w="28575">
-            <a:solidFill>
-              <a:srgbClr val="00B050"/>
-            </a:solidFill>
-          </a:ln>
-        </p:spPr>
-        <p:txBody>
-          <a:bodyPr wrap="square" rtlCol="0">
-            <a:spAutoFit/>
-          </a:bodyPr>
-          <a:lstStyle/>
-          <a:p>
-            <a:pPr algn="ctr"/>
-            <a:r>
-              <a:rPr lang="en-AU" dirty="0">
-                <a:solidFill>
-                  <a:schemeClr val="accent6">
-                    <a:lumMod val="50000"/>
-                  </a:schemeClr>
-                </a:solidFill>
-              </a:rPr>
-              <a:t>DG</a:t>
-            </a:r>
-            <a:endParaRPr lang="en-AU" dirty="0">
-              <a:solidFill>
-                <a:schemeClr val="accent6">
-                  <a:lumMod val="50000"/>
-                </a:schemeClr>
-              </a:solidFill>
-            </a:endParaRPr>
-          </a:p>
-        </p:txBody>
-      </p:sp>
-      <p:sp>
-        <p:nvSpPr>
-          <p:cNvPr id="2" name="Rectangle 1"/>
-          <p:cNvSpPr/>
-          <p:nvPr/>
-        </p:nvSpPr>
-        <p:spPr>
-          <a:xfrm>
-            <a:off x="2635363" y="4824045"/>
-            <a:ext cx="1461483" cy="402279"/>
-          </a:xfrm>
-          <a:prstGeom prst="rect">
-            <a:avLst/>
-          </a:prstGeom>
-          <a:solidFill>
-            <a:schemeClr val="accent6">
-              <a:lumMod val="60000"/>
-              <a:lumOff val="40000"/>
-            </a:schemeClr>
-          </a:solidFill>
-          <a:ln w="28575">
-            <a:solidFill>
-              <a:srgbClr val="00B050"/>
-            </a:solidFill>
-          </a:ln>
-        </p:spPr>
-        <p:style>
-          <a:lnRef idx="2">
-            <a:schemeClr val="accent1">
-              <a:shade val="50000"/>
-            </a:schemeClr>
-          </a:lnRef>
-          <a:fillRef idx="1">
-            <a:schemeClr val="accent1"/>
-          </a:fillRef>
-          <a:effectRef idx="0">
-            <a:schemeClr val="accent1"/>
-          </a:effectRef>
-          <a:fontRef idx="minor">
-            <a:schemeClr val="lt1"/>
-          </a:fontRef>
-        </p:style>
-        <p:txBody>
-          <a:bodyPr rot="0" spcFirstLastPara="0" vertOverflow="overflow" horzOverflow="overflow" vert="horz" wrap="square" lIns="91440" tIns="45720" rIns="91440" bIns="45720" numCol="1" spcCol="0" rtlCol="0" fromWordArt="0" anchor="ctr" anchorCtr="0" forceAA="0" compatLnSpc="1">
-            <a:prstTxWarp prst="textNoShape">
-              <a:avLst/>
-            </a:prstTxWarp>
-            <a:noAutofit/>
-          </a:bodyPr>
-          <a:lstStyle/>
-          <a:p>
-            <a:pPr algn="ctr"/>
-            <a:r>
-              <a:rPr lang="en-AU" dirty="0">
-                <a:solidFill>
-                  <a:schemeClr val="tx1"/>
-                </a:solidFill>
-              </a:rPr>
-              <a:t>Diplexer</a:t>
-            </a:r>
-          </a:p>
-        </p:txBody>
-      </p:sp>
-      <p:cxnSp>
-        <p:nvCxnSpPr>
-          <p:cNvPr id="42" name="Straight Arrow Connector 41"/>
-          <p:cNvCxnSpPr/>
-          <p:nvPr/>
-        </p:nvCxnSpPr>
-        <p:spPr>
-          <a:xfrm flipH="1">
-            <a:off x="2768967" y="5279435"/>
-            <a:ext cx="5406" cy="208066"/>
-          </a:xfrm>
-          <a:prstGeom prst="straightConnector1">
-            <a:avLst/>
-          </a:prstGeom>
-          <a:ln w="28575">
-            <a:solidFill>
-              <a:srgbClr val="00B050"/>
             </a:solidFill>
             <a:tailEnd type="triangle"/>
           </a:ln>
@@ -4577,25 +4690,26 @@
       </p:cxnSp>
       <p:cxnSp>
         <p:nvCxnSpPr>
-          <p:cNvPr id="44" name="Elbow Connector 43"/>
-          <p:cNvCxnSpPr/>
+          <p:cNvPr id="113" name="Straight Connector 112"/>
+          <p:cNvCxnSpPr>
+            <a:endCxn id="124" idx="2"/>
+          </p:cNvCxnSpPr>
           <p:nvPr/>
         </p:nvCxnSpPr>
         <p:spPr>
-          <a:xfrm>
-            <a:off x="2523268" y="3795106"/>
-            <a:ext cx="520449" cy="205327"/>
-          </a:xfrm>
-          <a:prstGeom prst="bentConnector3">
-            <a:avLst>
-              <a:gd name="adj1" fmla="val 99913"/>
-            </a:avLst>
-          </a:prstGeom>
-          <a:ln w="28575">
+          <a:xfrm flipH="1" flipV="1">
+            <a:off x="5571231" y="2689530"/>
+            <a:ext cx="15310" cy="4062581"/>
+          </a:xfrm>
+          <a:prstGeom prst="line">
+            <a:avLst/>
+          </a:prstGeom>
+          <a:ln w="38100">
             <a:solidFill>
-              <a:srgbClr val="C00000"/>
+              <a:schemeClr val="accent4">
+                <a:lumMod val="75000"/>
+              </a:schemeClr>
             </a:solidFill>
-            <a:tailEnd type="triangle"/>
           </a:ln>
         </p:spPr>
         <p:style>
@@ -4613,6 +4727,1331 @@
           </a:fontRef>
         </p:style>
       </p:cxnSp>
+      <p:cxnSp>
+        <p:nvCxnSpPr>
+          <p:cNvPr id="115" name="Elbow Connector 114"/>
+          <p:cNvCxnSpPr>
+            <a:stCxn id="58" idx="3"/>
+          </p:cNvCxnSpPr>
+          <p:nvPr/>
+        </p:nvCxnSpPr>
+        <p:spPr>
+          <a:xfrm rot="5400000" flipH="1" flipV="1">
+            <a:off x="1365140" y="9502108"/>
+            <a:ext cx="257535" cy="323226"/>
+          </a:xfrm>
+          <a:prstGeom prst="bentConnector2">
+            <a:avLst/>
+          </a:prstGeom>
+          <a:ln w="38100">
+            <a:solidFill>
+              <a:schemeClr val="accent4">
+                <a:lumMod val="75000"/>
+              </a:schemeClr>
+            </a:solidFill>
+          </a:ln>
+        </p:spPr>
+        <p:style>
+          <a:lnRef idx="1">
+            <a:schemeClr val="accent1"/>
+          </a:lnRef>
+          <a:fillRef idx="0">
+            <a:schemeClr val="accent1"/>
+          </a:fillRef>
+          <a:effectRef idx="0">
+            <a:schemeClr val="accent1"/>
+          </a:effectRef>
+          <a:fontRef idx="minor">
+            <a:schemeClr val="tx1"/>
+          </a:fontRef>
+        </p:style>
+      </p:cxnSp>
+      <p:sp>
+        <p:nvSpPr>
+          <p:cNvPr id="124" name="Rounded Rectangle 123"/>
+          <p:cNvSpPr/>
+          <p:nvPr/>
+        </p:nvSpPr>
+        <p:spPr>
+          <a:xfrm>
+            <a:off x="5040364" y="2162632"/>
+            <a:ext cx="1061734" cy="526898"/>
+          </a:xfrm>
+          <a:prstGeom prst="roundRect">
+            <a:avLst/>
+          </a:prstGeom>
+          <a:solidFill>
+            <a:schemeClr val="accent4">
+              <a:lumMod val="40000"/>
+              <a:lumOff val="60000"/>
+            </a:schemeClr>
+          </a:solidFill>
+          <a:ln w="38100">
+            <a:solidFill>
+              <a:schemeClr val="accent4">
+                <a:lumMod val="75000"/>
+              </a:schemeClr>
+            </a:solidFill>
+          </a:ln>
+        </p:spPr>
+        <p:style>
+          <a:lnRef idx="2">
+            <a:schemeClr val="accent1">
+              <a:shade val="50000"/>
+            </a:schemeClr>
+          </a:lnRef>
+          <a:fillRef idx="1">
+            <a:schemeClr val="accent1"/>
+          </a:fillRef>
+          <a:effectRef idx="0">
+            <a:schemeClr val="accent1"/>
+          </a:effectRef>
+          <a:fontRef idx="minor">
+            <a:schemeClr val="lt1"/>
+          </a:fontRef>
+        </p:style>
+        <p:txBody>
+          <a:bodyPr rot="0" spcFirstLastPara="0" vertOverflow="overflow" horzOverflow="overflow" vert="horz" wrap="square" lIns="91440" tIns="45720" rIns="91440" bIns="45720" numCol="1" spcCol="0" rtlCol="0" fromWordArt="0" anchor="ctr" anchorCtr="0" forceAA="0" compatLnSpc="1">
+            <a:prstTxWarp prst="textNoShape">
+              <a:avLst/>
+            </a:prstTxWarp>
+            <a:noAutofit/>
+          </a:bodyPr>
+          <a:lstStyle/>
+          <a:p>
+            <a:pPr algn="ctr"/>
+            <a:r>
+              <a:rPr lang="en-AU" sz="1900" dirty="0" smtClean="0">
+                <a:solidFill>
+                  <a:schemeClr val="tx1"/>
+                </a:solidFill>
+              </a:rPr>
+              <a:t>MW source 2</a:t>
+            </a:r>
+            <a:endParaRPr lang="en-AU" sz="1900" dirty="0">
+              <a:solidFill>
+                <a:schemeClr val="tx1"/>
+              </a:solidFill>
+            </a:endParaRPr>
+          </a:p>
+        </p:txBody>
+      </p:sp>
+      <p:sp>
+        <p:nvSpPr>
+          <p:cNvPr id="118" name="Rounded Rectangle 117"/>
+          <p:cNvSpPr/>
+          <p:nvPr/>
+        </p:nvSpPr>
+        <p:spPr>
+          <a:xfrm>
+            <a:off x="2641735" y="3095704"/>
+            <a:ext cx="727478" cy="354481"/>
+          </a:xfrm>
+          <a:prstGeom prst="roundRect">
+            <a:avLst/>
+          </a:prstGeom>
+          <a:solidFill>
+            <a:schemeClr val="accent6">
+              <a:lumMod val="20000"/>
+              <a:lumOff val="80000"/>
+            </a:schemeClr>
+          </a:solidFill>
+          <a:ln w="38100">
+            <a:solidFill>
+              <a:srgbClr val="00B050"/>
+            </a:solidFill>
+          </a:ln>
+        </p:spPr>
+        <p:style>
+          <a:lnRef idx="2">
+            <a:schemeClr val="accent1">
+              <a:shade val="50000"/>
+            </a:schemeClr>
+          </a:lnRef>
+          <a:fillRef idx="1">
+            <a:schemeClr val="accent1"/>
+          </a:fillRef>
+          <a:effectRef idx="0">
+            <a:schemeClr val="accent1"/>
+          </a:effectRef>
+          <a:fontRef idx="minor">
+            <a:schemeClr val="lt1"/>
+          </a:fontRef>
+        </p:style>
+        <p:txBody>
+          <a:bodyPr rot="0" spcFirstLastPara="0" vertOverflow="overflow" horzOverflow="overflow" vert="horz" wrap="square" lIns="91440" tIns="45720" rIns="91440" bIns="45720" numCol="1" spcCol="0" rtlCol="0" fromWordArt="0" anchor="ctr" anchorCtr="0" forceAA="0" compatLnSpc="1">
+            <a:prstTxWarp prst="textNoShape">
+              <a:avLst/>
+            </a:prstTxWarp>
+            <a:noAutofit/>
+          </a:bodyPr>
+          <a:lstStyle/>
+          <a:p>
+            <a:pPr algn="ctr"/>
+            <a:r>
+              <a:rPr lang="en-AU" sz="1900" dirty="0">
+                <a:solidFill>
+                  <a:schemeClr val="tx1"/>
+                </a:solidFill>
+              </a:rPr>
+              <a:t>20dB</a:t>
+            </a:r>
+          </a:p>
+        </p:txBody>
+      </p:sp>
+      <p:sp>
+        <p:nvSpPr>
+          <p:cNvPr id="119" name="Rounded Rectangle 118"/>
+          <p:cNvSpPr/>
+          <p:nvPr/>
+        </p:nvSpPr>
+        <p:spPr>
+          <a:xfrm>
+            <a:off x="2664781" y="4226688"/>
+            <a:ext cx="727478" cy="354481"/>
+          </a:xfrm>
+          <a:prstGeom prst="roundRect">
+            <a:avLst/>
+          </a:prstGeom>
+          <a:solidFill>
+            <a:schemeClr val="accent6">
+              <a:lumMod val="20000"/>
+              <a:lumOff val="80000"/>
+            </a:schemeClr>
+          </a:solidFill>
+          <a:ln w="38100">
+            <a:solidFill>
+              <a:srgbClr val="00B050"/>
+            </a:solidFill>
+          </a:ln>
+        </p:spPr>
+        <p:style>
+          <a:lnRef idx="2">
+            <a:schemeClr val="accent1">
+              <a:shade val="50000"/>
+            </a:schemeClr>
+          </a:lnRef>
+          <a:fillRef idx="1">
+            <a:schemeClr val="accent1"/>
+          </a:fillRef>
+          <a:effectRef idx="0">
+            <a:schemeClr val="accent1"/>
+          </a:effectRef>
+          <a:fontRef idx="minor">
+            <a:schemeClr val="lt1"/>
+          </a:fontRef>
+        </p:style>
+        <p:txBody>
+          <a:bodyPr rot="0" spcFirstLastPara="0" vertOverflow="overflow" horzOverflow="overflow" vert="horz" wrap="square" lIns="91440" tIns="45720" rIns="91440" bIns="45720" numCol="1" spcCol="0" rtlCol="0" fromWordArt="0" anchor="ctr" anchorCtr="0" forceAA="0" compatLnSpc="1">
+            <a:prstTxWarp prst="textNoShape">
+              <a:avLst/>
+            </a:prstTxWarp>
+            <a:noAutofit/>
+          </a:bodyPr>
+          <a:lstStyle/>
+          <a:p>
+            <a:pPr algn="ctr"/>
+            <a:r>
+              <a:rPr lang="en-AU" sz="1900" dirty="0">
+                <a:solidFill>
+                  <a:schemeClr val="tx1"/>
+                </a:solidFill>
+              </a:rPr>
+              <a:t>40dB</a:t>
+            </a:r>
+          </a:p>
+        </p:txBody>
+      </p:sp>
+      <p:sp>
+        <p:nvSpPr>
+          <p:cNvPr id="120" name="Rounded Rectangle 119"/>
+          <p:cNvSpPr/>
+          <p:nvPr/>
+        </p:nvSpPr>
+        <p:spPr>
+          <a:xfrm>
+            <a:off x="1697778" y="3538211"/>
+            <a:ext cx="727478" cy="354481"/>
+          </a:xfrm>
+          <a:prstGeom prst="roundRect">
+            <a:avLst/>
+          </a:prstGeom>
+          <a:solidFill>
+            <a:schemeClr val="accent6">
+              <a:lumMod val="20000"/>
+              <a:lumOff val="80000"/>
+            </a:schemeClr>
+          </a:solidFill>
+          <a:ln w="38100">
+            <a:solidFill>
+              <a:srgbClr val="00B050"/>
+            </a:solidFill>
+          </a:ln>
+        </p:spPr>
+        <p:style>
+          <a:lnRef idx="2">
+            <a:schemeClr val="accent1">
+              <a:shade val="50000"/>
+            </a:schemeClr>
+          </a:lnRef>
+          <a:fillRef idx="1">
+            <a:schemeClr val="accent1"/>
+          </a:fillRef>
+          <a:effectRef idx="0">
+            <a:schemeClr val="accent1"/>
+          </a:effectRef>
+          <a:fontRef idx="minor">
+            <a:schemeClr val="lt1"/>
+          </a:fontRef>
+        </p:style>
+        <p:txBody>
+          <a:bodyPr rot="0" spcFirstLastPara="0" vertOverflow="overflow" horzOverflow="overflow" vert="horz" wrap="square" lIns="91440" tIns="45720" rIns="91440" bIns="45720" numCol="1" spcCol="0" rtlCol="0" fromWordArt="0" anchor="ctr" anchorCtr="0" forceAA="0" compatLnSpc="1">
+            <a:prstTxWarp prst="textNoShape">
+              <a:avLst/>
+            </a:prstTxWarp>
+            <a:noAutofit/>
+          </a:bodyPr>
+          <a:lstStyle/>
+          <a:p>
+            <a:pPr algn="ctr"/>
+            <a:r>
+              <a:rPr lang="en-AU" sz="1900" dirty="0" smtClean="0">
+                <a:solidFill>
+                  <a:schemeClr val="tx1"/>
+                </a:solidFill>
+              </a:rPr>
+              <a:t>10</a:t>
+            </a:r>
+            <a:r>
+              <a:rPr lang="en-AU" sz="1900" dirty="0" smtClean="0">
+                <a:solidFill>
+                  <a:schemeClr val="tx1"/>
+                </a:solidFill>
+              </a:rPr>
+              <a:t>dB</a:t>
+            </a:r>
+            <a:endParaRPr lang="en-AU" sz="1900" dirty="0">
+              <a:solidFill>
+                <a:schemeClr val="tx1"/>
+              </a:solidFill>
+            </a:endParaRPr>
+          </a:p>
+        </p:txBody>
+      </p:sp>
+      <p:sp>
+        <p:nvSpPr>
+          <p:cNvPr id="121" name="Rounded Rectangle 120"/>
+          <p:cNvSpPr/>
+          <p:nvPr/>
+        </p:nvSpPr>
+        <p:spPr>
+          <a:xfrm>
+            <a:off x="1718813" y="4226689"/>
+            <a:ext cx="727478" cy="354481"/>
+          </a:xfrm>
+          <a:prstGeom prst="roundRect">
+            <a:avLst/>
+          </a:prstGeom>
+          <a:solidFill>
+            <a:schemeClr val="accent6">
+              <a:lumMod val="20000"/>
+              <a:lumOff val="80000"/>
+            </a:schemeClr>
+          </a:solidFill>
+          <a:ln w="38100">
+            <a:solidFill>
+              <a:srgbClr val="00B050"/>
+            </a:solidFill>
+          </a:ln>
+        </p:spPr>
+        <p:style>
+          <a:lnRef idx="2">
+            <a:schemeClr val="accent1">
+              <a:shade val="50000"/>
+            </a:schemeClr>
+          </a:lnRef>
+          <a:fillRef idx="1">
+            <a:schemeClr val="accent1"/>
+          </a:fillRef>
+          <a:effectRef idx="0">
+            <a:schemeClr val="accent1"/>
+          </a:effectRef>
+          <a:fontRef idx="minor">
+            <a:schemeClr val="lt1"/>
+          </a:fontRef>
+        </p:style>
+        <p:txBody>
+          <a:bodyPr rot="0" spcFirstLastPara="0" vertOverflow="overflow" horzOverflow="overflow" vert="horz" wrap="square" lIns="91440" tIns="45720" rIns="91440" bIns="45720" numCol="1" spcCol="0" rtlCol="0" fromWordArt="0" anchor="ctr" anchorCtr="0" forceAA="0" compatLnSpc="1">
+            <a:prstTxWarp prst="textNoShape">
+              <a:avLst/>
+            </a:prstTxWarp>
+            <a:noAutofit/>
+          </a:bodyPr>
+          <a:lstStyle/>
+          <a:p>
+            <a:pPr algn="ctr"/>
+            <a:r>
+              <a:rPr lang="en-AU" sz="1900" dirty="0" smtClean="0">
+                <a:solidFill>
+                  <a:schemeClr val="tx1"/>
+                </a:solidFill>
+              </a:rPr>
+              <a:t>10dB</a:t>
+            </a:r>
+            <a:endParaRPr lang="en-AU" sz="1900" dirty="0">
+              <a:solidFill>
+                <a:schemeClr val="tx1"/>
+              </a:solidFill>
+            </a:endParaRPr>
+          </a:p>
+        </p:txBody>
+      </p:sp>
+      <p:sp>
+        <p:nvSpPr>
+          <p:cNvPr id="125" name="Rounded Rectangle 124"/>
+          <p:cNvSpPr/>
+          <p:nvPr/>
+        </p:nvSpPr>
+        <p:spPr>
+          <a:xfrm>
+            <a:off x="2642808" y="3538936"/>
+            <a:ext cx="727478" cy="354481"/>
+          </a:xfrm>
+          <a:prstGeom prst="roundRect">
+            <a:avLst/>
+          </a:prstGeom>
+          <a:solidFill>
+            <a:schemeClr val="accent6">
+              <a:lumMod val="20000"/>
+              <a:lumOff val="80000"/>
+            </a:schemeClr>
+          </a:solidFill>
+          <a:ln w="38100">
+            <a:solidFill>
+              <a:srgbClr val="00B050"/>
+            </a:solidFill>
+          </a:ln>
+        </p:spPr>
+        <p:style>
+          <a:lnRef idx="2">
+            <a:schemeClr val="accent1">
+              <a:shade val="50000"/>
+            </a:schemeClr>
+          </a:lnRef>
+          <a:fillRef idx="1">
+            <a:schemeClr val="accent1"/>
+          </a:fillRef>
+          <a:effectRef idx="0">
+            <a:schemeClr val="accent1"/>
+          </a:effectRef>
+          <a:fontRef idx="minor">
+            <a:schemeClr val="lt1"/>
+          </a:fontRef>
+        </p:style>
+        <p:txBody>
+          <a:bodyPr rot="0" spcFirstLastPara="0" vertOverflow="overflow" horzOverflow="overflow" vert="horz" wrap="square" lIns="91440" tIns="45720" rIns="91440" bIns="45720" numCol="1" spcCol="0" rtlCol="0" fromWordArt="0" anchor="ctr" anchorCtr="0" forceAA="0" compatLnSpc="1">
+            <a:prstTxWarp prst="textNoShape">
+              <a:avLst/>
+            </a:prstTxWarp>
+            <a:noAutofit/>
+          </a:bodyPr>
+          <a:lstStyle/>
+          <a:p>
+            <a:pPr algn="ctr"/>
+            <a:r>
+              <a:rPr lang="en-AU" sz="1900" dirty="0">
+                <a:solidFill>
+                  <a:schemeClr val="tx1"/>
+                </a:solidFill>
+              </a:rPr>
+              <a:t>10dB</a:t>
+            </a:r>
+          </a:p>
+        </p:txBody>
+      </p:sp>
+      <p:cxnSp>
+        <p:nvCxnSpPr>
+          <p:cNvPr id="126" name="Straight Arrow Connector 125"/>
+          <p:cNvCxnSpPr>
+            <a:endCxn id="128" idx="2"/>
+          </p:cNvCxnSpPr>
+          <p:nvPr/>
+        </p:nvCxnSpPr>
+        <p:spPr>
+          <a:xfrm flipH="1" flipV="1">
+            <a:off x="6433839" y="754086"/>
+            <a:ext cx="16319" cy="8804510"/>
+          </a:xfrm>
+          <a:prstGeom prst="straightConnector1">
+            <a:avLst/>
+          </a:prstGeom>
+          <a:ln w="38100">
+            <a:solidFill>
+              <a:schemeClr val="accent2">
+                <a:lumMod val="75000"/>
+              </a:schemeClr>
+            </a:solidFill>
+            <a:tailEnd type="triangle"/>
+          </a:ln>
+        </p:spPr>
+        <p:style>
+          <a:lnRef idx="1">
+            <a:schemeClr val="accent1"/>
+          </a:lnRef>
+          <a:fillRef idx="0">
+            <a:schemeClr val="accent1"/>
+          </a:fillRef>
+          <a:effectRef idx="0">
+            <a:schemeClr val="accent1"/>
+          </a:effectRef>
+          <a:fontRef idx="minor">
+            <a:schemeClr val="tx1"/>
+          </a:fontRef>
+        </p:style>
+      </p:cxnSp>
+      <mc:AlternateContent xmlns:mc="http://schemas.openxmlformats.org/markup-compatibility/2006" xmlns:a14="http://schemas.microsoft.com/office/drawing/2010/main">
+        <mc:Choice Requires="a14">
+          <p:sp>
+            <p:nvSpPr>
+              <p:cNvPr id="127" name="TextBox 126"/>
+              <p:cNvSpPr txBox="1"/>
+              <p:nvPr/>
+            </p:nvSpPr>
+            <p:spPr>
+              <a:xfrm>
+                <a:off x="6510724" y="6408668"/>
+                <a:ext cx="545881" cy="461665"/>
+              </a:xfrm>
+              <a:prstGeom prst="rect">
+                <a:avLst/>
+              </a:prstGeom>
+              <a:noFill/>
+              <a:ln>
+                <a:noFill/>
+              </a:ln>
+            </p:spPr>
+            <p:txBody>
+              <a:bodyPr wrap="square" rtlCol="0">
+                <a:spAutoFit/>
+              </a:bodyPr>
+              <a:lstStyle/>
+              <a:p>
+                <a:pPr/>
+                <a14:m>
+                  <m:oMathPara xmlns:m="http://schemas.openxmlformats.org/officeDocument/2006/math">
+                    <m:oMathParaPr>
+                      <m:jc m:val="centerGroup"/>
+                    </m:oMathParaPr>
+                    <m:oMath xmlns:m="http://schemas.openxmlformats.org/officeDocument/2006/math">
+                      <m:sSub>
+                        <m:sSubPr>
+                          <m:ctrlPr>
+                            <a:rPr lang="en-AU" sz="2400" i="1" smtClean="0">
+                              <a:solidFill>
+                                <a:schemeClr val="accent2">
+                                  <a:lumMod val="75000"/>
+                                </a:schemeClr>
+                              </a:solidFill>
+                              <a:latin typeface="Cambria Math" panose="02040503050406030204" pitchFamily="18" charset="0"/>
+                            </a:rPr>
+                          </m:ctrlPr>
+                        </m:sSubPr>
+                        <m:e>
+                          <m:r>
+                            <a:rPr lang="en-AU" sz="2400" i="1">
+                              <a:solidFill>
+                                <a:schemeClr val="accent2">
+                                  <a:lumMod val="75000"/>
+                                </a:schemeClr>
+                              </a:solidFill>
+                              <a:latin typeface="Cambria Math" panose="02040503050406030204" pitchFamily="18" charset="0"/>
+                            </a:rPr>
+                            <m:t>𝐼</m:t>
+                          </m:r>
+                        </m:e>
+                        <m:sub>
+                          <m:r>
+                            <m:rPr>
+                              <m:sty m:val="p"/>
+                            </m:rPr>
+                            <a:rPr lang="en-AU" sz="2400">
+                              <a:solidFill>
+                                <a:schemeClr val="accent2">
+                                  <a:lumMod val="75000"/>
+                                </a:schemeClr>
+                              </a:solidFill>
+                              <a:latin typeface="Cambria Math" panose="02040503050406030204" pitchFamily="18" charset="0"/>
+                            </a:rPr>
+                            <m:t>SET</m:t>
+                          </m:r>
+                        </m:sub>
+                      </m:sSub>
+                    </m:oMath>
+                  </m:oMathPara>
+                </a14:m>
+                <a:endParaRPr lang="en-AU" sz="2400" dirty="0">
+                  <a:solidFill>
+                    <a:schemeClr val="accent2">
+                      <a:lumMod val="75000"/>
+                    </a:schemeClr>
+                  </a:solidFill>
+                </a:endParaRPr>
+              </a:p>
+            </p:txBody>
+          </p:sp>
+        </mc:Choice>
+        <mc:Fallback xmlns="">
+          <p:sp>
+            <p:nvSpPr>
+              <p:cNvPr id="127" name="TextBox 126"/>
+              <p:cNvSpPr txBox="1">
+                <a:spLocks noRot="1" noChangeAspect="1" noMove="1" noResize="1" noEditPoints="1" noAdjustHandles="1" noChangeArrowheads="1" noChangeShapeType="1" noTextEdit="1"/>
+              </p:cNvSpPr>
+              <p:nvPr/>
+            </p:nvSpPr>
+            <p:spPr>
+              <a:xfrm>
+                <a:off x="6510724" y="6408668"/>
+                <a:ext cx="545881" cy="461665"/>
+              </a:xfrm>
+              <a:prstGeom prst="rect">
+                <a:avLst/>
+              </a:prstGeom>
+              <a:blipFill>
+                <a:blip r:embed="rId7"/>
+                <a:stretch>
+                  <a:fillRect l="-2222" r="-25556" b="-2632"/>
+                </a:stretch>
+              </a:blipFill>
+              <a:ln>
+                <a:noFill/>
+              </a:ln>
+            </p:spPr>
+            <p:txBody>
+              <a:bodyPr/>
+              <a:lstStyle/>
+              <a:p>
+                <a:r>
+                  <a:rPr lang="en-AU">
+                    <a:noFill/>
+                  </a:rPr>
+                  <a:t> </a:t>
+                </a:r>
+              </a:p>
+            </p:txBody>
+          </p:sp>
+        </mc:Fallback>
+      </mc:AlternateContent>
+      <p:sp>
+        <p:nvSpPr>
+          <p:cNvPr id="128" name="Rounded Rectangle 127"/>
+          <p:cNvSpPr/>
+          <p:nvPr/>
+        </p:nvSpPr>
+        <p:spPr>
+          <a:xfrm>
+            <a:off x="5882252" y="231625"/>
+            <a:ext cx="1103174" cy="522461"/>
+          </a:xfrm>
+          <a:prstGeom prst="roundRect">
+            <a:avLst/>
+          </a:prstGeom>
+          <a:solidFill>
+            <a:schemeClr val="accent2">
+              <a:lumMod val="60000"/>
+              <a:lumOff val="40000"/>
+            </a:schemeClr>
+          </a:solidFill>
+          <a:ln w="38100">
+            <a:solidFill>
+              <a:schemeClr val="accent2">
+                <a:lumMod val="75000"/>
+              </a:schemeClr>
+            </a:solidFill>
+          </a:ln>
+        </p:spPr>
+        <p:style>
+          <a:lnRef idx="2">
+            <a:schemeClr val="accent1">
+              <a:shade val="50000"/>
+            </a:schemeClr>
+          </a:lnRef>
+          <a:fillRef idx="1">
+            <a:schemeClr val="accent1"/>
+          </a:fillRef>
+          <a:effectRef idx="0">
+            <a:schemeClr val="accent1"/>
+          </a:effectRef>
+          <a:fontRef idx="minor">
+            <a:schemeClr val="lt1"/>
+          </a:fontRef>
+        </p:style>
+        <p:txBody>
+          <a:bodyPr rot="0" spcFirstLastPara="0" vertOverflow="overflow" horzOverflow="overflow" vert="horz" wrap="square" lIns="91440" tIns="45720" rIns="91440" bIns="45720" numCol="1" spcCol="0" rtlCol="0" fromWordArt="0" anchor="ctr" anchorCtr="0" forceAA="0" compatLnSpc="1">
+            <a:prstTxWarp prst="textNoShape">
+              <a:avLst/>
+            </a:prstTxWarp>
+            <a:noAutofit/>
+          </a:bodyPr>
+          <a:lstStyle/>
+          <a:p>
+            <a:pPr algn="ctr"/>
+            <a:r>
+              <a:rPr lang="en-AU" dirty="0">
+                <a:solidFill>
+                  <a:schemeClr val="accent2">
+                    <a:lumMod val="50000"/>
+                  </a:schemeClr>
+                </a:solidFill>
+              </a:rPr>
+              <a:t>Digitiser</a:t>
+            </a:r>
+          </a:p>
+        </p:txBody>
+      </p:sp>
+      <p:sp>
+        <p:nvSpPr>
+          <p:cNvPr id="129" name="Isosceles Triangle 128"/>
+          <p:cNvSpPr/>
+          <p:nvPr/>
+        </p:nvSpPr>
+        <p:spPr>
+          <a:xfrm>
+            <a:off x="6234707" y="2805566"/>
+            <a:ext cx="428441" cy="269280"/>
+          </a:xfrm>
+          <a:prstGeom prst="triangle">
+            <a:avLst/>
+          </a:prstGeom>
+          <a:solidFill>
+            <a:schemeClr val="accent2">
+              <a:lumMod val="60000"/>
+              <a:lumOff val="40000"/>
+            </a:schemeClr>
+          </a:solidFill>
+          <a:ln w="28575">
+            <a:solidFill>
+              <a:schemeClr val="accent2">
+                <a:lumMod val="50000"/>
+              </a:schemeClr>
+            </a:solidFill>
+          </a:ln>
+        </p:spPr>
+        <p:style>
+          <a:lnRef idx="2">
+            <a:schemeClr val="accent1">
+              <a:shade val="50000"/>
+            </a:schemeClr>
+          </a:lnRef>
+          <a:fillRef idx="1">
+            <a:schemeClr val="accent1"/>
+          </a:fillRef>
+          <a:effectRef idx="0">
+            <a:schemeClr val="accent1"/>
+          </a:effectRef>
+          <a:fontRef idx="minor">
+            <a:schemeClr val="lt1"/>
+          </a:fontRef>
+        </p:style>
+        <p:txBody>
+          <a:bodyPr rot="0" spcFirstLastPara="0" vertOverflow="overflow" horzOverflow="overflow" vert="horz" wrap="square" lIns="91440" tIns="45720" rIns="91440" bIns="45720" numCol="1" spcCol="0" rtlCol="0" fromWordArt="0" anchor="ctr" anchorCtr="0" forceAA="0" compatLnSpc="1">
+            <a:prstTxWarp prst="textNoShape">
+              <a:avLst/>
+            </a:prstTxWarp>
+            <a:noAutofit/>
+          </a:bodyPr>
+          <a:lstStyle/>
+          <a:p>
+            <a:pPr algn="ctr"/>
+            <a:endParaRPr lang="en-AU"/>
+          </a:p>
+        </p:txBody>
+      </p:sp>
+      <p:sp>
+        <p:nvSpPr>
+          <p:cNvPr id="130" name="Isosceles Triangle 129"/>
+          <p:cNvSpPr/>
+          <p:nvPr/>
+        </p:nvSpPr>
+        <p:spPr>
+          <a:xfrm>
+            <a:off x="6234707" y="1571003"/>
+            <a:ext cx="428441" cy="276734"/>
+          </a:xfrm>
+          <a:prstGeom prst="triangle">
+            <a:avLst/>
+          </a:prstGeom>
+          <a:solidFill>
+            <a:schemeClr val="accent2">
+              <a:lumMod val="60000"/>
+              <a:lumOff val="40000"/>
+            </a:schemeClr>
+          </a:solidFill>
+          <a:ln w="28575">
+            <a:solidFill>
+              <a:schemeClr val="accent2">
+                <a:lumMod val="50000"/>
+              </a:schemeClr>
+            </a:solidFill>
+          </a:ln>
+        </p:spPr>
+        <p:style>
+          <a:lnRef idx="2">
+            <a:schemeClr val="accent1">
+              <a:shade val="50000"/>
+            </a:schemeClr>
+          </a:lnRef>
+          <a:fillRef idx="1">
+            <a:schemeClr val="accent1"/>
+          </a:fillRef>
+          <a:effectRef idx="0">
+            <a:schemeClr val="accent1"/>
+          </a:effectRef>
+          <a:fontRef idx="minor">
+            <a:schemeClr val="lt1"/>
+          </a:fontRef>
+        </p:style>
+        <p:txBody>
+          <a:bodyPr rot="0" spcFirstLastPara="0" vertOverflow="overflow" horzOverflow="overflow" vert="horz" wrap="square" lIns="91440" tIns="45720" rIns="91440" bIns="45720" numCol="1" spcCol="0" rtlCol="0" fromWordArt="0" anchor="ctr" anchorCtr="0" forceAA="0" compatLnSpc="1">
+            <a:prstTxWarp prst="textNoShape">
+              <a:avLst/>
+            </a:prstTxWarp>
+            <a:noAutofit/>
+          </a:bodyPr>
+          <a:lstStyle/>
+          <a:p>
+            <a:pPr algn="ctr"/>
+            <a:endParaRPr lang="en-AU"/>
+          </a:p>
+        </p:txBody>
+      </p:sp>
+      <p:pic>
+        <p:nvPicPr>
+          <p:cNvPr id="131" name="Picture 130"/>
+          <p:cNvPicPr>
+            <a:picLocks noChangeAspect="1"/>
+          </p:cNvPicPr>
+          <p:nvPr/>
+        </p:nvPicPr>
+        <p:blipFill rotWithShape="1">
+          <a:blip r:embed="rId8" cstate="print">
+            <a:extLst>
+              <a:ext uri="{28A0092B-C50C-407E-A947-70E740481C1C}">
+                <a14:useLocalDpi xmlns:a14="http://schemas.microsoft.com/office/drawing/2010/main" val="0"/>
+              </a:ext>
+            </a:extLst>
+          </a:blip>
+          <a:srcRect l="17938" t="26761" r="28547" b="33450"/>
+          <a:stretch/>
+        </p:blipFill>
+        <p:spPr>
+          <a:xfrm rot="16200000">
+            <a:off x="6130377" y="2173078"/>
+            <a:ext cx="633590" cy="315400"/>
+          </a:xfrm>
+          <a:prstGeom prst="rect">
+            <a:avLst/>
+          </a:prstGeom>
+          <a:ln w="19050">
+            <a:solidFill>
+              <a:schemeClr val="accent2">
+                <a:lumMod val="50000"/>
+              </a:schemeClr>
+            </a:solidFill>
+          </a:ln>
+        </p:spPr>
+      </p:pic>
+      <p:sp>
+        <p:nvSpPr>
+          <p:cNvPr id="132" name="TextBox 131"/>
+          <p:cNvSpPr txBox="1"/>
+          <p:nvPr/>
+        </p:nvSpPr>
+        <p:spPr>
+          <a:xfrm>
+            <a:off x="6602460" y="2728375"/>
+            <a:ext cx="1098567" cy="384721"/>
+          </a:xfrm>
+          <a:prstGeom prst="rect">
+            <a:avLst/>
+          </a:prstGeom>
+          <a:noFill/>
+        </p:spPr>
+        <p:txBody>
+          <a:bodyPr wrap="square" rtlCol="0">
+            <a:spAutoFit/>
+          </a:bodyPr>
+          <a:lstStyle/>
+          <a:p>
+            <a:r>
+              <a:rPr lang="en-AU" sz="1900" dirty="0">
+                <a:solidFill>
+                  <a:schemeClr val="accent2">
+                    <a:lumMod val="75000"/>
+                  </a:schemeClr>
+                </a:solidFill>
+              </a:rPr>
+              <a:t>V/I amp</a:t>
+            </a:r>
+          </a:p>
+        </p:txBody>
+      </p:sp>
+      <p:sp>
+        <p:nvSpPr>
+          <p:cNvPr id="133" name="TextBox 132"/>
+          <p:cNvSpPr txBox="1"/>
+          <p:nvPr/>
+        </p:nvSpPr>
+        <p:spPr>
+          <a:xfrm>
+            <a:off x="6445605" y="1378431"/>
+            <a:ext cx="1098567" cy="384721"/>
+          </a:xfrm>
+          <a:prstGeom prst="rect">
+            <a:avLst/>
+          </a:prstGeom>
+          <a:noFill/>
+        </p:spPr>
+        <p:txBody>
+          <a:bodyPr wrap="square" rtlCol="0">
+            <a:spAutoFit/>
+          </a:bodyPr>
+          <a:lstStyle/>
+          <a:p>
+            <a:r>
+              <a:rPr lang="en-AU" sz="1900" dirty="0">
+                <a:solidFill>
+                  <a:schemeClr val="accent2">
+                    <a:lumMod val="75000"/>
+                  </a:schemeClr>
+                </a:solidFill>
+              </a:rPr>
+              <a:t>V/V amp</a:t>
+            </a:r>
+          </a:p>
+        </p:txBody>
+      </p:sp>
+      <p:pic>
+        <p:nvPicPr>
+          <p:cNvPr id="134" name="Picture 133"/>
+          <p:cNvPicPr>
+            <a:picLocks noChangeAspect="1"/>
+          </p:cNvPicPr>
+          <p:nvPr/>
+        </p:nvPicPr>
+        <p:blipFill rotWithShape="1">
+          <a:blip r:embed="rId9">
+            <a:duotone>
+              <a:schemeClr val="accent2">
+                <a:shade val="45000"/>
+                <a:satMod val="135000"/>
+              </a:schemeClr>
+              <a:prstClr val="white"/>
+            </a:duotone>
+            <a:extLst>
+              <a:ext uri="{28A0092B-C50C-407E-A947-70E740481C1C}">
+                <a14:useLocalDpi xmlns:a14="http://schemas.microsoft.com/office/drawing/2010/main" val="0"/>
+              </a:ext>
+            </a:extLst>
+          </a:blip>
+          <a:srcRect l="42360" t="35390" r="26011" b="30912"/>
+          <a:stretch/>
+        </p:blipFill>
+        <p:spPr>
+          <a:xfrm>
+            <a:off x="6185576" y="1000870"/>
+            <a:ext cx="506038" cy="276727"/>
+          </a:xfrm>
+          <a:prstGeom prst="rect">
+            <a:avLst/>
+          </a:prstGeom>
+          <a:ln w="38100">
+            <a:solidFill>
+              <a:schemeClr val="accent2">
+                <a:lumMod val="75000"/>
+              </a:schemeClr>
+            </a:solidFill>
+          </a:ln>
+        </p:spPr>
+      </p:pic>
+      <p:sp>
+        <p:nvSpPr>
+          <p:cNvPr id="135" name="Rectangle 134"/>
+          <p:cNvSpPr/>
+          <p:nvPr/>
+        </p:nvSpPr>
+        <p:spPr>
+          <a:xfrm>
+            <a:off x="6733017" y="947229"/>
+            <a:ext cx="749050" cy="384721"/>
+          </a:xfrm>
+          <a:prstGeom prst="rect">
+            <a:avLst/>
+          </a:prstGeom>
+        </p:spPr>
+        <p:txBody>
+          <a:bodyPr wrap="square">
+            <a:spAutoFit/>
+          </a:bodyPr>
+          <a:lstStyle/>
+          <a:p>
+            <a:pPr algn="ctr"/>
+            <a:r>
+              <a:rPr lang="en-AU" sz="1900" dirty="0" smtClean="0">
+                <a:solidFill>
+                  <a:schemeClr val="accent2">
+                    <a:lumMod val="75000"/>
+                  </a:schemeClr>
+                </a:solidFill>
+              </a:rPr>
+              <a:t>50Hz</a:t>
+            </a:r>
+            <a:endParaRPr lang="en-AU" sz="1900" dirty="0">
+              <a:solidFill>
+                <a:schemeClr val="accent2">
+                  <a:lumMod val="75000"/>
+                </a:schemeClr>
+              </a:solidFill>
+            </a:endParaRPr>
+          </a:p>
+        </p:txBody>
+      </p:sp>
+      <p:cxnSp>
+        <p:nvCxnSpPr>
+          <p:cNvPr id="136" name="Straight Arrow Connector 135"/>
+          <p:cNvCxnSpPr>
+            <a:stCxn id="128" idx="1"/>
+            <a:endCxn id="144" idx="3"/>
+          </p:cNvCxnSpPr>
+          <p:nvPr/>
+        </p:nvCxnSpPr>
+        <p:spPr>
+          <a:xfrm flipH="1" flipV="1">
+            <a:off x="5015172" y="490355"/>
+            <a:ext cx="867080" cy="2501"/>
+          </a:xfrm>
+          <a:prstGeom prst="straightConnector1">
+            <a:avLst/>
+          </a:prstGeom>
+          <a:ln w="38100">
+            <a:solidFill>
+              <a:schemeClr val="accent2">
+                <a:lumMod val="75000"/>
+              </a:schemeClr>
+            </a:solidFill>
+            <a:tailEnd type="triangle"/>
+          </a:ln>
+        </p:spPr>
+        <p:style>
+          <a:lnRef idx="1">
+            <a:schemeClr val="accent1"/>
+          </a:lnRef>
+          <a:fillRef idx="0">
+            <a:schemeClr val="accent1"/>
+          </a:fillRef>
+          <a:effectRef idx="0">
+            <a:schemeClr val="accent1"/>
+          </a:effectRef>
+          <a:fontRef idx="minor">
+            <a:schemeClr val="tx1"/>
+          </a:fontRef>
+        </p:style>
+      </p:cxnSp>
+      <p:cxnSp>
+        <p:nvCxnSpPr>
+          <p:cNvPr id="137" name="Straight Connector 136"/>
+          <p:cNvCxnSpPr/>
+          <p:nvPr/>
+        </p:nvCxnSpPr>
+        <p:spPr>
+          <a:xfrm>
+            <a:off x="4696961" y="9473396"/>
+            <a:ext cx="1757635" cy="25040"/>
+          </a:xfrm>
+          <a:prstGeom prst="line">
+            <a:avLst/>
+          </a:prstGeom>
+          <a:ln w="38100">
+            <a:solidFill>
+              <a:schemeClr val="accent2">
+                <a:lumMod val="75000"/>
+              </a:schemeClr>
+            </a:solidFill>
+          </a:ln>
+        </p:spPr>
+        <p:style>
+          <a:lnRef idx="1">
+            <a:schemeClr val="accent1"/>
+          </a:lnRef>
+          <a:fillRef idx="0">
+            <a:schemeClr val="accent1"/>
+          </a:fillRef>
+          <a:effectRef idx="0">
+            <a:schemeClr val="accent1"/>
+          </a:effectRef>
+          <a:fontRef idx="minor">
+            <a:schemeClr val="tx1"/>
+          </a:fontRef>
+        </p:style>
+      </p:cxnSp>
+      <p:cxnSp>
+        <p:nvCxnSpPr>
+          <p:cNvPr id="141" name="Elbow Connector 140"/>
+          <p:cNvCxnSpPr/>
+          <p:nvPr/>
+        </p:nvCxnSpPr>
+        <p:spPr>
+          <a:xfrm rot="16200000" flipH="1">
+            <a:off x="3903241" y="6951972"/>
+            <a:ext cx="1076289" cy="174262"/>
+          </a:xfrm>
+          <a:prstGeom prst="bentConnector3">
+            <a:avLst>
+              <a:gd name="adj1" fmla="val 50000"/>
+            </a:avLst>
+          </a:prstGeom>
+          <a:ln w="76200">
+            <a:solidFill>
+              <a:srgbClr val="C00000"/>
+            </a:solidFill>
+            <a:tailEnd type="triangle"/>
+          </a:ln>
+        </p:spPr>
+        <p:style>
+          <a:lnRef idx="1">
+            <a:schemeClr val="accent1"/>
+          </a:lnRef>
+          <a:fillRef idx="0">
+            <a:schemeClr val="accent1"/>
+          </a:fillRef>
+          <a:effectRef idx="0">
+            <a:schemeClr val="accent1"/>
+          </a:effectRef>
+          <a:fontRef idx="minor">
+            <a:schemeClr val="tx1"/>
+          </a:fontRef>
+        </p:style>
+      </p:cxnSp>
+      <p:sp>
+        <p:nvSpPr>
+          <p:cNvPr id="143" name="Rounded Rectangle 142"/>
+          <p:cNvSpPr/>
+          <p:nvPr/>
+        </p:nvSpPr>
+        <p:spPr>
+          <a:xfrm>
+            <a:off x="2198514" y="1250877"/>
+            <a:ext cx="1061734" cy="512935"/>
+          </a:xfrm>
+          <a:prstGeom prst="roundRect">
+            <a:avLst/>
+          </a:prstGeom>
+          <a:solidFill>
+            <a:schemeClr val="accent3">
+              <a:lumMod val="60000"/>
+              <a:lumOff val="40000"/>
+            </a:schemeClr>
+          </a:solidFill>
+          <a:ln w="38100">
+            <a:solidFill>
+              <a:schemeClr val="bg2">
+                <a:lumMod val="50000"/>
+              </a:schemeClr>
+            </a:solidFill>
+          </a:ln>
+        </p:spPr>
+        <p:style>
+          <a:lnRef idx="2">
+            <a:schemeClr val="accent1">
+              <a:shade val="50000"/>
+            </a:schemeClr>
+          </a:lnRef>
+          <a:fillRef idx="1">
+            <a:schemeClr val="accent1"/>
+          </a:fillRef>
+          <a:effectRef idx="0">
+            <a:schemeClr val="accent1"/>
+          </a:effectRef>
+          <a:fontRef idx="minor">
+            <a:schemeClr val="lt1"/>
+          </a:fontRef>
+        </p:style>
+        <p:txBody>
+          <a:bodyPr rot="0" spcFirstLastPara="0" vertOverflow="overflow" horzOverflow="overflow" vert="horz" wrap="square" lIns="91440" tIns="45720" rIns="91440" bIns="45720" numCol="1" spcCol="0" rtlCol="0" fromWordArt="0" anchor="ctr" anchorCtr="0" forceAA="0" compatLnSpc="1">
+            <a:prstTxWarp prst="textNoShape">
+              <a:avLst/>
+            </a:prstTxWarp>
+            <a:noAutofit/>
+          </a:bodyPr>
+          <a:lstStyle/>
+          <a:p>
+            <a:pPr algn="ctr"/>
+            <a:r>
+              <a:rPr lang="en-AU" sz="1900" dirty="0">
+                <a:solidFill>
+                  <a:schemeClr val="tx1"/>
+                </a:solidFill>
+              </a:rPr>
+              <a:t>TTL trigger</a:t>
+            </a:r>
+          </a:p>
+        </p:txBody>
+      </p:sp>
+      <p:pic>
+        <p:nvPicPr>
+          <p:cNvPr id="144" name="Picture 143"/>
+          <p:cNvPicPr>
+            <a:picLocks noChangeAspect="1"/>
+          </p:cNvPicPr>
+          <p:nvPr/>
+        </p:nvPicPr>
+        <p:blipFill>
+          <a:blip r:embed="rId10" cstate="print">
+            <a:extLst>
+              <a:ext uri="{28A0092B-C50C-407E-A947-70E740481C1C}">
+                <a14:useLocalDpi xmlns:a14="http://schemas.microsoft.com/office/drawing/2010/main" val="0"/>
+              </a:ext>
+            </a:extLst>
+          </a:blip>
+          <a:stretch>
+            <a:fillRect/>
+          </a:stretch>
+        </p:blipFill>
+        <p:spPr>
+          <a:xfrm>
+            <a:off x="2594913" y="98737"/>
+            <a:ext cx="2420259" cy="783236"/>
+          </a:xfrm>
+          <a:prstGeom prst="rect">
+            <a:avLst/>
+          </a:prstGeom>
+          <a:ln w="38100">
+            <a:solidFill>
+              <a:schemeClr val="tx1"/>
+            </a:solidFill>
+            <a:prstDash val="sysDash"/>
+          </a:ln>
+        </p:spPr>
+      </p:pic>
+      <p:cxnSp>
+        <p:nvCxnSpPr>
+          <p:cNvPr id="145" name="Straight Arrow Connector 144"/>
+          <p:cNvCxnSpPr>
+            <a:endCxn id="143" idx="0"/>
+          </p:cNvCxnSpPr>
+          <p:nvPr/>
+        </p:nvCxnSpPr>
+        <p:spPr>
+          <a:xfrm flipH="1">
+            <a:off x="2729381" y="904415"/>
+            <a:ext cx="9900" cy="346462"/>
+          </a:xfrm>
+          <a:prstGeom prst="straightConnector1">
+            <a:avLst/>
+          </a:prstGeom>
+          <a:ln w="38100">
+            <a:solidFill>
+              <a:schemeClr val="bg2">
+                <a:lumMod val="25000"/>
+              </a:schemeClr>
+            </a:solidFill>
+            <a:tailEnd type="triangle"/>
+          </a:ln>
+        </p:spPr>
+        <p:style>
+          <a:lnRef idx="1">
+            <a:schemeClr val="accent1"/>
+          </a:lnRef>
+          <a:fillRef idx="0">
+            <a:schemeClr val="accent1"/>
+          </a:fillRef>
+          <a:effectRef idx="0">
+            <a:schemeClr val="accent1"/>
+          </a:effectRef>
+          <a:fontRef idx="minor">
+            <a:schemeClr val="tx1"/>
+          </a:fontRef>
+        </p:style>
+      </p:cxnSp>
+      <p:cxnSp>
+        <p:nvCxnSpPr>
+          <p:cNvPr id="151" name="Elbow Connector 150"/>
+          <p:cNvCxnSpPr>
+            <a:endCxn id="65" idx="3"/>
+          </p:cNvCxnSpPr>
+          <p:nvPr/>
+        </p:nvCxnSpPr>
+        <p:spPr>
+          <a:xfrm rot="10800000">
+            <a:off x="2418441" y="5333265"/>
+            <a:ext cx="1297606" cy="1011866"/>
+          </a:xfrm>
+          <a:prstGeom prst="bentConnector3">
+            <a:avLst>
+              <a:gd name="adj1" fmla="val 13839"/>
+            </a:avLst>
+          </a:prstGeom>
+          <a:ln w="38100">
+            <a:solidFill>
+              <a:srgbClr val="C00000"/>
+            </a:solidFill>
+            <a:tailEnd type="triangle"/>
+          </a:ln>
+        </p:spPr>
+        <p:style>
+          <a:lnRef idx="1">
+            <a:schemeClr val="accent1"/>
+          </a:lnRef>
+          <a:fillRef idx="0">
+            <a:schemeClr val="accent1"/>
+          </a:fillRef>
+          <a:effectRef idx="0">
+            <a:schemeClr val="accent1"/>
+          </a:effectRef>
+          <a:fontRef idx="minor">
+            <a:schemeClr val="tx1"/>
+          </a:fontRef>
+        </p:style>
+      </p:cxnSp>
+      <p:cxnSp>
+        <p:nvCxnSpPr>
+          <p:cNvPr id="161" name="Straight Arrow Connector 160"/>
+          <p:cNvCxnSpPr>
+            <a:stCxn id="2" idx="2"/>
+            <a:endCxn id="41" idx="0"/>
+          </p:cNvCxnSpPr>
+          <p:nvPr/>
+        </p:nvCxnSpPr>
+        <p:spPr>
+          <a:xfrm>
+            <a:off x="2629485" y="6826887"/>
+            <a:ext cx="3619" cy="282735"/>
+          </a:xfrm>
+          <a:prstGeom prst="straightConnector1">
+            <a:avLst/>
+          </a:prstGeom>
+          <a:ln w="38100">
+            <a:solidFill>
+              <a:srgbClr val="00B050"/>
+            </a:solidFill>
+            <a:tailEnd type="triangle"/>
+          </a:ln>
+        </p:spPr>
+        <p:style>
+          <a:lnRef idx="1">
+            <a:schemeClr val="accent1"/>
+          </a:lnRef>
+          <a:fillRef idx="0">
+            <a:schemeClr val="accent1"/>
+          </a:fillRef>
+          <a:effectRef idx="0">
+            <a:schemeClr val="accent1"/>
+          </a:effectRef>
+          <a:fontRef idx="minor">
+            <a:schemeClr val="tx1"/>
+          </a:fontRef>
+        </p:style>
+      </p:cxnSp>
       <p:sp>
         <p:nvSpPr>
           <p:cNvPr id="65" name="Rectangle 64"/>
@@ -4621,8 +6060,8 @@
         </p:nvSpPr>
         <p:spPr>
           <a:xfrm>
-            <a:off x="2753197" y="4077467"/>
-            <a:ext cx="726515" cy="303346"/>
+            <a:off x="1690963" y="4996825"/>
+            <a:ext cx="727478" cy="672879"/>
           </a:xfrm>
           <a:prstGeom prst="rect">
             <a:avLst/>
@@ -4665,37 +6104,55 @@
           <a:p>
             <a:pPr algn="ctr"/>
             <a:r>
-              <a:rPr lang="en-AU" dirty="0">
+              <a:rPr lang="en-AU" sz="1900" dirty="0">
                 <a:solidFill>
                   <a:schemeClr val="accent6">
                     <a:lumMod val="50000"/>
                   </a:schemeClr>
                 </a:solidFill>
               </a:rPr>
-              <a:t>Bias - T</a:t>
-            </a:r>
+              <a:t>Bias </a:t>
+            </a:r>
+            <a:r>
+              <a:rPr lang="en-AU" sz="1900" dirty="0" smtClean="0">
+                <a:solidFill>
+                  <a:schemeClr val="accent6">
+                    <a:lumMod val="50000"/>
+                  </a:schemeClr>
+                </a:solidFill>
+              </a:rPr>
+              <a:t>T pic</a:t>
+            </a:r>
+            <a:endParaRPr lang="en-AU" sz="1900" dirty="0">
+              <a:solidFill>
+                <a:schemeClr val="accent6">
+                  <a:lumMod val="50000"/>
+                </a:schemeClr>
+              </a:solidFill>
+            </a:endParaRPr>
           </a:p>
         </p:txBody>
       </p:sp>
       <p:cxnSp>
         <p:nvCxnSpPr>
-          <p:cNvPr id="69" name="Straight Arrow Connector 68"/>
-          <p:cNvCxnSpPr/>
+          <p:cNvPr id="174" name="Straight Connector 173"/>
+          <p:cNvCxnSpPr>
+            <a:endCxn id="67" idx="1"/>
+          </p:cNvCxnSpPr>
           <p:nvPr/>
         </p:nvCxnSpPr>
         <p:spPr>
           <a:xfrm>
-            <a:off x="3134571" y="4467706"/>
-            <a:ext cx="7671" cy="303225"/>
-          </a:xfrm>
-          <a:prstGeom prst="straightConnector1">
-            <a:avLst/>
-          </a:prstGeom>
-          <a:ln w="28575">
+            <a:off x="3597663" y="6345131"/>
+            <a:ext cx="478385" cy="8080"/>
+          </a:xfrm>
+          <a:prstGeom prst="line">
+            <a:avLst/>
+          </a:prstGeom>
+          <a:ln w="38100">
             <a:solidFill>
-              <a:srgbClr val="00B050"/>
+              <a:srgbClr val="C00000"/>
             </a:solidFill>
-            <a:tailEnd type="triangle"/>
           </a:ln>
         </p:spPr>
         <p:style>
@@ -4715,159 +6172,29 @@
       </p:cxnSp>
       <p:sp>
         <p:nvSpPr>
-          <p:cNvPr id="77" name="TextBox 76"/>
-          <p:cNvSpPr txBox="1"/>
-          <p:nvPr/>
-        </p:nvSpPr>
-        <p:spPr>
-          <a:xfrm>
-            <a:off x="2531196" y="28191"/>
-            <a:ext cx="726515" cy="535531"/>
-          </a:xfrm>
-          <a:prstGeom prst="rect">
-            <a:avLst/>
-          </a:prstGeom>
-          <a:noFill/>
-          <a:ln w="28575">
-            <a:solidFill>
-              <a:srgbClr val="00B050"/>
-            </a:solidFill>
-          </a:ln>
-        </p:spPr>
-        <p:txBody>
-          <a:bodyPr wrap="square" rtlCol="0">
-            <a:spAutoFit/>
-          </a:bodyPr>
-          <a:lstStyle/>
-          <a:p>
-            <a:pPr algn="ctr"/>
-            <a:r>
-              <a:rPr lang="en-AU" dirty="0">
-                <a:solidFill>
-                  <a:schemeClr val="accent6">
-                    <a:lumMod val="50000"/>
-                  </a:schemeClr>
-                </a:solidFill>
-              </a:rPr>
-              <a:t>Fast &lt;1GHz</a:t>
-            </a:r>
-            <a:endParaRPr lang="en-AU" dirty="0">
-              <a:solidFill>
-                <a:schemeClr val="accent6">
-                  <a:lumMod val="50000"/>
-                </a:schemeClr>
-              </a:solidFill>
-            </a:endParaRPr>
-          </a:p>
-        </p:txBody>
-      </p:sp>
-      <p:sp>
-        <p:nvSpPr>
-          <p:cNvPr id="78" name="TextBox 77"/>
-          <p:cNvSpPr txBox="1"/>
-          <p:nvPr/>
-        </p:nvSpPr>
-        <p:spPr>
-          <a:xfrm>
-            <a:off x="3378440" y="28190"/>
-            <a:ext cx="813706" cy="535531"/>
-          </a:xfrm>
-          <a:prstGeom prst="rect">
-            <a:avLst/>
-          </a:prstGeom>
-          <a:noFill/>
-          <a:ln w="28575">
-            <a:solidFill>
-              <a:srgbClr val="00B050"/>
-            </a:solidFill>
-          </a:ln>
-        </p:spPr>
-        <p:txBody>
-          <a:bodyPr wrap="square" rtlCol="0">
-            <a:spAutoFit/>
-          </a:bodyPr>
-          <a:lstStyle/>
-          <a:p>
-            <a:pPr algn="ctr"/>
-            <a:r>
-              <a:rPr lang="en-AU" dirty="0">
-                <a:solidFill>
-                  <a:schemeClr val="accent6">
-                    <a:lumMod val="50000"/>
-                  </a:schemeClr>
-                </a:solidFill>
-              </a:rPr>
-              <a:t>Fast &lt;18GHz</a:t>
-            </a:r>
-            <a:endParaRPr lang="en-AU" dirty="0">
-              <a:solidFill>
-                <a:schemeClr val="accent6">
-                  <a:lumMod val="50000"/>
-                </a:schemeClr>
-              </a:solidFill>
-            </a:endParaRPr>
-          </a:p>
-        </p:txBody>
-      </p:sp>
-      <p:cxnSp>
-        <p:nvCxnSpPr>
-          <p:cNvPr id="79" name="Straight Arrow Connector 78"/>
-          <p:cNvCxnSpPr/>
-          <p:nvPr/>
-        </p:nvCxnSpPr>
-        <p:spPr>
-          <a:xfrm>
-            <a:off x="2889906" y="612320"/>
-            <a:ext cx="26248" cy="1938353"/>
-          </a:xfrm>
-          <a:prstGeom prst="straightConnector1">
-            <a:avLst/>
-          </a:prstGeom>
-          <a:ln w="28575">
-            <a:solidFill>
-              <a:srgbClr val="00B050"/>
-            </a:solidFill>
-            <a:tailEnd type="triangle"/>
-          </a:ln>
-        </p:spPr>
-        <p:style>
-          <a:lnRef idx="1">
-            <a:schemeClr val="accent1"/>
-          </a:lnRef>
-          <a:fillRef idx="0">
-            <a:schemeClr val="accent1"/>
-          </a:fillRef>
-          <a:effectRef idx="0">
-            <a:schemeClr val="accent1"/>
-          </a:effectRef>
-          <a:fontRef idx="minor">
-            <a:schemeClr val="tx1"/>
-          </a:fontRef>
-        </p:style>
-      </p:cxnSp>
-      <p:sp>
-        <p:nvSpPr>
-          <p:cNvPr id="83" name="Rectangle 82"/>
+          <p:cNvPr id="181" name="Rounded Rectangle 180"/>
           <p:cNvSpPr/>
           <p:nvPr/>
         </p:nvSpPr>
         <p:spPr>
           <a:xfrm>
-            <a:off x="2643455" y="2628208"/>
-            <a:ext cx="1048409" cy="402279"/>
-          </a:xfrm>
-          <a:prstGeom prst="rect">
+            <a:off x="5251151" y="4247143"/>
+            <a:ext cx="695391" cy="395520"/>
+          </a:xfrm>
+          <a:prstGeom prst="roundRect">
             <a:avLst/>
           </a:prstGeom>
           <a:solidFill>
-            <a:schemeClr val="accent6">
-              <a:lumMod val="60000"/>
-              <a:lumOff val="40000"/>
+            <a:schemeClr val="accent4">
+              <a:lumMod val="40000"/>
+              <a:lumOff val="60000"/>
             </a:schemeClr>
           </a:solidFill>
-          <a:ln w="28575">
+          <a:ln w="38100">
             <a:solidFill>
-              <a:srgbClr val="00B050"/>
+              <a:schemeClr val="accent4">
+                <a:lumMod val="75000"/>
+              </a:schemeClr>
             </a:solidFill>
           </a:ln>
         </p:spPr>
@@ -4898,33 +6225,244 @@
           <a:p>
             <a:pPr algn="ctr"/>
             <a:r>
-              <a:rPr lang="en-AU" dirty="0">
+              <a:rPr lang="en-AU" sz="1900" dirty="0" smtClean="0">
                 <a:solidFill>
                   <a:schemeClr val="tx1"/>
                 </a:solidFill>
               </a:rPr>
-              <a:t>Cavity filter</a:t>
-            </a:r>
+              <a:t>3dB</a:t>
+            </a:r>
+            <a:endParaRPr lang="en-AU" sz="1900" dirty="0">
+              <a:solidFill>
+                <a:schemeClr val="tx1"/>
+              </a:solidFill>
+            </a:endParaRPr>
+          </a:p>
+        </p:txBody>
+      </p:sp>
+      <p:sp>
+        <p:nvSpPr>
+          <p:cNvPr id="182" name="Rounded Rectangle 181"/>
+          <p:cNvSpPr/>
+          <p:nvPr/>
+        </p:nvSpPr>
+        <p:spPr>
+          <a:xfrm>
+            <a:off x="5158925" y="3061268"/>
+            <a:ext cx="822112" cy="395520"/>
+          </a:xfrm>
+          <a:prstGeom prst="roundRect">
+            <a:avLst/>
+          </a:prstGeom>
+          <a:solidFill>
+            <a:schemeClr val="accent4">
+              <a:lumMod val="40000"/>
+              <a:lumOff val="60000"/>
+            </a:schemeClr>
+          </a:solidFill>
+          <a:ln w="38100">
+            <a:solidFill>
+              <a:schemeClr val="accent4">
+                <a:lumMod val="75000"/>
+              </a:schemeClr>
+            </a:solidFill>
+          </a:ln>
+        </p:spPr>
+        <p:style>
+          <a:lnRef idx="2">
+            <a:schemeClr val="accent1">
+              <a:shade val="50000"/>
+            </a:schemeClr>
+          </a:lnRef>
+          <a:fillRef idx="1">
+            <a:schemeClr val="accent1"/>
+          </a:fillRef>
+          <a:effectRef idx="0">
+            <a:schemeClr val="accent1"/>
+          </a:effectRef>
+          <a:fontRef idx="minor">
+            <a:schemeClr val="lt1"/>
+          </a:fontRef>
+        </p:style>
+        <p:txBody>
+          <a:bodyPr rot="0" spcFirstLastPara="0" vertOverflow="overflow" horzOverflow="overflow" vert="horz" wrap="square" lIns="91440" tIns="45720" rIns="91440" bIns="45720" numCol="1" spcCol="0" rtlCol="0" fromWordArt="0" anchor="ctr" anchorCtr="0" forceAA="0" compatLnSpc="1">
+            <a:prstTxWarp prst="textNoShape">
+              <a:avLst/>
+            </a:prstTxWarp>
+            <a:noAutofit/>
+          </a:bodyPr>
+          <a:lstStyle/>
+          <a:p>
+            <a:pPr algn="ctr"/>
+            <a:r>
+              <a:rPr lang="en-AU" sz="1900" dirty="0" smtClean="0">
+                <a:solidFill>
+                  <a:schemeClr val="tx1"/>
+                </a:solidFill>
+              </a:rPr>
+              <a:t>10dB</a:t>
+            </a:r>
+            <a:endParaRPr lang="en-AU" sz="1900" dirty="0">
+              <a:solidFill>
+                <a:schemeClr val="tx1"/>
+              </a:solidFill>
+            </a:endParaRPr>
+          </a:p>
+        </p:txBody>
+      </p:sp>
+      <p:sp>
+        <p:nvSpPr>
+          <p:cNvPr id="190" name="Rounded Rectangle 189"/>
+          <p:cNvSpPr/>
+          <p:nvPr/>
+        </p:nvSpPr>
+        <p:spPr>
+          <a:xfrm>
+            <a:off x="1662953" y="3091691"/>
+            <a:ext cx="727478" cy="354481"/>
+          </a:xfrm>
+          <a:prstGeom prst="roundRect">
+            <a:avLst/>
+          </a:prstGeom>
+          <a:solidFill>
+            <a:schemeClr val="accent6">
+              <a:lumMod val="20000"/>
+              <a:lumOff val="80000"/>
+            </a:schemeClr>
+          </a:solidFill>
+          <a:ln w="38100">
+            <a:solidFill>
+              <a:srgbClr val="00B050"/>
+            </a:solidFill>
+          </a:ln>
+        </p:spPr>
+        <p:style>
+          <a:lnRef idx="2">
+            <a:schemeClr val="accent1">
+              <a:shade val="50000"/>
+            </a:schemeClr>
+          </a:lnRef>
+          <a:fillRef idx="1">
+            <a:schemeClr val="accent1"/>
+          </a:fillRef>
+          <a:effectRef idx="0">
+            <a:schemeClr val="accent1"/>
+          </a:effectRef>
+          <a:fontRef idx="minor">
+            <a:schemeClr val="lt1"/>
+          </a:fontRef>
+        </p:style>
+        <p:txBody>
+          <a:bodyPr rot="0" spcFirstLastPara="0" vertOverflow="overflow" horzOverflow="overflow" vert="horz" wrap="square" lIns="91440" tIns="45720" rIns="91440" bIns="45720" numCol="1" spcCol="0" rtlCol="0" fromWordArt="0" anchor="ctr" anchorCtr="0" forceAA="0" compatLnSpc="1">
+            <a:prstTxWarp prst="textNoShape">
+              <a:avLst/>
+            </a:prstTxWarp>
+            <a:noAutofit/>
+          </a:bodyPr>
+          <a:lstStyle/>
+          <a:p>
+            <a:pPr algn="ctr"/>
+            <a:r>
+              <a:rPr lang="en-AU" sz="1900" dirty="0">
+                <a:solidFill>
+                  <a:schemeClr val="tx1"/>
+                </a:solidFill>
+              </a:rPr>
+              <a:t>20dB</a:t>
+            </a:r>
+          </a:p>
+        </p:txBody>
+      </p:sp>
+      <p:sp>
+        <p:nvSpPr>
+          <p:cNvPr id="193" name="Rounded Rectangle 192"/>
+          <p:cNvSpPr/>
+          <p:nvPr/>
+        </p:nvSpPr>
+        <p:spPr>
+          <a:xfrm>
+            <a:off x="2486012" y="2183251"/>
+            <a:ext cx="1061734" cy="526898"/>
+          </a:xfrm>
+          <a:prstGeom prst="roundRect">
+            <a:avLst/>
+          </a:prstGeom>
+          <a:solidFill>
+            <a:schemeClr val="accent6">
+              <a:lumMod val="20000"/>
+              <a:lumOff val="80000"/>
+            </a:schemeClr>
+          </a:solidFill>
+          <a:ln w="38100">
+            <a:solidFill>
+              <a:srgbClr val="00B050"/>
+            </a:solidFill>
+          </a:ln>
+        </p:spPr>
+        <p:style>
+          <a:lnRef idx="2">
+            <a:schemeClr val="accent1">
+              <a:shade val="50000"/>
+            </a:schemeClr>
+          </a:lnRef>
+          <a:fillRef idx="1">
+            <a:schemeClr val="accent1"/>
+          </a:fillRef>
+          <a:effectRef idx="0">
+            <a:schemeClr val="accent1"/>
+          </a:effectRef>
+          <a:fontRef idx="minor">
+            <a:schemeClr val="lt1"/>
+          </a:fontRef>
+        </p:style>
+        <p:txBody>
+          <a:bodyPr rot="0" spcFirstLastPara="0" vertOverflow="overflow" horzOverflow="overflow" vert="horz" wrap="square" lIns="91440" tIns="45720" rIns="91440" bIns="45720" numCol="1" spcCol="0" rtlCol="0" fromWordArt="0" anchor="ctr" anchorCtr="0" forceAA="0" compatLnSpc="1">
+            <a:prstTxWarp prst="textNoShape">
+              <a:avLst/>
+            </a:prstTxWarp>
+            <a:noAutofit/>
+          </a:bodyPr>
+          <a:lstStyle/>
+          <a:p>
+            <a:pPr algn="ctr"/>
+            <a:r>
+              <a:rPr lang="en-AU" sz="1900" dirty="0" smtClean="0">
+                <a:solidFill>
+                  <a:schemeClr val="tx1"/>
+                </a:solidFill>
+              </a:rPr>
+              <a:t>MW source 1</a:t>
+            </a:r>
+            <a:endParaRPr lang="en-AU" sz="1900" dirty="0">
+              <a:solidFill>
+                <a:schemeClr val="tx1"/>
+              </a:solidFill>
+            </a:endParaRPr>
           </a:p>
         </p:txBody>
       </p:sp>
       <p:cxnSp>
         <p:nvCxnSpPr>
-          <p:cNvPr id="84" name="Straight Arrow Connector 83"/>
-          <p:cNvCxnSpPr/>
+          <p:cNvPr id="194" name="Elbow Connector 193"/>
+          <p:cNvCxnSpPr>
+            <a:stCxn id="143" idx="1"/>
+            <a:endCxn id="70" idx="0"/>
+          </p:cNvCxnSpPr>
           <p:nvPr/>
         </p:nvCxnSpPr>
         <p:spPr>
-          <a:xfrm>
-            <a:off x="3196663" y="3331095"/>
-            <a:ext cx="16600" cy="674057"/>
-          </a:xfrm>
-          <a:prstGeom prst="straightConnector1">
-            <a:avLst/>
-          </a:prstGeom>
-          <a:ln w="28575">
+          <a:xfrm rot="10800000" flipV="1">
+            <a:off x="1379426" y="1507344"/>
+            <a:ext cx="819088" cy="652587"/>
+          </a:xfrm>
+          <a:prstGeom prst="bentConnector2">
+            <a:avLst/>
+          </a:prstGeom>
+          <a:ln w="38100">
             <a:solidFill>
-              <a:srgbClr val="00B050"/>
+              <a:schemeClr val="bg2">
+                <a:lumMod val="50000"/>
+              </a:schemeClr>
             </a:solidFill>
             <a:tailEnd type="triangle"/>
           </a:ln>
@@ -4946,89 +6484,30 @@
       </p:cxnSp>
       <p:cxnSp>
         <p:nvCxnSpPr>
-          <p:cNvPr id="87" name="Straight Arrow Connector 86"/>
-          <p:cNvCxnSpPr/>
+          <p:cNvPr id="198" name="Elbow Connector 197"/>
+          <p:cNvCxnSpPr>
+            <a:stCxn id="144" idx="2"/>
+            <a:endCxn id="68" idx="0"/>
+          </p:cNvCxnSpPr>
           <p:nvPr/>
         </p:nvCxnSpPr>
         <p:spPr>
-          <a:xfrm>
-            <a:off x="3839888" y="627118"/>
-            <a:ext cx="24576" cy="4143813"/>
-          </a:xfrm>
-          <a:prstGeom prst="straightConnector1">
-            <a:avLst/>
-          </a:prstGeom>
-          <a:ln w="28575">
+          <a:xfrm rot="16200000" flipH="1">
+            <a:off x="3450234" y="1236781"/>
+            <a:ext cx="1298610" cy="588993"/>
+          </a:xfrm>
+          <a:prstGeom prst="bentConnector3">
+            <a:avLst>
+              <a:gd name="adj1" fmla="val 34249"/>
+            </a:avLst>
+          </a:prstGeom>
+          <a:ln w="38100">
             <a:solidFill>
-              <a:srgbClr val="00B050"/>
+              <a:schemeClr val="bg2">
+                <a:lumMod val="25000"/>
+              </a:schemeClr>
             </a:solidFill>
             <a:tailEnd type="triangle"/>
-          </a:ln>
-        </p:spPr>
-        <p:style>
-          <a:lnRef idx="1">
-            <a:schemeClr val="accent1"/>
-          </a:lnRef>
-          <a:fillRef idx="0">
-            <a:schemeClr val="accent1"/>
-          </a:fillRef>
-          <a:effectRef idx="0">
-            <a:schemeClr val="accent1"/>
-          </a:effectRef>
-          <a:fontRef idx="minor">
-            <a:schemeClr val="tx1"/>
-          </a:fontRef>
-        </p:style>
-      </p:cxnSp>
-      <p:sp>
-        <p:nvSpPr>
-          <p:cNvPr id="93" name="TextBox 92"/>
-          <p:cNvSpPr txBox="1"/>
-          <p:nvPr/>
-        </p:nvSpPr>
-        <p:spPr>
-          <a:xfrm>
-            <a:off x="2890860" y="3037942"/>
-            <a:ext cx="611606" cy="313932"/>
-          </a:xfrm>
-          <a:prstGeom prst="rect">
-            <a:avLst/>
-          </a:prstGeom>
-          <a:noFill/>
-        </p:spPr>
-        <p:txBody>
-          <a:bodyPr wrap="square" rtlCol="0">
-            <a:spAutoFit/>
-          </a:bodyPr>
-          <a:lstStyle/>
-          <a:p>
-            <a:r>
-              <a:rPr lang="en-AU" dirty="0"/>
-              <a:t>1GHz</a:t>
-            </a:r>
-            <a:endParaRPr lang="en-AU" dirty="0"/>
-          </a:p>
-        </p:txBody>
-      </p:sp>
-      <p:cxnSp>
-        <p:nvCxnSpPr>
-          <p:cNvPr id="105" name="Straight Connector 104"/>
-          <p:cNvCxnSpPr/>
-          <p:nvPr/>
-        </p:nvCxnSpPr>
-        <p:spPr>
-          <a:xfrm>
-            <a:off x="213922" y="1216999"/>
-            <a:ext cx="5112327" cy="0"/>
-          </a:xfrm>
-          <a:prstGeom prst="line">
-            <a:avLst/>
-          </a:prstGeom>
-          <a:ln w="28575">
-            <a:solidFill>
-              <a:schemeClr val="tx1"/>
-            </a:solidFill>
-            <a:prstDash val="dash"/>
           </a:ln>
         </p:spPr>
         <p:style>
@@ -5048,23 +6527,29 @@
       </p:cxnSp>
       <p:cxnSp>
         <p:nvCxnSpPr>
-          <p:cNvPr id="106" name="Straight Connector 105"/>
-          <p:cNvCxnSpPr/>
+          <p:cNvPr id="201" name="Elbow Connector 200"/>
+          <p:cNvCxnSpPr>
+            <a:stCxn id="143" idx="3"/>
+          </p:cNvCxnSpPr>
           <p:nvPr/>
         </p:nvCxnSpPr>
         <p:spPr>
-          <a:xfrm>
-            <a:off x="227328" y="691667"/>
-            <a:ext cx="5112327" cy="0"/>
-          </a:xfrm>
-          <a:prstGeom prst="line">
-            <a:avLst/>
-          </a:prstGeom>
-          <a:ln w="28575">
+          <a:xfrm flipV="1">
+            <a:off x="3260248" y="601579"/>
+            <a:ext cx="2639261" cy="905766"/>
+          </a:xfrm>
+          <a:prstGeom prst="bentConnector3">
+            <a:avLst>
+              <a:gd name="adj1" fmla="val 80087"/>
+            </a:avLst>
+          </a:prstGeom>
+          <a:ln w="38100">
             <a:solidFill>
-              <a:schemeClr val="tx1"/>
+              <a:schemeClr val="bg2">
+                <a:lumMod val="50000"/>
+              </a:schemeClr>
             </a:solidFill>
-            <a:prstDash val="dash"/>
+            <a:tailEnd type="triangle"/>
           </a:ln>
         </p:spPr>
         <p:style>
@@ -5082,568 +6567,125 @@
           </a:fontRef>
         </p:style>
       </p:cxnSp>
-      <p:sp>
-        <p:nvSpPr>
-          <p:cNvPr id="116" name="Rounded Rectangle 115"/>
-          <p:cNvSpPr/>
-          <p:nvPr/>
-        </p:nvSpPr>
-        <p:spPr>
-          <a:xfrm>
-            <a:off x="4361651" y="626277"/>
-            <a:ext cx="631605" cy="310743"/>
-          </a:xfrm>
-          <a:prstGeom prst="roundRect">
-            <a:avLst/>
-          </a:prstGeom>
-          <a:solidFill>
-            <a:schemeClr val="accent4">
-              <a:lumMod val="40000"/>
-              <a:lumOff val="60000"/>
-            </a:schemeClr>
-          </a:solidFill>
-          <a:ln w="28575">
+      <p:cxnSp>
+        <p:nvCxnSpPr>
+          <p:cNvPr id="205" name="Elbow Connector 204"/>
+          <p:cNvCxnSpPr>
+            <a:stCxn id="143" idx="2"/>
+            <a:endCxn id="193" idx="0"/>
+          </p:cNvCxnSpPr>
+          <p:nvPr/>
+        </p:nvCxnSpPr>
+        <p:spPr>
+          <a:xfrm rot="16200000" flipH="1">
+            <a:off x="2663411" y="1829782"/>
+            <a:ext cx="419439" cy="287498"/>
+          </a:xfrm>
+          <a:prstGeom prst="bentConnector3">
+            <a:avLst>
+              <a:gd name="adj1" fmla="val 50000"/>
+            </a:avLst>
+          </a:prstGeom>
+          <a:ln w="38100">
             <a:solidFill>
-              <a:schemeClr val="accent4">
-                <a:lumMod val="75000"/>
+              <a:schemeClr val="bg2">
+                <a:lumMod val="50000"/>
               </a:schemeClr>
             </a:solidFill>
+            <a:tailEnd type="triangle"/>
           </a:ln>
         </p:spPr>
         <p:style>
-          <a:lnRef idx="2">
-            <a:schemeClr val="accent1">
-              <a:shade val="50000"/>
-            </a:schemeClr>
+          <a:lnRef idx="1">
+            <a:schemeClr val="accent1"/>
           </a:lnRef>
-          <a:fillRef idx="1">
+          <a:fillRef idx="0">
             <a:schemeClr val="accent1"/>
           </a:fillRef>
           <a:effectRef idx="0">
             <a:schemeClr val="accent1"/>
           </a:effectRef>
           <a:fontRef idx="minor">
-            <a:schemeClr val="lt1"/>
+            <a:schemeClr val="tx1"/>
           </a:fontRef>
         </p:style>
-        <p:txBody>
-          <a:bodyPr rot="0" spcFirstLastPara="0" vertOverflow="overflow" horzOverflow="overflow" vert="horz" wrap="square" lIns="91440" tIns="45720" rIns="91440" bIns="45720" numCol="1" spcCol="0" rtlCol="0" fromWordArt="0" anchor="ctr" anchorCtr="0" forceAA="0" compatLnSpc="1">
-            <a:prstTxWarp prst="textNoShape">
-              <a:avLst/>
-            </a:prstTxWarp>
-            <a:noAutofit/>
-          </a:bodyPr>
-          <a:lstStyle/>
-          <a:p>
-            <a:pPr algn="ctr"/>
-            <a:r>
-              <a:rPr lang="en-AU" dirty="0" smtClean="0">
-                <a:solidFill>
-                  <a:schemeClr val="tx1"/>
-                </a:solidFill>
-              </a:rPr>
-              <a:t>10dB</a:t>
-            </a:r>
-            <a:endParaRPr lang="en-AU" dirty="0">
-              <a:solidFill>
-                <a:schemeClr val="tx1"/>
-              </a:solidFill>
-            </a:endParaRPr>
-          </a:p>
-        </p:txBody>
-      </p:sp>
-      <p:sp>
-        <p:nvSpPr>
-          <p:cNvPr id="117" name="Rounded Rectangle 116"/>
-          <p:cNvSpPr/>
-          <p:nvPr/>
-        </p:nvSpPr>
-        <p:spPr>
-          <a:xfrm>
-            <a:off x="2578037" y="617191"/>
-            <a:ext cx="631605" cy="310743"/>
-          </a:xfrm>
-          <a:prstGeom prst="roundRect">
-            <a:avLst/>
-          </a:prstGeom>
-          <a:solidFill>
-            <a:schemeClr val="accent6">
-              <a:lumMod val="20000"/>
-              <a:lumOff val="80000"/>
-            </a:schemeClr>
-          </a:solidFill>
-          <a:ln w="28575">
+      </p:cxnSp>
+      <p:cxnSp>
+        <p:nvCxnSpPr>
+          <p:cNvPr id="208" name="Elbow Connector 207"/>
+          <p:cNvCxnSpPr>
+            <a:endCxn id="124" idx="0"/>
+          </p:cNvCxnSpPr>
+          <p:nvPr/>
+        </p:nvCxnSpPr>
+        <p:spPr>
+          <a:xfrm>
+            <a:off x="3260248" y="1571003"/>
+            <a:ext cx="2310983" cy="591629"/>
+          </a:xfrm>
+          <a:prstGeom prst="bentConnector2">
+            <a:avLst/>
+          </a:prstGeom>
+          <a:ln w="38100">
             <a:solidFill>
-              <a:srgbClr val="00B050"/>
+              <a:schemeClr val="bg2">
+                <a:lumMod val="50000"/>
+              </a:schemeClr>
             </a:solidFill>
+            <a:tailEnd type="triangle"/>
           </a:ln>
         </p:spPr>
         <p:style>
-          <a:lnRef idx="2">
-            <a:schemeClr val="accent1">
-              <a:shade val="50000"/>
-            </a:schemeClr>
+          <a:lnRef idx="1">
+            <a:schemeClr val="accent1"/>
           </a:lnRef>
-          <a:fillRef idx="1">
+          <a:fillRef idx="0">
             <a:schemeClr val="accent1"/>
           </a:fillRef>
           <a:effectRef idx="0">
             <a:schemeClr val="accent1"/>
           </a:effectRef>
           <a:fontRef idx="minor">
-            <a:schemeClr val="lt1"/>
+            <a:schemeClr val="tx1"/>
           </a:fontRef>
         </p:style>
-        <p:txBody>
-          <a:bodyPr rot="0" spcFirstLastPara="0" vertOverflow="overflow" horzOverflow="overflow" vert="horz" wrap="square" lIns="91440" tIns="45720" rIns="91440" bIns="45720" numCol="1" spcCol="0" rtlCol="0" fromWordArt="0" anchor="ctr" anchorCtr="0" forceAA="0" compatLnSpc="1">
-            <a:prstTxWarp prst="textNoShape">
-              <a:avLst/>
-            </a:prstTxWarp>
-            <a:noAutofit/>
-          </a:bodyPr>
-          <a:lstStyle/>
-          <a:p>
-            <a:pPr algn="ctr"/>
-            <a:r>
-              <a:rPr lang="en-AU" dirty="0" smtClean="0">
-                <a:solidFill>
-                  <a:schemeClr val="tx1"/>
-                </a:solidFill>
-              </a:rPr>
-              <a:t>20dB</a:t>
-            </a:r>
-            <a:endParaRPr lang="en-AU" dirty="0">
-              <a:solidFill>
-                <a:schemeClr val="tx1"/>
-              </a:solidFill>
-            </a:endParaRPr>
-          </a:p>
-        </p:txBody>
-      </p:sp>
-      <p:sp>
-        <p:nvSpPr>
-          <p:cNvPr id="118" name="Rounded Rectangle 117"/>
-          <p:cNvSpPr/>
-          <p:nvPr/>
-        </p:nvSpPr>
-        <p:spPr>
-          <a:xfrm>
-            <a:off x="3525615" y="617916"/>
-            <a:ext cx="631605" cy="310743"/>
-          </a:xfrm>
-          <a:prstGeom prst="roundRect">
-            <a:avLst/>
-          </a:prstGeom>
-          <a:solidFill>
-            <a:schemeClr val="accent6">
-              <a:lumMod val="20000"/>
-              <a:lumOff val="80000"/>
-            </a:schemeClr>
-          </a:solidFill>
-          <a:ln w="28575">
+      </p:cxnSp>
+      <p:cxnSp>
+        <p:nvCxnSpPr>
+          <p:cNvPr id="84" name="Straight Arrow Connector 83"/>
+          <p:cNvCxnSpPr/>
+          <p:nvPr/>
+        </p:nvCxnSpPr>
+        <p:spPr>
+          <a:xfrm flipH="1">
+            <a:off x="889142" y="2894073"/>
+            <a:ext cx="3465112" cy="0"/>
+          </a:xfrm>
+          <a:prstGeom prst="straightConnector1">
+            <a:avLst/>
+          </a:prstGeom>
+          <a:ln w="76200">
             <a:solidFill>
-              <a:srgbClr val="00B050"/>
+              <a:srgbClr val="C00000"/>
             </a:solidFill>
+            <a:tailEnd type="triangle"/>
           </a:ln>
         </p:spPr>
         <p:style>
-          <a:lnRef idx="2">
-            <a:schemeClr val="accent1">
-              <a:shade val="50000"/>
-            </a:schemeClr>
+          <a:lnRef idx="1">
+            <a:schemeClr val="accent1"/>
           </a:lnRef>
-          <a:fillRef idx="1">
+          <a:fillRef idx="0">
             <a:schemeClr val="accent1"/>
           </a:fillRef>
           <a:effectRef idx="0">
             <a:schemeClr val="accent1"/>
           </a:effectRef>
           <a:fontRef idx="minor">
-            <a:schemeClr val="lt1"/>
+            <a:schemeClr val="tx1"/>
           </a:fontRef>
         </p:style>
-        <p:txBody>
-          <a:bodyPr rot="0" spcFirstLastPara="0" vertOverflow="overflow" horzOverflow="overflow" vert="horz" wrap="square" lIns="91440" tIns="45720" rIns="91440" bIns="45720" numCol="1" spcCol="0" rtlCol="0" fromWordArt="0" anchor="ctr" anchorCtr="0" forceAA="0" compatLnSpc="1">
-            <a:prstTxWarp prst="textNoShape">
-              <a:avLst/>
-            </a:prstTxWarp>
-            <a:noAutofit/>
-          </a:bodyPr>
-          <a:lstStyle/>
-          <a:p>
-            <a:pPr algn="ctr"/>
-            <a:r>
-              <a:rPr lang="en-AU" dirty="0" smtClean="0">
-                <a:solidFill>
-                  <a:schemeClr val="tx1"/>
-                </a:solidFill>
-              </a:rPr>
-              <a:t>20dB</a:t>
-            </a:r>
-            <a:endParaRPr lang="en-AU" dirty="0">
-              <a:solidFill>
-                <a:schemeClr val="tx1"/>
-              </a:solidFill>
-            </a:endParaRPr>
-          </a:p>
-        </p:txBody>
-      </p:sp>
-      <p:sp>
-        <p:nvSpPr>
-          <p:cNvPr id="119" name="Rounded Rectangle 118"/>
-          <p:cNvSpPr/>
-          <p:nvPr/>
-        </p:nvSpPr>
-        <p:spPr>
-          <a:xfrm>
-            <a:off x="3548661" y="1748900"/>
-            <a:ext cx="631605" cy="310743"/>
-          </a:xfrm>
-          <a:prstGeom prst="roundRect">
-            <a:avLst/>
-          </a:prstGeom>
-          <a:solidFill>
-            <a:schemeClr val="accent6">
-              <a:lumMod val="20000"/>
-              <a:lumOff val="80000"/>
-            </a:schemeClr>
-          </a:solidFill>
-          <a:ln w="28575">
-            <a:solidFill>
-              <a:srgbClr val="00B050"/>
-            </a:solidFill>
-          </a:ln>
-        </p:spPr>
-        <p:style>
-          <a:lnRef idx="2">
-            <a:schemeClr val="accent1">
-              <a:shade val="50000"/>
-            </a:schemeClr>
-          </a:lnRef>
-          <a:fillRef idx="1">
-            <a:schemeClr val="accent1"/>
-          </a:fillRef>
-          <a:effectRef idx="0">
-            <a:schemeClr val="accent1"/>
-          </a:effectRef>
-          <a:fontRef idx="minor">
-            <a:schemeClr val="lt1"/>
-          </a:fontRef>
-        </p:style>
-        <p:txBody>
-          <a:bodyPr rot="0" spcFirstLastPara="0" vertOverflow="overflow" horzOverflow="overflow" vert="horz" wrap="square" lIns="91440" tIns="45720" rIns="91440" bIns="45720" numCol="1" spcCol="0" rtlCol="0" fromWordArt="0" anchor="ctr" anchorCtr="0" forceAA="0" compatLnSpc="1">
-            <a:prstTxWarp prst="textNoShape">
-              <a:avLst/>
-            </a:prstTxWarp>
-            <a:noAutofit/>
-          </a:bodyPr>
-          <a:lstStyle/>
-          <a:p>
-            <a:pPr algn="ctr"/>
-            <a:r>
-              <a:rPr lang="en-AU" dirty="0">
-                <a:solidFill>
-                  <a:schemeClr val="tx1"/>
-                </a:solidFill>
-              </a:rPr>
-              <a:t>4</a:t>
-            </a:r>
-            <a:r>
-              <a:rPr lang="en-AU" dirty="0" smtClean="0">
-                <a:solidFill>
-                  <a:schemeClr val="tx1"/>
-                </a:solidFill>
-              </a:rPr>
-              <a:t>0dB</a:t>
-            </a:r>
-            <a:endParaRPr lang="en-AU" dirty="0">
-              <a:solidFill>
-                <a:schemeClr val="tx1"/>
-              </a:solidFill>
-            </a:endParaRPr>
-          </a:p>
-        </p:txBody>
-      </p:sp>
-      <p:sp>
-        <p:nvSpPr>
-          <p:cNvPr id="120" name="Rounded Rectangle 119"/>
-          <p:cNvSpPr/>
-          <p:nvPr/>
-        </p:nvSpPr>
-        <p:spPr>
-          <a:xfrm>
-            <a:off x="2581658" y="1060423"/>
-            <a:ext cx="631605" cy="310743"/>
-          </a:xfrm>
-          <a:prstGeom prst="roundRect">
-            <a:avLst/>
-          </a:prstGeom>
-          <a:solidFill>
-            <a:schemeClr val="accent6">
-              <a:lumMod val="20000"/>
-              <a:lumOff val="80000"/>
-            </a:schemeClr>
-          </a:solidFill>
-          <a:ln w="28575">
-            <a:solidFill>
-              <a:srgbClr val="00B050"/>
-            </a:solidFill>
-          </a:ln>
-        </p:spPr>
-        <p:style>
-          <a:lnRef idx="2">
-            <a:schemeClr val="accent1">
-              <a:shade val="50000"/>
-            </a:schemeClr>
-          </a:lnRef>
-          <a:fillRef idx="1">
-            <a:schemeClr val="accent1"/>
-          </a:fillRef>
-          <a:effectRef idx="0">
-            <a:schemeClr val="accent1"/>
-          </a:effectRef>
-          <a:fontRef idx="minor">
-            <a:schemeClr val="lt1"/>
-          </a:fontRef>
-        </p:style>
-        <p:txBody>
-          <a:bodyPr rot="0" spcFirstLastPara="0" vertOverflow="overflow" horzOverflow="overflow" vert="horz" wrap="square" lIns="91440" tIns="45720" rIns="91440" bIns="45720" numCol="1" spcCol="0" rtlCol="0" fromWordArt="0" anchor="ctr" anchorCtr="0" forceAA="0" compatLnSpc="1">
-            <a:prstTxWarp prst="textNoShape">
-              <a:avLst/>
-            </a:prstTxWarp>
-            <a:noAutofit/>
-          </a:bodyPr>
-          <a:lstStyle/>
-          <a:p>
-            <a:pPr algn="ctr"/>
-            <a:r>
-              <a:rPr lang="en-AU" dirty="0" smtClean="0">
-                <a:solidFill>
-                  <a:schemeClr val="tx1"/>
-                </a:solidFill>
-              </a:rPr>
-              <a:t>6dB</a:t>
-            </a:r>
-            <a:endParaRPr lang="en-AU" dirty="0">
-              <a:solidFill>
-                <a:schemeClr val="tx1"/>
-              </a:solidFill>
-            </a:endParaRPr>
-          </a:p>
-        </p:txBody>
-      </p:sp>
-      <p:sp>
-        <p:nvSpPr>
-          <p:cNvPr id="121" name="Rounded Rectangle 120"/>
-          <p:cNvSpPr/>
-          <p:nvPr/>
-        </p:nvSpPr>
-        <p:spPr>
-          <a:xfrm>
-            <a:off x="2602693" y="1748901"/>
-            <a:ext cx="631605" cy="310743"/>
-          </a:xfrm>
-          <a:prstGeom prst="roundRect">
-            <a:avLst/>
-          </a:prstGeom>
-          <a:solidFill>
-            <a:schemeClr val="accent6">
-              <a:lumMod val="20000"/>
-              <a:lumOff val="80000"/>
-            </a:schemeClr>
-          </a:solidFill>
-          <a:ln w="28575">
-            <a:solidFill>
-              <a:srgbClr val="00B050"/>
-            </a:solidFill>
-          </a:ln>
-        </p:spPr>
-        <p:style>
-          <a:lnRef idx="2">
-            <a:schemeClr val="accent1">
-              <a:shade val="50000"/>
-            </a:schemeClr>
-          </a:lnRef>
-          <a:fillRef idx="1">
-            <a:schemeClr val="accent1"/>
-          </a:fillRef>
-          <a:effectRef idx="0">
-            <a:schemeClr val="accent1"/>
-          </a:effectRef>
-          <a:fontRef idx="minor">
-            <a:schemeClr val="lt1"/>
-          </a:fontRef>
-        </p:style>
-        <p:txBody>
-          <a:bodyPr rot="0" spcFirstLastPara="0" vertOverflow="overflow" horzOverflow="overflow" vert="horz" wrap="square" lIns="91440" tIns="45720" rIns="91440" bIns="45720" numCol="1" spcCol="0" rtlCol="0" fromWordArt="0" anchor="ctr" anchorCtr="0" forceAA="0" compatLnSpc="1">
-            <a:prstTxWarp prst="textNoShape">
-              <a:avLst/>
-            </a:prstTxWarp>
-            <a:noAutofit/>
-          </a:bodyPr>
-          <a:lstStyle/>
-          <a:p>
-            <a:pPr algn="ctr"/>
-            <a:r>
-              <a:rPr lang="en-AU" dirty="0">
-                <a:solidFill>
-                  <a:schemeClr val="tx1"/>
-                </a:solidFill>
-              </a:rPr>
-              <a:t>2</a:t>
-            </a:r>
-            <a:r>
-              <a:rPr lang="en-AU" dirty="0" smtClean="0">
-                <a:solidFill>
-                  <a:schemeClr val="tx1"/>
-                </a:solidFill>
-              </a:rPr>
-              <a:t>0dB</a:t>
-            </a:r>
-            <a:endParaRPr lang="en-AU" dirty="0">
-              <a:solidFill>
-                <a:schemeClr val="tx1"/>
-              </a:solidFill>
-            </a:endParaRPr>
-          </a:p>
-        </p:txBody>
-      </p:sp>
-      <p:sp>
-        <p:nvSpPr>
-          <p:cNvPr id="122" name="TextBox 121"/>
-          <p:cNvSpPr txBox="1"/>
-          <p:nvPr/>
-        </p:nvSpPr>
-        <p:spPr>
-          <a:xfrm flipH="1">
-            <a:off x="129402" y="1267564"/>
-            <a:ext cx="483662" cy="313932"/>
-          </a:xfrm>
-          <a:prstGeom prst="rect">
-            <a:avLst/>
-          </a:prstGeom>
-          <a:noFill/>
-        </p:spPr>
-        <p:txBody>
-          <a:bodyPr wrap="square" rtlCol="0">
-            <a:spAutoFit/>
-          </a:bodyPr>
-          <a:lstStyle/>
-          <a:p>
-            <a:r>
-              <a:rPr lang="en-AU" dirty="0" smtClean="0"/>
-              <a:t>1 K</a:t>
-            </a:r>
-            <a:endParaRPr lang="en-AU" dirty="0"/>
-          </a:p>
-        </p:txBody>
-      </p:sp>
-      <p:sp>
-        <p:nvSpPr>
-          <p:cNvPr id="123" name="TextBox 122"/>
-          <p:cNvSpPr txBox="1"/>
-          <p:nvPr/>
-        </p:nvSpPr>
-        <p:spPr>
-          <a:xfrm flipH="1">
-            <a:off x="129402" y="713632"/>
-            <a:ext cx="483662" cy="313932"/>
-          </a:xfrm>
-          <a:prstGeom prst="rect">
-            <a:avLst/>
-          </a:prstGeom>
-          <a:noFill/>
-        </p:spPr>
-        <p:txBody>
-          <a:bodyPr wrap="square" rtlCol="0">
-            <a:spAutoFit/>
-          </a:bodyPr>
-          <a:lstStyle/>
-          <a:p>
-            <a:r>
-              <a:rPr lang="en-AU" dirty="0" smtClean="0"/>
-              <a:t>4 K</a:t>
-            </a:r>
-            <a:endParaRPr lang="en-AU" dirty="0"/>
-          </a:p>
-        </p:txBody>
-      </p:sp>
-      <p:sp>
-        <p:nvSpPr>
-          <p:cNvPr id="125" name="Rounded Rectangle 124"/>
-          <p:cNvSpPr/>
-          <p:nvPr/>
-        </p:nvSpPr>
-        <p:spPr>
-          <a:xfrm>
-            <a:off x="3526688" y="1061148"/>
-            <a:ext cx="631605" cy="310743"/>
-          </a:xfrm>
-          <a:prstGeom prst="roundRect">
-            <a:avLst/>
-          </a:prstGeom>
-          <a:solidFill>
-            <a:schemeClr val="accent6">
-              <a:lumMod val="20000"/>
-              <a:lumOff val="80000"/>
-            </a:schemeClr>
-          </a:solidFill>
-          <a:ln w="28575">
-            <a:solidFill>
-              <a:srgbClr val="00B050"/>
-            </a:solidFill>
-          </a:ln>
-        </p:spPr>
-        <p:style>
-          <a:lnRef idx="2">
-            <a:schemeClr val="accent1">
-              <a:shade val="50000"/>
-            </a:schemeClr>
-          </a:lnRef>
-          <a:fillRef idx="1">
-            <a:schemeClr val="accent1"/>
-          </a:fillRef>
-          <a:effectRef idx="0">
-            <a:schemeClr val="accent1"/>
-          </a:effectRef>
-          <a:fontRef idx="minor">
-            <a:schemeClr val="lt1"/>
-          </a:fontRef>
-        </p:style>
-        <p:txBody>
-          <a:bodyPr rot="0" spcFirstLastPara="0" vertOverflow="overflow" horzOverflow="overflow" vert="horz" wrap="square" lIns="91440" tIns="45720" rIns="91440" bIns="45720" numCol="1" spcCol="0" rtlCol="0" fromWordArt="0" anchor="ctr" anchorCtr="0" forceAA="0" compatLnSpc="1">
-            <a:prstTxWarp prst="textNoShape">
-              <a:avLst/>
-            </a:prstTxWarp>
-            <a:noAutofit/>
-          </a:bodyPr>
-          <a:lstStyle/>
-          <a:p>
-            <a:pPr algn="ctr"/>
-            <a:r>
-              <a:rPr lang="en-AU" dirty="0">
-                <a:solidFill>
-                  <a:schemeClr val="tx1"/>
-                </a:solidFill>
-              </a:rPr>
-              <a:t>1</a:t>
-            </a:r>
-            <a:r>
-              <a:rPr lang="en-AU" dirty="0" smtClean="0">
-                <a:solidFill>
-                  <a:schemeClr val="tx1"/>
-                </a:solidFill>
-              </a:rPr>
-              <a:t>0dB</a:t>
-            </a:r>
-            <a:endParaRPr lang="en-AU" dirty="0">
-              <a:solidFill>
-                <a:schemeClr val="tx1"/>
-              </a:solidFill>
-            </a:endParaRPr>
-          </a:p>
-        </p:txBody>
-      </p:sp>
+      </p:cxnSp>
     </p:spTree>
     <p:extLst>
       <p:ext uri="{BB962C8B-B14F-4D97-AF65-F5344CB8AC3E}">

--- a/Thesis/Figures/polished/wiring_ff.pptx
+++ b/Thesis/Figures/polished/wiring_ff.pptx
@@ -243,7 +243,7 @@
           <a:p>
             <a:fld id="{0922A112-48B9-4C05-94B1-8CB940845FC4}" type="datetimeFigureOut">
               <a:rPr lang="en-AU" smtClean="0"/>
-              <a:t>7/10/2018</a:t>
+              <a:t>8/10/2018</a:t>
             </a:fld>
             <a:endParaRPr lang="en-AU"/>
           </a:p>
@@ -413,7 +413,7 @@
           <a:p>
             <a:fld id="{0922A112-48B9-4C05-94B1-8CB940845FC4}" type="datetimeFigureOut">
               <a:rPr lang="en-AU" smtClean="0"/>
-              <a:t>7/10/2018</a:t>
+              <a:t>8/10/2018</a:t>
             </a:fld>
             <a:endParaRPr lang="en-AU"/>
           </a:p>
@@ -593,7 +593,7 @@
           <a:p>
             <a:fld id="{0922A112-48B9-4C05-94B1-8CB940845FC4}" type="datetimeFigureOut">
               <a:rPr lang="en-AU" smtClean="0"/>
-              <a:t>7/10/2018</a:t>
+              <a:t>8/10/2018</a:t>
             </a:fld>
             <a:endParaRPr lang="en-AU"/>
           </a:p>
@@ -763,7 +763,7 @@
           <a:p>
             <a:fld id="{0922A112-48B9-4C05-94B1-8CB940845FC4}" type="datetimeFigureOut">
               <a:rPr lang="en-AU" smtClean="0"/>
-              <a:t>7/10/2018</a:t>
+              <a:t>8/10/2018</a:t>
             </a:fld>
             <a:endParaRPr lang="en-AU"/>
           </a:p>
@@ -1007,7 +1007,7 @@
           <a:p>
             <a:fld id="{0922A112-48B9-4C05-94B1-8CB940845FC4}" type="datetimeFigureOut">
               <a:rPr lang="en-AU" smtClean="0"/>
-              <a:t>7/10/2018</a:t>
+              <a:t>8/10/2018</a:t>
             </a:fld>
             <a:endParaRPr lang="en-AU"/>
           </a:p>
@@ -1239,7 +1239,7 @@
           <a:p>
             <a:fld id="{0922A112-48B9-4C05-94B1-8CB940845FC4}" type="datetimeFigureOut">
               <a:rPr lang="en-AU" smtClean="0"/>
-              <a:t>7/10/2018</a:t>
+              <a:t>8/10/2018</a:t>
             </a:fld>
             <a:endParaRPr lang="en-AU"/>
           </a:p>
@@ -1606,7 +1606,7 @@
           <a:p>
             <a:fld id="{0922A112-48B9-4C05-94B1-8CB940845FC4}" type="datetimeFigureOut">
               <a:rPr lang="en-AU" smtClean="0"/>
-              <a:t>7/10/2018</a:t>
+              <a:t>8/10/2018</a:t>
             </a:fld>
             <a:endParaRPr lang="en-AU"/>
           </a:p>
@@ -1724,7 +1724,7 @@
           <a:p>
             <a:fld id="{0922A112-48B9-4C05-94B1-8CB940845FC4}" type="datetimeFigureOut">
               <a:rPr lang="en-AU" smtClean="0"/>
-              <a:t>7/10/2018</a:t>
+              <a:t>8/10/2018</a:t>
             </a:fld>
             <a:endParaRPr lang="en-AU"/>
           </a:p>
@@ -1819,7 +1819,7 @@
           <a:p>
             <a:fld id="{0922A112-48B9-4C05-94B1-8CB940845FC4}" type="datetimeFigureOut">
               <a:rPr lang="en-AU" smtClean="0"/>
-              <a:t>7/10/2018</a:t>
+              <a:t>8/10/2018</a:t>
             </a:fld>
             <a:endParaRPr lang="en-AU"/>
           </a:p>
@@ -2096,7 +2096,7 @@
           <a:p>
             <a:fld id="{0922A112-48B9-4C05-94B1-8CB940845FC4}" type="datetimeFigureOut">
               <a:rPr lang="en-AU" smtClean="0"/>
-              <a:t>7/10/2018</a:t>
+              <a:t>8/10/2018</a:t>
             </a:fld>
             <a:endParaRPr lang="en-AU"/>
           </a:p>
@@ -2353,7 +2353,7 @@
           <a:p>
             <a:fld id="{0922A112-48B9-4C05-94B1-8CB940845FC4}" type="datetimeFigureOut">
               <a:rPr lang="en-AU" smtClean="0"/>
-              <a:t>7/10/2018</a:t>
+              <a:t>8/10/2018</a:t>
             </a:fld>
             <a:endParaRPr lang="en-AU"/>
           </a:p>
@@ -2566,7 +2566,7 @@
           <a:p>
             <a:fld id="{0922A112-48B9-4C05-94B1-8CB940845FC4}" type="datetimeFigureOut">
               <a:rPr lang="en-AU" smtClean="0"/>
-              <a:t>7/10/2018</a:t>
+              <a:t>8/10/2018</a:t>
             </a:fld>
             <a:endParaRPr lang="en-AU"/>
           </a:p>
@@ -3584,115 +3584,6 @@
           </a:p>
         </p:txBody>
       </p:sp>
-      <p:sp>
-        <p:nvSpPr>
-          <p:cNvPr id="2" name="Rectangle 1"/>
-          <p:cNvSpPr/>
-          <p:nvPr/>
-        </p:nvSpPr>
-        <p:spPr>
-          <a:xfrm>
-            <a:off x="1877061" y="6011386"/>
-            <a:ext cx="1504848" cy="815501"/>
-          </a:xfrm>
-          <a:prstGeom prst="rect">
-            <a:avLst/>
-          </a:prstGeom>
-          <a:solidFill>
-            <a:schemeClr val="accent6">
-              <a:lumMod val="60000"/>
-              <a:lumOff val="40000"/>
-            </a:schemeClr>
-          </a:solidFill>
-          <a:ln w="28575">
-            <a:solidFill>
-              <a:srgbClr val="00B050"/>
-            </a:solidFill>
-          </a:ln>
-        </p:spPr>
-        <p:style>
-          <a:lnRef idx="2">
-            <a:schemeClr val="accent1">
-              <a:shade val="50000"/>
-            </a:schemeClr>
-          </a:lnRef>
-          <a:fillRef idx="1">
-            <a:schemeClr val="accent1"/>
-          </a:fillRef>
-          <a:effectRef idx="0">
-            <a:schemeClr val="accent1"/>
-          </a:effectRef>
-          <a:fontRef idx="minor">
-            <a:schemeClr val="lt1"/>
-          </a:fontRef>
-        </p:style>
-        <p:txBody>
-          <a:bodyPr rot="0" spcFirstLastPara="0" vertOverflow="overflow" horzOverflow="overflow" vert="horz" wrap="square" lIns="91440" tIns="45720" rIns="91440" bIns="45720" numCol="1" spcCol="0" rtlCol="0" fromWordArt="0" anchor="ctr" anchorCtr="0" forceAA="0" compatLnSpc="1">
-            <a:prstTxWarp prst="textNoShape">
-              <a:avLst/>
-            </a:prstTxWarp>
-            <a:noAutofit/>
-          </a:bodyPr>
-          <a:lstStyle/>
-          <a:p>
-            <a:pPr algn="ctr"/>
-            <a:r>
-              <a:rPr lang="en-AU" sz="1900" dirty="0" smtClean="0">
-                <a:solidFill>
-                  <a:schemeClr val="tx1"/>
-                </a:solidFill>
-              </a:rPr>
-              <a:t>Diplexer pic</a:t>
-            </a:r>
-            <a:endParaRPr lang="en-AU" sz="1900" dirty="0">
-              <a:solidFill>
-                <a:schemeClr val="tx1"/>
-              </a:solidFill>
-            </a:endParaRPr>
-          </a:p>
-        </p:txBody>
-      </p:sp>
-      <p:sp>
-        <p:nvSpPr>
-          <p:cNvPr id="78" name="TextBox 77"/>
-          <p:cNvSpPr txBox="1"/>
-          <p:nvPr/>
-        </p:nvSpPr>
-        <p:spPr>
-          <a:xfrm>
-            <a:off x="8593522" y="1467171"/>
-            <a:ext cx="813706" cy="969496"/>
-          </a:xfrm>
-          <a:prstGeom prst="rect">
-            <a:avLst/>
-          </a:prstGeom>
-          <a:noFill/>
-          <a:ln w="28575">
-            <a:solidFill>
-              <a:srgbClr val="00B050"/>
-            </a:solidFill>
-          </a:ln>
-        </p:spPr>
-        <p:txBody>
-          <a:bodyPr wrap="square" rtlCol="0">
-            <a:spAutoFit/>
-          </a:bodyPr>
-          <a:lstStyle/>
-          <a:p>
-            <a:pPr algn="ctr"/>
-            <a:r>
-              <a:rPr lang="en-AU" sz="1900" dirty="0">
-                <a:solidFill>
-                  <a:schemeClr val="accent6">
-                    <a:lumMod val="50000"/>
-                  </a:schemeClr>
-                </a:solidFill>
-              </a:rPr>
-              <a:t>Fast &lt;18GHz</a:t>
-            </a:r>
-          </a:p>
-        </p:txBody>
-      </p:sp>
       <p:cxnSp>
         <p:nvCxnSpPr>
           <p:cNvPr id="79" name="Straight Arrow Connector 78"/>
@@ -4592,18 +4483,14 @@
         </p:blipFill>
         <p:spPr>
           <a:xfrm>
-            <a:off x="5327065" y="6776041"/>
+            <a:off x="5339097" y="6776041"/>
             <a:ext cx="518952" cy="583611"/>
           </a:xfrm>
           <a:prstGeom prst="rect">
             <a:avLst/>
           </a:prstGeom>
           <a:ln w="19050">
-            <a:solidFill>
-              <a:schemeClr val="accent4">
-                <a:lumMod val="50000"/>
-              </a:schemeClr>
-            </a:solidFill>
+            <a:noFill/>
           </a:ln>
         </p:spPr>
       </p:pic>
@@ -4658,8 +4545,8 @@
         </p:nvCxnSpPr>
         <p:spPr>
           <a:xfrm rot="5400000">
-            <a:off x="3002833" y="7599356"/>
-            <a:ext cx="2823412" cy="2344005"/>
+            <a:off x="3008849" y="7593340"/>
+            <a:ext cx="2823412" cy="2356037"/>
           </a:xfrm>
           <a:prstGeom prst="bentConnector2">
             <a:avLst/>
@@ -5020,15 +4907,7 @@
                   <a:schemeClr val="tx1"/>
                 </a:solidFill>
               </a:rPr>
-              <a:t>10</a:t>
-            </a:r>
-            <a:r>
-              <a:rPr lang="en-AU" sz="1900" dirty="0" smtClean="0">
-                <a:solidFill>
-                  <a:schemeClr val="tx1"/>
-                </a:solidFill>
-              </a:rPr>
-              <a:t>dB</a:t>
+              <a:t>10dB</a:t>
             </a:r>
             <a:endParaRPr lang="en-AU" sz="1900" dirty="0">
               <a:solidFill>
@@ -5975,49 +5854,8 @@
       </p:cxnSp>
       <p:cxnSp>
         <p:nvCxnSpPr>
-          <p:cNvPr id="151" name="Elbow Connector 150"/>
-          <p:cNvCxnSpPr>
-            <a:endCxn id="65" idx="3"/>
-          </p:cNvCxnSpPr>
-          <p:nvPr/>
-        </p:nvCxnSpPr>
-        <p:spPr>
-          <a:xfrm rot="10800000">
-            <a:off x="2418441" y="5333265"/>
-            <a:ext cx="1297606" cy="1011866"/>
-          </a:xfrm>
-          <a:prstGeom prst="bentConnector3">
-            <a:avLst>
-              <a:gd name="adj1" fmla="val 13839"/>
-            </a:avLst>
-          </a:prstGeom>
-          <a:ln w="38100">
-            <a:solidFill>
-              <a:srgbClr val="C00000"/>
-            </a:solidFill>
-            <a:tailEnd type="triangle"/>
-          </a:ln>
-        </p:spPr>
-        <p:style>
-          <a:lnRef idx="1">
-            <a:schemeClr val="accent1"/>
-          </a:lnRef>
-          <a:fillRef idx="0">
-            <a:schemeClr val="accent1"/>
-          </a:fillRef>
-          <a:effectRef idx="0">
-            <a:schemeClr val="accent1"/>
-          </a:effectRef>
-          <a:fontRef idx="minor">
-            <a:schemeClr val="tx1"/>
-          </a:fontRef>
-        </p:style>
-      </p:cxnSp>
-      <p:cxnSp>
-        <p:nvCxnSpPr>
           <p:cNvPr id="161" name="Straight Arrow Connector 160"/>
           <p:cNvCxnSpPr>
-            <a:stCxn id="2" idx="2"/>
             <a:endCxn id="41" idx="0"/>
           </p:cNvCxnSpPr>
           <p:nvPr/>
@@ -6035,124 +5873,6 @@
               <a:srgbClr val="00B050"/>
             </a:solidFill>
             <a:tailEnd type="triangle"/>
-          </a:ln>
-        </p:spPr>
-        <p:style>
-          <a:lnRef idx="1">
-            <a:schemeClr val="accent1"/>
-          </a:lnRef>
-          <a:fillRef idx="0">
-            <a:schemeClr val="accent1"/>
-          </a:fillRef>
-          <a:effectRef idx="0">
-            <a:schemeClr val="accent1"/>
-          </a:effectRef>
-          <a:fontRef idx="minor">
-            <a:schemeClr val="tx1"/>
-          </a:fontRef>
-        </p:style>
-      </p:cxnSp>
-      <p:sp>
-        <p:nvSpPr>
-          <p:cNvPr id="65" name="Rectangle 64"/>
-          <p:cNvSpPr/>
-          <p:nvPr/>
-        </p:nvSpPr>
-        <p:spPr>
-          <a:xfrm>
-            <a:off x="1690963" y="4996825"/>
-            <a:ext cx="727478" cy="672879"/>
-          </a:xfrm>
-          <a:prstGeom prst="rect">
-            <a:avLst/>
-          </a:prstGeom>
-          <a:solidFill>
-            <a:schemeClr val="bg1">
-              <a:lumMod val="95000"/>
-            </a:schemeClr>
-          </a:solidFill>
-          <a:ln w="28575">
-            <a:solidFill>
-              <a:srgbClr val="C00000"/>
-            </a:solidFill>
-          </a:ln>
-        </p:spPr>
-        <p:style>
-          <a:lnRef idx="2">
-            <a:schemeClr val="accent1">
-              <a:shade val="50000"/>
-            </a:schemeClr>
-          </a:lnRef>
-          <a:fillRef idx="1">
-            <a:schemeClr val="accent1"/>
-          </a:fillRef>
-          <a:effectRef idx="0">
-            <a:schemeClr val="accent1"/>
-          </a:effectRef>
-          <a:fontRef idx="minor">
-            <a:schemeClr val="lt1"/>
-          </a:fontRef>
-        </p:style>
-        <p:txBody>
-          <a:bodyPr rot="0" spcFirstLastPara="0" vertOverflow="overflow" horzOverflow="overflow" vert="horz" wrap="square" lIns="91440" tIns="45720" rIns="91440" bIns="45720" numCol="1" spcCol="0" rtlCol="0" fromWordArt="0" anchor="ctr" anchorCtr="0" forceAA="0" compatLnSpc="1">
-            <a:prstTxWarp prst="textNoShape">
-              <a:avLst/>
-            </a:prstTxWarp>
-            <a:noAutofit/>
-          </a:bodyPr>
-          <a:lstStyle/>
-          <a:p>
-            <a:pPr algn="ctr"/>
-            <a:r>
-              <a:rPr lang="en-AU" sz="1900" dirty="0">
-                <a:solidFill>
-                  <a:schemeClr val="accent6">
-                    <a:lumMod val="50000"/>
-                  </a:schemeClr>
-                </a:solidFill>
-              </a:rPr>
-              <a:t>Bias </a:t>
-            </a:r>
-            <a:r>
-              <a:rPr lang="en-AU" sz="1900" dirty="0" smtClean="0">
-                <a:solidFill>
-                  <a:schemeClr val="accent6">
-                    <a:lumMod val="50000"/>
-                  </a:schemeClr>
-                </a:solidFill>
-              </a:rPr>
-              <a:t>T pic</a:t>
-            </a:r>
-            <a:endParaRPr lang="en-AU" sz="1900" dirty="0">
-              <a:solidFill>
-                <a:schemeClr val="accent6">
-                  <a:lumMod val="50000"/>
-                </a:schemeClr>
-              </a:solidFill>
-            </a:endParaRPr>
-          </a:p>
-        </p:txBody>
-      </p:sp>
-      <p:cxnSp>
-        <p:nvCxnSpPr>
-          <p:cNvPr id="174" name="Straight Connector 173"/>
-          <p:cNvCxnSpPr>
-            <a:endCxn id="67" idx="1"/>
-          </p:cNvCxnSpPr>
-          <p:nvPr/>
-        </p:nvCxnSpPr>
-        <p:spPr>
-          <a:xfrm>
-            <a:off x="3597663" y="6345131"/>
-            <a:ext cx="478385" cy="8080"/>
-          </a:xfrm>
-          <a:prstGeom prst="line">
-            <a:avLst/>
-          </a:prstGeom>
-          <a:ln w="38100">
-            <a:solidFill>
-              <a:srgbClr val="C00000"/>
-            </a:solidFill>
           </a:ln>
         </p:spPr>
         <p:style>
@@ -6686,6 +6406,202 @@
           </a:fontRef>
         </p:style>
       </p:cxnSp>
+      <p:pic>
+        <p:nvPicPr>
+          <p:cNvPr id="4" name="Picture 3"/>
+          <p:cNvPicPr>
+            <a:picLocks noChangeAspect="1"/>
+          </p:cNvPicPr>
+          <p:nvPr/>
+        </p:nvPicPr>
+        <p:blipFill>
+          <a:blip r:embed="rId11" cstate="print">
+            <a:extLst>
+              <a:ext uri="{28A0092B-C50C-407E-A947-70E740481C1C}">
+                <a14:useLocalDpi xmlns:a14="http://schemas.microsoft.com/office/drawing/2010/main" val="0"/>
+              </a:ext>
+            </a:extLst>
+          </a:blip>
+          <a:stretch>
+            <a:fillRect/>
+          </a:stretch>
+        </p:blipFill>
+        <p:spPr>
+          <a:xfrm>
+            <a:off x="2027352" y="6002768"/>
+            <a:ext cx="982367" cy="856094"/>
+          </a:xfrm>
+          <a:prstGeom prst="rect">
+            <a:avLst/>
+          </a:prstGeom>
+          <a:ln w="28575">
+            <a:solidFill>
+              <a:schemeClr val="tx1"/>
+            </a:solidFill>
+          </a:ln>
+        </p:spPr>
+      </p:pic>
+      <p:pic>
+        <p:nvPicPr>
+          <p:cNvPr id="5" name="Picture 4"/>
+          <p:cNvPicPr>
+            <a:picLocks noChangeAspect="1"/>
+          </p:cNvPicPr>
+          <p:nvPr/>
+        </p:nvPicPr>
+        <p:blipFill rotWithShape="1">
+          <a:blip r:embed="rId12" cstate="print">
+            <a:extLst>
+              <a:ext uri="{BEBA8EAE-BF5A-486C-A8C5-ECC9F3942E4B}">
+                <a14:imgProps xmlns:a14="http://schemas.microsoft.com/office/drawing/2010/main">
+                  <a14:imgLayer r:embed="rId13">
+                    <a14:imgEffect>
+                      <a14:backgroundRemoval t="38763" b="93196" l="9951" r="75426">
+                        <a14:backgroundMark x1="64431" y1="62680" x2="64431" y2="62680"/>
+                      </a14:backgroundRemoval>
+                    </a14:imgEffect>
+                  </a14:imgLayer>
+                </a14:imgProps>
+              </a:ext>
+              <a:ext uri="{28A0092B-C50C-407E-A947-70E740481C1C}">
+                <a14:useLocalDpi xmlns:a14="http://schemas.microsoft.com/office/drawing/2010/main" val="0"/>
+              </a:ext>
+            </a:extLst>
+          </a:blip>
+          <a:srcRect l="11944" t="37987" r="28147" b="20593"/>
+          <a:stretch/>
+        </p:blipFill>
+        <p:spPr>
+          <a:xfrm rot="5400000">
+            <a:off x="1584445" y="4716497"/>
+            <a:ext cx="926432" cy="854005"/>
+          </a:xfrm>
+          <a:prstGeom prst="rect">
+            <a:avLst/>
+          </a:prstGeom>
+          <a:ln w="19050">
+            <a:solidFill>
+              <a:schemeClr val="tx1"/>
+            </a:solidFill>
+          </a:ln>
+        </p:spPr>
+      </p:pic>
+      <p:cxnSp>
+        <p:nvCxnSpPr>
+          <p:cNvPr id="151" name="Elbow Connector 150"/>
+          <p:cNvCxnSpPr>
+            <a:stCxn id="67" idx="1"/>
+          </p:cNvCxnSpPr>
+          <p:nvPr/>
+        </p:nvCxnSpPr>
+        <p:spPr>
+          <a:xfrm rot="10800000">
+            <a:off x="2301142" y="5140523"/>
+            <a:ext cx="1774906" cy="1212689"/>
+          </a:xfrm>
+          <a:prstGeom prst="bentConnector3">
+            <a:avLst>
+              <a:gd name="adj1" fmla="val 39832"/>
+            </a:avLst>
+          </a:prstGeom>
+          <a:ln w="38100">
+            <a:solidFill>
+              <a:srgbClr val="C00000"/>
+            </a:solidFill>
+            <a:tailEnd type="triangle"/>
+          </a:ln>
+        </p:spPr>
+        <p:style>
+          <a:lnRef idx="1">
+            <a:schemeClr val="accent1"/>
+          </a:lnRef>
+          <a:fillRef idx="0">
+            <a:schemeClr val="accent1"/>
+          </a:fillRef>
+          <a:effectRef idx="0">
+            <a:schemeClr val="accent1"/>
+          </a:effectRef>
+          <a:fontRef idx="minor">
+            <a:schemeClr val="tx1"/>
+          </a:fontRef>
+        </p:style>
+      </p:cxnSp>
+      <p:sp>
+        <p:nvSpPr>
+          <p:cNvPr id="21" name="TextBox 20"/>
+          <p:cNvSpPr txBox="1"/>
+          <p:nvPr/>
+        </p:nvSpPr>
+        <p:spPr>
+          <a:xfrm>
+            <a:off x="2150701" y="5526073"/>
+            <a:ext cx="794928" cy="384721"/>
+          </a:xfrm>
+          <a:prstGeom prst="rect">
+            <a:avLst/>
+          </a:prstGeom>
+          <a:noFill/>
+        </p:spPr>
+        <p:txBody>
+          <a:bodyPr wrap="square" rtlCol="0">
+            <a:spAutoFit/>
+          </a:bodyPr>
+          <a:lstStyle/>
+          <a:p>
+            <a:r>
+              <a:rPr lang="en-AU" sz="1900" dirty="0" smtClean="0">
+                <a:solidFill>
+                  <a:srgbClr val="00B050"/>
+                </a:solidFill>
+              </a:rPr>
+              <a:t>Bias-T</a:t>
+            </a:r>
+            <a:endParaRPr lang="en-AU" sz="1900" dirty="0">
+              <a:solidFill>
+                <a:srgbClr val="00B050"/>
+              </a:solidFill>
+            </a:endParaRPr>
+          </a:p>
+        </p:txBody>
+      </p:sp>
+      <p:sp>
+        <p:nvSpPr>
+          <p:cNvPr id="93" name="TextBox 92"/>
+          <p:cNvSpPr txBox="1"/>
+          <p:nvPr/>
+        </p:nvSpPr>
+        <p:spPr>
+          <a:xfrm>
+            <a:off x="2963937" y="6570739"/>
+            <a:ext cx="1014250" cy="384721"/>
+          </a:xfrm>
+          <a:prstGeom prst="rect">
+            <a:avLst/>
+          </a:prstGeom>
+          <a:noFill/>
+        </p:spPr>
+        <p:txBody>
+          <a:bodyPr wrap="square" rtlCol="0">
+            <a:spAutoFit/>
+          </a:bodyPr>
+          <a:lstStyle/>
+          <a:p>
+            <a:r>
+              <a:rPr lang="en-AU" sz="1900" dirty="0" smtClean="0">
+                <a:solidFill>
+                  <a:srgbClr val="00B050"/>
+                </a:solidFill>
+              </a:rPr>
+              <a:t>Diplexer</a:t>
+            </a:r>
+            <a:endParaRPr lang="en-AU" sz="1900" dirty="0">
+              <a:solidFill>
+                <a:srgbClr val="00B050"/>
+              </a:solidFill>
+            </a:endParaRPr>
+          </a:p>
+        </p:txBody>
+      </p:sp>
     </p:spTree>
     <p:extLst>
       <p:ext uri="{BB962C8B-B14F-4D97-AF65-F5344CB8AC3E}">
